--- a/Session2/Session2.pptx
+++ b/Session2/Session2.pptx
@@ -5,36 +5,38 @@
     <p:sldMasterId id="2147483696" r:id="rId1"/>
   </p:sldMasterIdLst>
   <p:notesMasterIdLst>
-    <p:notesMasterId r:id="rId29"/>
+    <p:notesMasterId r:id="rId31"/>
   </p:notesMasterIdLst>
   <p:sldIdLst>
     <p:sldId id="267" r:id="rId2"/>
-    <p:sldId id="274" r:id="rId3"/>
-    <p:sldId id="275" r:id="rId4"/>
-    <p:sldId id="276" r:id="rId5"/>
-    <p:sldId id="277" r:id="rId6"/>
-    <p:sldId id="278" r:id="rId7"/>
-    <p:sldId id="279" r:id="rId8"/>
-    <p:sldId id="280" r:id="rId9"/>
-    <p:sldId id="281" r:id="rId10"/>
-    <p:sldId id="282" r:id="rId11"/>
-    <p:sldId id="283" r:id="rId12"/>
-    <p:sldId id="284" r:id="rId13"/>
-    <p:sldId id="285" r:id="rId14"/>
-    <p:sldId id="286" r:id="rId15"/>
-    <p:sldId id="287" r:id="rId16"/>
-    <p:sldId id="288" r:id="rId17"/>
-    <p:sldId id="289" r:id="rId18"/>
-    <p:sldId id="290" r:id="rId19"/>
-    <p:sldId id="291" r:id="rId20"/>
-    <p:sldId id="292" r:id="rId21"/>
-    <p:sldId id="293" r:id="rId22"/>
-    <p:sldId id="296" r:id="rId23"/>
-    <p:sldId id="297" r:id="rId24"/>
-    <p:sldId id="294" r:id="rId25"/>
-    <p:sldId id="300" r:id="rId26"/>
-    <p:sldId id="299" r:id="rId27"/>
-    <p:sldId id="298" r:id="rId28"/>
+    <p:sldId id="306" r:id="rId3"/>
+    <p:sldId id="274" r:id="rId4"/>
+    <p:sldId id="307" r:id="rId5"/>
+    <p:sldId id="275" r:id="rId6"/>
+    <p:sldId id="276" r:id="rId7"/>
+    <p:sldId id="277" r:id="rId8"/>
+    <p:sldId id="278" r:id="rId9"/>
+    <p:sldId id="279" r:id="rId10"/>
+    <p:sldId id="280" r:id="rId11"/>
+    <p:sldId id="281" r:id="rId12"/>
+    <p:sldId id="282" r:id="rId13"/>
+    <p:sldId id="283" r:id="rId14"/>
+    <p:sldId id="289" r:id="rId15"/>
+    <p:sldId id="290" r:id="rId16"/>
+    <p:sldId id="291" r:id="rId17"/>
+    <p:sldId id="292" r:id="rId18"/>
+    <p:sldId id="293" r:id="rId19"/>
+    <p:sldId id="296" r:id="rId20"/>
+    <p:sldId id="297" r:id="rId21"/>
+    <p:sldId id="294" r:id="rId22"/>
+    <p:sldId id="301" r:id="rId23"/>
+    <p:sldId id="302" r:id="rId24"/>
+    <p:sldId id="303" r:id="rId25"/>
+    <p:sldId id="304" r:id="rId26"/>
+    <p:sldId id="305" r:id="rId27"/>
+    <p:sldId id="300" r:id="rId28"/>
+    <p:sldId id="299" r:id="rId29"/>
+    <p:sldId id="298" r:id="rId30"/>
   </p:sldIdLst>
   <p:sldSz cx="12192000" cy="6858000"/>
   <p:notesSz cx="6858000" cy="9144000"/>
@@ -223,7 +225,7 @@
           <a:p>
             <a:fld id="{2E95F55E-E18D-44A4-A501-026151CCBF13}" type="datetimeFigureOut">
               <a:rPr lang="en-US" smtClean="0"/>
-              <a:t>7/24/2022</a:t>
+              <a:t>8/16/2022</a:t>
             </a:fld>
             <a:endParaRPr lang="en-US" dirty="0"/>
           </a:p>
@@ -535,7 +537,7 @@
           <a:bodyPr/>
           <a:lstStyle/>
           <a:p>
-            <a:endParaRPr lang="en-US"/>
+            <a:endParaRPr lang="en-US" dirty="0"/>
           </a:p>
         </p:txBody>
       </p:sp>
@@ -566,6 +568,90 @@
     <p:extLst>
       <p:ext uri="{BB962C8B-B14F-4D97-AF65-F5344CB8AC3E}">
         <p14:creationId xmlns:p14="http://schemas.microsoft.com/office/powerpoint/2010/main" val="144229338"/>
+      </p:ext>
+    </p:extLst>
+  </p:cSld>
+  <p:clrMapOvr>
+    <a:masterClrMapping/>
+  </p:clrMapOvr>
+</p:notes>
+</file>
+
+<file path=ppt/notesSlides/notesSlide2.xml><?xml version="1.0" encoding="utf-8"?>
+<p:notes xmlns:a="http://schemas.openxmlformats.org/drawingml/2006/main" xmlns:r="http://schemas.openxmlformats.org/officeDocument/2006/relationships" xmlns:p="http://schemas.openxmlformats.org/presentationml/2006/main">
+  <p:cSld>
+    <p:spTree>
+      <p:nvGrpSpPr>
+        <p:cNvPr id="1" name=""/>
+        <p:cNvGrpSpPr/>
+        <p:nvPr/>
+      </p:nvGrpSpPr>
+      <p:grpSpPr>
+        <a:xfrm>
+          <a:off x="0" y="0"/>
+          <a:ext cx="0" cy="0"/>
+          <a:chOff x="0" y="0"/>
+          <a:chExt cx="0" cy="0"/>
+        </a:xfrm>
+      </p:grpSpPr>
+      <p:sp>
+        <p:nvSpPr>
+          <p:cNvPr id="2" name="Slide Image Placeholder 1"/>
+          <p:cNvSpPr>
+            <a:spLocks noGrp="1" noRot="1" noChangeAspect="1"/>
+          </p:cNvSpPr>
+          <p:nvPr>
+            <p:ph type="sldImg"/>
+          </p:nvPr>
+        </p:nvSpPr>
+        <p:spPr/>
+      </p:sp>
+      <p:sp>
+        <p:nvSpPr>
+          <p:cNvPr id="3" name="Notes Placeholder 2"/>
+          <p:cNvSpPr>
+            <a:spLocks noGrp="1"/>
+          </p:cNvSpPr>
+          <p:nvPr>
+            <p:ph type="body" idx="1"/>
+          </p:nvPr>
+        </p:nvSpPr>
+        <p:spPr/>
+        <p:txBody>
+          <a:bodyPr/>
+          <a:lstStyle/>
+          <a:p>
+            <a:endParaRPr lang="en-US" dirty="0"/>
+          </a:p>
+        </p:txBody>
+      </p:sp>
+      <p:sp>
+        <p:nvSpPr>
+          <p:cNvPr id="4" name="Slide Number Placeholder 3"/>
+          <p:cNvSpPr>
+            <a:spLocks noGrp="1"/>
+          </p:cNvSpPr>
+          <p:nvPr>
+            <p:ph type="sldNum" sz="quarter" idx="10"/>
+          </p:nvPr>
+        </p:nvSpPr>
+        <p:spPr/>
+        <p:txBody>
+          <a:bodyPr/>
+          <a:lstStyle/>
+          <a:p>
+            <a:fld id="{3E15EA3C-9438-4681-B894-86D5EF93F54F}" type="slidenum">
+              <a:rPr lang="en-US" smtClean="0"/>
+              <a:t>2</a:t>
+            </a:fld>
+            <a:endParaRPr lang="en-US" dirty="0"/>
+          </a:p>
+        </p:txBody>
+      </p:sp>
+    </p:spTree>
+    <p:extLst>
+      <p:ext uri="{BB962C8B-B14F-4D97-AF65-F5344CB8AC3E}">
+        <p14:creationId xmlns:p14="http://schemas.microsoft.com/office/powerpoint/2010/main" val="2312119281"/>
       </p:ext>
     </p:extLst>
   </p:cSld>
@@ -1028,7 +1114,7 @@
           <a:p>
             <a:fld id="{DE4B1179-8219-42F9-8996-81CD8E7A8162}" type="datetime1">
               <a:rPr lang="en-US" smtClean="0"/>
-              <a:t>7/24/2022</a:t>
+              <a:t>8/16/2022</a:t>
             </a:fld>
             <a:endParaRPr lang="en-US" dirty="0"/>
           </a:p>
@@ -1364,7 +1450,7 @@
           <a:p>
             <a:fld id="{A818F719-D0CA-46D5-883A-B73B4FACDA67}" type="datetime1">
               <a:rPr lang="en-US" smtClean="0"/>
-              <a:t>7/24/2022</a:t>
+              <a:t>8/16/2022</a:t>
             </a:fld>
             <a:endParaRPr lang="en-US" dirty="0"/>
           </a:p>
@@ -1564,7 +1650,7 @@
           <a:p>
             <a:fld id="{628E9347-871E-4787-8931-85458A0B3502}" type="datetime1">
               <a:rPr lang="en-US" smtClean="0"/>
-              <a:t>7/24/2022</a:t>
+              <a:t>8/16/2022</a:t>
             </a:fld>
             <a:endParaRPr lang="en-US" dirty="0"/>
           </a:p>
@@ -1838,7 +1924,7 @@
           <a:p>
             <a:fld id="{39A535CF-F061-4449-883D-8B5F7B5A1599}" type="datetime1">
               <a:rPr lang="en-US" smtClean="0"/>
-              <a:t>7/24/2022</a:t>
+              <a:t>8/16/2022</a:t>
             </a:fld>
             <a:endParaRPr lang="en-US" dirty="0"/>
           </a:p>
@@ -2270,7 +2356,7 @@
           <a:p>
             <a:fld id="{44811ED3-3579-4665-9198-9381A09A1AA5}" type="datetime1">
               <a:rPr lang="en-US" smtClean="0"/>
-              <a:t>7/24/2022</a:t>
+              <a:t>8/16/2022</a:t>
             </a:fld>
             <a:endParaRPr lang="en-US" dirty="0"/>
           </a:p>
@@ -2824,7 +2910,7 @@
           <a:p>
             <a:fld id="{635032B1-6D43-4929-9B9F-4B4B0ECC0D4D}" type="datetime1">
               <a:rPr lang="en-US" smtClean="0"/>
-              <a:t>7/24/2022</a:t>
+              <a:t>8/16/2022</a:t>
             </a:fld>
             <a:endParaRPr lang="en-US" dirty="0"/>
           </a:p>
@@ -3618,7 +3704,7 @@
           <a:p>
             <a:fld id="{CB06CBBC-70FE-44F5-9126-606285FDC9AC}" type="datetime1">
               <a:rPr lang="en-US" smtClean="0"/>
-              <a:t>7/24/2022</a:t>
+              <a:t>8/16/2022</a:t>
             </a:fld>
             <a:endParaRPr lang="en-US" dirty="0"/>
           </a:p>
@@ -3801,7 +3887,7 @@
           <a:p>
             <a:fld id="{DAD0BFFF-DC96-4843-A4E6-136D7F17D430}" type="datetime1">
               <a:rPr lang="en-US" smtClean="0"/>
-              <a:t>7/24/2022</a:t>
+              <a:t>8/16/2022</a:t>
             </a:fld>
             <a:endParaRPr lang="en-US" dirty="0"/>
           </a:p>
@@ -3989,7 +4075,7 @@
           <a:p>
             <a:fld id="{67C107FB-00E4-4771-83BE-4C61BB4C06AB}" type="datetime1">
               <a:rPr lang="en-US" smtClean="0"/>
-              <a:t>7/24/2022</a:t>
+              <a:t>8/16/2022</a:t>
             </a:fld>
             <a:endParaRPr lang="en-US" dirty="0"/>
           </a:p>
@@ -4168,7 +4254,7 @@
           <a:p>
             <a:fld id="{49D5BDBF-92BD-4EFF-B59A-AE1FA8BB26C9}" type="datetime1">
               <a:rPr lang="en-US" smtClean="0"/>
-              <a:t>7/24/2022</a:t>
+              <a:t>8/16/2022</a:t>
             </a:fld>
             <a:endParaRPr lang="en-US" dirty="0"/>
           </a:p>
@@ -4422,7 +4508,7 @@
           <a:p>
             <a:fld id="{591A8378-B178-4A5F-8E20-BD4BA23E137C}" type="datetime1">
               <a:rPr lang="en-US" smtClean="0"/>
-              <a:t>7/24/2022</a:t>
+              <a:t>8/16/2022</a:t>
             </a:fld>
             <a:endParaRPr lang="en-US" dirty="0"/>
           </a:p>
@@ -4663,7 +4749,7 @@
           <a:p>
             <a:fld id="{8FC23440-CB91-461F-AF47-1E92F4CC0137}" type="datetime1">
               <a:rPr lang="en-US" smtClean="0"/>
-              <a:t>7/24/2022</a:t>
+              <a:t>8/16/2022</a:t>
             </a:fld>
             <a:endParaRPr lang="en-US" dirty="0"/>
           </a:p>
@@ -5052,7 +5138,7 @@
           <a:p>
             <a:fld id="{7741FC3E-ABEC-4386-AD49-45FC82AB7259}" type="datetime1">
               <a:rPr lang="en-US" smtClean="0"/>
-              <a:t>7/24/2022</a:t>
+              <a:t>8/16/2022</a:t>
             </a:fld>
             <a:endParaRPr lang="en-US" dirty="0"/>
           </a:p>
@@ -5174,7 +5260,7 @@
           <a:p>
             <a:fld id="{55E5A010-4B33-422F-B67C-E3E48633A037}" type="datetime1">
               <a:rPr lang="en-US" smtClean="0"/>
-              <a:t>7/24/2022</a:t>
+              <a:t>8/16/2022</a:t>
             </a:fld>
             <a:endParaRPr lang="en-US" dirty="0"/>
           </a:p>
@@ -5273,7 +5359,7 @@
           <a:p>
             <a:fld id="{FF830322-C263-46D6-A22A-302E0E060C60}" type="datetime1">
               <a:rPr lang="en-US" smtClean="0"/>
-              <a:t>7/24/2022</a:t>
+              <a:t>8/16/2022</a:t>
             </a:fld>
             <a:endParaRPr lang="en-US" dirty="0"/>
           </a:p>
@@ -5530,7 +5616,7 @@
           <a:p>
             <a:fld id="{57C6F4EA-7A8F-4B81-BA60-DB4491B4106B}" type="datetime1">
               <a:rPr lang="en-US" smtClean="0"/>
-              <a:t>7/24/2022</a:t>
+              <a:t>8/16/2022</a:t>
             </a:fld>
             <a:endParaRPr lang="en-US" dirty="0"/>
           </a:p>
@@ -5803,7 +5889,7 @@
           <a:p>
             <a:fld id="{2EC6C7F5-C680-46F9-A9F3-38C00143FDE7}" type="datetime1">
               <a:rPr lang="en-US" smtClean="0"/>
-              <a:t>7/24/2022</a:t>
+              <a:t>8/16/2022</a:t>
             </a:fld>
             <a:endParaRPr lang="en-US" dirty="0"/>
           </a:p>
@@ -6210,7 +6296,7 @@
           <a:p>
             <a:fld id="{B5033656-F303-4838-A77E-491DF4DD4A94}" type="datetime1">
               <a:rPr lang="en-US" smtClean="0"/>
-              <a:t>7/24/2022</a:t>
+              <a:t>8/16/2022</a:t>
             </a:fld>
             <a:endParaRPr lang="en-US" dirty="0"/>
           </a:p>
@@ -7160,25 +7246,30 @@
             <p:ph type="title"/>
           </p:nvPr>
         </p:nvSpPr>
-        <p:spPr/>
-        <p:txBody>
-          <a:bodyPr/>
-          <a:lstStyle/>
-          <a:p>
-            <a:r>
-              <a:rPr lang="en-US" dirty="0" smtClean="0"/>
-              <a:t>Type of </a:t>
-            </a:r>
-            <a:r>
-              <a:rPr lang="en-US" dirty="0"/>
-              <a:t>Activation functions</a:t>
-            </a:r>
+        <p:spPr>
+          <a:xfrm>
+            <a:off x="310896" y="576072"/>
+            <a:ext cx="4509607" cy="633364"/>
+          </a:xfrm>
+        </p:spPr>
+        <p:txBody>
+          <a:bodyPr>
+            <a:normAutofit/>
+          </a:bodyPr>
+          <a:lstStyle/>
+          <a:p>
+            <a:pPr algn="l"/>
+            <a:r>
+              <a:rPr lang="en-US" cap="none" dirty="0" smtClean="0"/>
+              <a:t>Activation Functions </a:t>
+            </a:r>
+            <a:endParaRPr lang="en-US" cap="none" dirty="0"/>
           </a:p>
         </p:txBody>
       </p:sp>
       <p:pic>
         <p:nvPicPr>
-          <p:cNvPr id="6" name="Content Placeholder 5"/>
+          <p:cNvPr id="5" name="Content Placeholder 4"/>
           <p:cNvPicPr>
             <a:picLocks noGrp="1" noChangeAspect="1"/>
           </p:cNvPicPr>
@@ -7187,24 +7278,112 @@
           </p:nvPr>
         </p:nvPicPr>
         <p:blipFill>
-          <a:blip r:embed="rId2">
-            <a:extLst>
-              <a:ext uri="{28A0092B-C50C-407E-A947-70E740481C1C}">
-                <a14:useLocalDpi xmlns:a14="http://schemas.microsoft.com/office/drawing/2010/main" val="0"/>
-              </a:ext>
-            </a:extLst>
-          </a:blip>
+          <a:blip r:embed="rId2"/>
           <a:stretch>
             <a:fillRect/>
           </a:stretch>
         </p:blipFill>
         <p:spPr>
           <a:xfrm>
-            <a:off x="1709928" y="1837766"/>
-            <a:ext cx="7955280" cy="3758362"/>
-          </a:xfrm>
+            <a:off x="5769864" y="2102026"/>
+            <a:ext cx="5722366" cy="2844876"/>
+          </a:xfrm>
+          <a:prstGeom prst="rect">
+            <a:avLst/>
+          </a:prstGeom>
         </p:spPr>
       </p:pic>
+      <p:sp>
+        <p:nvSpPr>
+          <p:cNvPr id="7" name="Rectangle 6"/>
+          <p:cNvSpPr/>
+          <p:nvPr/>
+        </p:nvSpPr>
+        <p:spPr>
+          <a:xfrm>
+            <a:off x="310896" y="1323862"/>
+            <a:ext cx="5358384" cy="4401205"/>
+          </a:xfrm>
+          <a:prstGeom prst="rect">
+            <a:avLst/>
+          </a:prstGeom>
+        </p:spPr>
+        <p:txBody>
+          <a:bodyPr wrap="square">
+            <a:spAutoFit/>
+          </a:bodyPr>
+          <a:lstStyle/>
+          <a:p>
+            <a:r>
+              <a:rPr lang="en-US" sz="2000" b="1" dirty="0">
+                <a:latin typeface="Times New Roman" panose="02020603050405020304" pitchFamily="18" charset="0"/>
+                <a:cs typeface="Times New Roman" panose="02020603050405020304" pitchFamily="18" charset="0"/>
+              </a:rPr>
+              <a:t>• It’s a function that we use to get the output of node. </a:t>
+            </a:r>
+            <a:endParaRPr lang="en-US" sz="2000" b="1" dirty="0" smtClean="0">
+              <a:latin typeface="Times New Roman" panose="02020603050405020304" pitchFamily="18" charset="0"/>
+              <a:cs typeface="Times New Roman" panose="02020603050405020304" pitchFamily="18" charset="0"/>
+            </a:endParaRPr>
+          </a:p>
+          <a:p>
+            <a:endParaRPr lang="en-US" sz="2000" b="1" dirty="0">
+              <a:latin typeface="Times New Roman" panose="02020603050405020304" pitchFamily="18" charset="0"/>
+              <a:cs typeface="Times New Roman" panose="02020603050405020304" pitchFamily="18" charset="0"/>
+            </a:endParaRPr>
+          </a:p>
+          <a:p>
+            <a:r>
+              <a:rPr lang="en-US" sz="2000" b="1" dirty="0">
+                <a:latin typeface="Times New Roman" panose="02020603050405020304" pitchFamily="18" charset="0"/>
+                <a:cs typeface="Times New Roman" panose="02020603050405020304" pitchFamily="18" charset="0"/>
+              </a:rPr>
+              <a:t>• It is also known as Transfer Function. </a:t>
+            </a:r>
+            <a:endParaRPr lang="en-US" sz="2000" b="1" dirty="0" smtClean="0">
+              <a:latin typeface="Times New Roman" panose="02020603050405020304" pitchFamily="18" charset="0"/>
+              <a:cs typeface="Times New Roman" panose="02020603050405020304" pitchFamily="18" charset="0"/>
+            </a:endParaRPr>
+          </a:p>
+          <a:p>
+            <a:endParaRPr lang="en-US" sz="2000" b="1" dirty="0">
+              <a:latin typeface="Times New Roman" panose="02020603050405020304" pitchFamily="18" charset="0"/>
+              <a:cs typeface="Times New Roman" panose="02020603050405020304" pitchFamily="18" charset="0"/>
+            </a:endParaRPr>
+          </a:p>
+          <a:p>
+            <a:r>
+              <a:rPr lang="en-US" sz="2000" b="1" dirty="0">
+                <a:latin typeface="Times New Roman" panose="02020603050405020304" pitchFamily="18" charset="0"/>
+                <a:cs typeface="Times New Roman" panose="02020603050405020304" pitchFamily="18" charset="0"/>
+              </a:rPr>
+              <a:t>•The purpose of the activation function is to introduce non-linearity into the output of a neuron. </a:t>
+            </a:r>
+            <a:endParaRPr lang="en-US" sz="2000" b="1" dirty="0" smtClean="0">
+              <a:latin typeface="Times New Roman" panose="02020603050405020304" pitchFamily="18" charset="0"/>
+              <a:cs typeface="Times New Roman" panose="02020603050405020304" pitchFamily="18" charset="0"/>
+            </a:endParaRPr>
+          </a:p>
+          <a:p>
+            <a:endParaRPr lang="en-US" sz="2000" b="1" dirty="0">
+              <a:latin typeface="Times New Roman" panose="02020603050405020304" pitchFamily="18" charset="0"/>
+              <a:cs typeface="Times New Roman" panose="02020603050405020304" pitchFamily="18" charset="0"/>
+            </a:endParaRPr>
+          </a:p>
+          <a:p>
+            <a:r>
+              <a:rPr lang="en-US" sz="2000" b="1" dirty="0">
+                <a:latin typeface="Times New Roman" panose="02020603050405020304" pitchFamily="18" charset="0"/>
+                <a:cs typeface="Times New Roman" panose="02020603050405020304" pitchFamily="18" charset="0"/>
+              </a:rPr>
+              <a:t>•Activation function also helps to normalize the output of any input in the range between 0 to 1 or 1 to -1 or any values according to activation function. </a:t>
+            </a:r>
+          </a:p>
+          <a:p>
+            <a:endParaRPr lang="en-US" sz="2000" dirty="0"/>
+          </a:p>
+        </p:txBody>
+      </p:sp>
       <p:sp>
         <p:nvSpPr>
           <p:cNvPr id="3" name="Footer Placeholder 2"/>
@@ -7254,7 +7433,7 @@
     </p:spTree>
     <p:extLst>
       <p:ext uri="{BB962C8B-B14F-4D97-AF65-F5344CB8AC3E}">
-        <p14:creationId xmlns:p14="http://schemas.microsoft.com/office/powerpoint/2010/main" val="4173655058"/>
+        <p14:creationId xmlns:p14="http://schemas.microsoft.com/office/powerpoint/2010/main" val="2315110271"/>
       </p:ext>
     </p:extLst>
   </p:cSld>
@@ -7298,21 +7477,28 @@
             <p:ph type="title"/>
           </p:nvPr>
         </p:nvSpPr>
-        <p:spPr/>
-        <p:txBody>
-          <a:bodyPr/>
-          <a:lstStyle/>
-          <a:p>
-            <a:r>
-              <a:rPr lang="en-US" dirty="0"/>
-              <a:t>SOFTMAX activation function</a:t>
-            </a:r>
+        <p:spPr>
+          <a:xfrm>
+            <a:off x="474186" y="585216"/>
+            <a:ext cx="5789453" cy="679084"/>
+          </a:xfrm>
+        </p:spPr>
+        <p:txBody>
+          <a:bodyPr/>
+          <a:lstStyle/>
+          <a:p>
+            <a:pPr algn="l"/>
+            <a:r>
+              <a:rPr lang="en-US" cap="none" dirty="0" smtClean="0"/>
+              <a:t>Why Activation Functions?</a:t>
+            </a:r>
+            <a:endParaRPr lang="en-US" cap="none" dirty="0"/>
           </a:p>
         </p:txBody>
       </p:sp>
       <p:pic>
         <p:nvPicPr>
-          <p:cNvPr id="4" name="Content Placeholder 3"/>
+          <p:cNvPr id="5" name="Content Placeholder 4"/>
           <p:cNvPicPr>
             <a:picLocks noGrp="1" noChangeAspect="1"/>
           </p:cNvPicPr>
@@ -7328,38 +7514,49 @@
         </p:blipFill>
         <p:spPr>
           <a:xfrm>
-            <a:off x="685800" y="1837765"/>
-            <a:ext cx="4233671" cy="3549249"/>
+            <a:off x="2903045" y="2590180"/>
+            <a:ext cx="6034087" cy="2844876"/>
           </a:xfrm>
           <a:prstGeom prst="rect">
             <a:avLst/>
           </a:prstGeom>
         </p:spPr>
       </p:pic>
-      <p:pic>
-        <p:nvPicPr>
-          <p:cNvPr id="5" name="Picture 4"/>
-          <p:cNvPicPr>
-            <a:picLocks noChangeAspect="1"/>
-          </p:cNvPicPr>
+      <p:sp>
+        <p:nvSpPr>
+          <p:cNvPr id="6" name="Rectangle 5"/>
+          <p:cNvSpPr/>
           <p:nvPr/>
-        </p:nvPicPr>
-        <p:blipFill>
-          <a:blip r:embed="rId3"/>
-          <a:stretch>
-            <a:fillRect/>
-          </a:stretch>
-        </p:blipFill>
-        <p:spPr>
-          <a:xfrm>
-            <a:off x="5245175" y="1837765"/>
-            <a:ext cx="6346801" cy="3544767"/>
+        </p:nvSpPr>
+        <p:spPr>
+          <a:xfrm>
+            <a:off x="474186" y="1392316"/>
+            <a:ext cx="10891806" cy="923330"/>
           </a:xfrm>
           <a:prstGeom prst="rect">
             <a:avLst/>
           </a:prstGeom>
         </p:spPr>
-      </p:pic>
+        <p:txBody>
+          <a:bodyPr wrap="square">
+            <a:spAutoFit/>
+          </a:bodyPr>
+          <a:lstStyle/>
+          <a:p>
+            <a:r>
+              <a:rPr lang="en-US" b="1" dirty="0">
+                <a:latin typeface="Times New Roman" panose="02020603050405020304" pitchFamily="18" charset="0"/>
+                <a:cs typeface="Times New Roman" panose="02020603050405020304" pitchFamily="18" charset="0"/>
+              </a:rPr>
+              <a:t>Without activation function, weight and bias would only have a linear transformation, or neural network is just a linear regression model, a linear equation is polynomial of one degree only which is simple to solve but limited in terms of ability to solve complex problems or higher degree polynomials</a:t>
+            </a:r>
+            <a:r>
+              <a:rPr lang="en-US" dirty="0"/>
+              <a:t>.</a:t>
+            </a:r>
+          </a:p>
+        </p:txBody>
+      </p:sp>
       <p:sp>
         <p:nvSpPr>
           <p:cNvPr id="3" name="Footer Placeholder 2"/>
@@ -7385,7 +7582,7 @@
       </p:sp>
       <p:sp>
         <p:nvSpPr>
-          <p:cNvPr id="6" name="Slide Number Placeholder 5"/>
+          <p:cNvPr id="4" name="Slide Number Placeholder 3"/>
           <p:cNvSpPr>
             <a:spLocks noGrp="1"/>
           </p:cNvSpPr>
@@ -7409,7 +7606,7 @@
     </p:spTree>
     <p:extLst>
       <p:ext uri="{BB962C8B-B14F-4D97-AF65-F5344CB8AC3E}">
-        <p14:creationId xmlns:p14="http://schemas.microsoft.com/office/powerpoint/2010/main" val="3975001706"/>
+        <p14:creationId xmlns:p14="http://schemas.microsoft.com/office/powerpoint/2010/main" val="2914177479"/>
       </p:ext>
     </p:extLst>
   </p:cSld>
@@ -7459,15 +7656,16 @@
           <a:lstStyle/>
           <a:p>
             <a:r>
-              <a:rPr lang="en-US" dirty="0"/>
-              <a:t>Loss Functions</a:t>
-            </a:r>
+              <a:rPr lang="en-US" cap="none" dirty="0" smtClean="0"/>
+              <a:t>Type Of Activation Functions</a:t>
+            </a:r>
+            <a:endParaRPr lang="en-US" cap="none" dirty="0"/>
           </a:p>
         </p:txBody>
       </p:sp>
       <p:pic>
         <p:nvPicPr>
-          <p:cNvPr id="4" name="Content Placeholder 3"/>
+          <p:cNvPr id="6" name="Content Placeholder 5"/>
           <p:cNvPicPr>
             <a:picLocks noGrp="1" noChangeAspect="1"/>
           </p:cNvPicPr>
@@ -7476,21 +7674,70 @@
           </p:nvPr>
         </p:nvPicPr>
         <p:blipFill>
-          <a:blip r:embed="rId2"/>
+          <a:blip r:embed="rId2">
+            <a:extLst>
+              <a:ext uri="{28A0092B-C50C-407E-A947-70E740481C1C}">
+                <a14:useLocalDpi xmlns:a14="http://schemas.microsoft.com/office/drawing/2010/main" val="0"/>
+              </a:ext>
+            </a:extLst>
+          </a:blip>
           <a:stretch>
             <a:fillRect/>
           </a:stretch>
         </p:blipFill>
         <p:spPr>
           <a:xfrm>
-            <a:off x="5320542" y="1799903"/>
-            <a:ext cx="6258684" cy="3557016"/>
-          </a:xfrm>
-          <a:prstGeom prst="rect">
-            <a:avLst/>
-          </a:prstGeom>
+            <a:off x="1709928" y="1837766"/>
+            <a:ext cx="7955280" cy="3758362"/>
+          </a:xfrm>
         </p:spPr>
       </p:pic>
+      <p:sp>
+        <p:nvSpPr>
+          <p:cNvPr id="3" name="Footer Placeholder 2"/>
+          <p:cNvSpPr>
+            <a:spLocks noGrp="1"/>
+          </p:cNvSpPr>
+          <p:nvPr>
+            <p:ph type="ftr" sz="quarter" idx="11"/>
+          </p:nvPr>
+        </p:nvSpPr>
+        <p:spPr/>
+        <p:txBody>
+          <a:bodyPr/>
+          <a:lstStyle/>
+          <a:p>
+            <a:r>
+              <a:rPr lang="en-US" smtClean="0"/>
+              <a:t>H.Fakher</a:t>
+            </a:r>
+            <a:endParaRPr lang="en-US" dirty="0"/>
+          </a:p>
+        </p:txBody>
+      </p:sp>
+      <p:sp>
+        <p:nvSpPr>
+          <p:cNvPr id="4" name="Slide Number Placeholder 3"/>
+          <p:cNvSpPr>
+            <a:spLocks noGrp="1"/>
+          </p:cNvSpPr>
+          <p:nvPr>
+            <p:ph type="sldNum" sz="quarter" idx="12"/>
+          </p:nvPr>
+        </p:nvSpPr>
+        <p:spPr/>
+        <p:txBody>
+          <a:bodyPr/>
+          <a:lstStyle/>
+          <a:p>
+            <a:fld id="{3680D392-614A-43D7-BA76-AB1FFE045AF8}" type="slidenum">
+              <a:rPr lang="en-US" smtClean="0"/>
+              <a:t>12</a:t>
+            </a:fld>
+            <a:endParaRPr lang="en-US" dirty="0"/>
+          </a:p>
+        </p:txBody>
+      </p:sp>
       <p:sp>
         <p:nvSpPr>
           <p:cNvPr id="5" name="TextBox 4"/>
@@ -7499,8 +7746,8 @@
         </p:nvSpPr>
         <p:spPr>
           <a:xfrm>
-            <a:off x="594360" y="1799903"/>
-            <a:ext cx="4574970" cy="2862322"/>
+            <a:off x="9036100" y="1801189"/>
+            <a:ext cx="638252" cy="369332"/>
           </a:xfrm>
           <a:prstGeom prst="rect">
             <a:avLst/>
@@ -7514,217 +7761,9 @@
           <a:lstStyle/>
           <a:p>
             <a:r>
-              <a:rPr lang="en-US" b="1" dirty="0" smtClean="0">
-                <a:latin typeface="Times New Roman" panose="02020603050405020304" pitchFamily="18" charset="0"/>
-                <a:cs typeface="Times New Roman" panose="02020603050405020304" pitchFamily="18" charset="0"/>
-              </a:rPr>
-              <a:t>• Regression </a:t>
-            </a:r>
-            <a:r>
-              <a:rPr lang="en-US" b="1" dirty="0">
-                <a:latin typeface="Times New Roman" panose="02020603050405020304" pitchFamily="18" charset="0"/>
-                <a:cs typeface="Times New Roman" panose="02020603050405020304" pitchFamily="18" charset="0"/>
-              </a:rPr>
-              <a:t>Loss Functions</a:t>
-            </a:r>
-          </a:p>
-          <a:p>
-            <a:pPr lvl="1"/>
-            <a:r>
-              <a:rPr lang="en-US" b="1" dirty="0" smtClean="0">
-                <a:latin typeface="Times New Roman" panose="02020603050405020304" pitchFamily="18" charset="0"/>
-                <a:cs typeface="Times New Roman" panose="02020603050405020304" pitchFamily="18" charset="0"/>
-              </a:rPr>
-              <a:t>– Mean </a:t>
-            </a:r>
-            <a:r>
-              <a:rPr lang="en-US" b="1" dirty="0">
-                <a:latin typeface="Times New Roman" panose="02020603050405020304" pitchFamily="18" charset="0"/>
-                <a:cs typeface="Times New Roman" panose="02020603050405020304" pitchFamily="18" charset="0"/>
-              </a:rPr>
-              <a:t>Squared Error </a:t>
-            </a:r>
-            <a:r>
-              <a:rPr lang="en-US" b="1" dirty="0" smtClean="0">
-                <a:latin typeface="Times New Roman" panose="02020603050405020304" pitchFamily="18" charset="0"/>
-                <a:cs typeface="Times New Roman" panose="02020603050405020304" pitchFamily="18" charset="0"/>
-              </a:rPr>
-              <a:t>Loss</a:t>
-            </a:r>
-            <a:endParaRPr lang="en-US" b="1" dirty="0">
-              <a:latin typeface="Times New Roman" panose="02020603050405020304" pitchFamily="18" charset="0"/>
-              <a:cs typeface="Times New Roman" panose="02020603050405020304" pitchFamily="18" charset="0"/>
-            </a:endParaRPr>
-          </a:p>
-          <a:p>
-            <a:pPr lvl="1"/>
-            <a:r>
-              <a:rPr lang="en-US" b="1" dirty="0" smtClean="0">
-                <a:latin typeface="Times New Roman" panose="02020603050405020304" pitchFamily="18" charset="0"/>
-                <a:cs typeface="Times New Roman" panose="02020603050405020304" pitchFamily="18" charset="0"/>
-              </a:rPr>
-              <a:t>– Mean </a:t>
-            </a:r>
-            <a:r>
-              <a:rPr lang="en-US" b="1" dirty="0">
-                <a:latin typeface="Times New Roman" panose="02020603050405020304" pitchFamily="18" charset="0"/>
-                <a:cs typeface="Times New Roman" panose="02020603050405020304" pitchFamily="18" charset="0"/>
-              </a:rPr>
-              <a:t>Absolute Error </a:t>
-            </a:r>
-            <a:r>
-              <a:rPr lang="en-US" b="1" dirty="0" smtClean="0">
-                <a:latin typeface="Times New Roman" panose="02020603050405020304" pitchFamily="18" charset="0"/>
-                <a:cs typeface="Times New Roman" panose="02020603050405020304" pitchFamily="18" charset="0"/>
-              </a:rPr>
-              <a:t>Loss</a:t>
-            </a:r>
-          </a:p>
-          <a:p>
-            <a:pPr lvl="1"/>
-            <a:endParaRPr lang="en-US" b="1" dirty="0">
-              <a:latin typeface="Times New Roman" panose="02020603050405020304" pitchFamily="18" charset="0"/>
-              <a:cs typeface="Times New Roman" panose="02020603050405020304" pitchFamily="18" charset="0"/>
-            </a:endParaRPr>
-          </a:p>
-          <a:p>
-            <a:r>
-              <a:rPr lang="en-US" b="1" dirty="0" smtClean="0">
-                <a:latin typeface="Times New Roman" panose="02020603050405020304" pitchFamily="18" charset="0"/>
-                <a:cs typeface="Times New Roman" panose="02020603050405020304" pitchFamily="18" charset="0"/>
-              </a:rPr>
-              <a:t>• Binary </a:t>
-            </a:r>
-            <a:r>
-              <a:rPr lang="en-US" b="1" dirty="0">
-                <a:latin typeface="Times New Roman" panose="02020603050405020304" pitchFamily="18" charset="0"/>
-                <a:cs typeface="Times New Roman" panose="02020603050405020304" pitchFamily="18" charset="0"/>
-              </a:rPr>
-              <a:t>Classification Loss Functions</a:t>
-            </a:r>
-          </a:p>
-          <a:p>
-            <a:pPr lvl="1"/>
-            <a:r>
-              <a:rPr lang="en-US" b="1" dirty="0" smtClean="0">
-                <a:latin typeface="Times New Roman" panose="02020603050405020304" pitchFamily="18" charset="0"/>
-                <a:cs typeface="Times New Roman" panose="02020603050405020304" pitchFamily="18" charset="0"/>
-              </a:rPr>
-              <a:t>– Binary Cross-Entropy</a:t>
-            </a:r>
-          </a:p>
-          <a:p>
-            <a:pPr lvl="1"/>
-            <a:endParaRPr lang="en-US" b="1" dirty="0">
-              <a:latin typeface="Times New Roman" panose="02020603050405020304" pitchFamily="18" charset="0"/>
-              <a:cs typeface="Times New Roman" panose="02020603050405020304" pitchFamily="18" charset="0"/>
-            </a:endParaRPr>
-          </a:p>
-          <a:p>
-            <a:r>
-              <a:rPr lang="en-US" b="1" dirty="0" smtClean="0">
-                <a:latin typeface="Times New Roman" panose="02020603050405020304" pitchFamily="18" charset="0"/>
-                <a:cs typeface="Times New Roman" panose="02020603050405020304" pitchFamily="18" charset="0"/>
-              </a:rPr>
-              <a:t>• Multi-Class </a:t>
-            </a:r>
-            <a:r>
-              <a:rPr lang="en-US" b="1" dirty="0">
-                <a:latin typeface="Times New Roman" panose="02020603050405020304" pitchFamily="18" charset="0"/>
-                <a:cs typeface="Times New Roman" panose="02020603050405020304" pitchFamily="18" charset="0"/>
-              </a:rPr>
-              <a:t>Classification Loss Functions</a:t>
-            </a:r>
-          </a:p>
-          <a:p>
-            <a:pPr lvl="1"/>
-            <a:r>
-              <a:rPr lang="en-US" b="1" dirty="0" smtClean="0">
-                <a:latin typeface="Times New Roman" panose="02020603050405020304" pitchFamily="18" charset="0"/>
-                <a:cs typeface="Times New Roman" panose="02020603050405020304" pitchFamily="18" charset="0"/>
-              </a:rPr>
-              <a:t>– Multi-Class </a:t>
-            </a:r>
-            <a:r>
-              <a:rPr lang="en-US" b="1" dirty="0">
-                <a:latin typeface="Times New Roman" panose="02020603050405020304" pitchFamily="18" charset="0"/>
-                <a:cs typeface="Times New Roman" panose="02020603050405020304" pitchFamily="18" charset="0"/>
-              </a:rPr>
-              <a:t>Cross-Entropy Loss</a:t>
-            </a:r>
-          </a:p>
-          <a:p>
-            <a:pPr lvl="1"/>
-            <a:r>
-              <a:rPr lang="en-US" b="1" dirty="0" smtClean="0">
-                <a:latin typeface="Times New Roman" panose="02020603050405020304" pitchFamily="18" charset="0"/>
-                <a:cs typeface="Times New Roman" panose="02020603050405020304" pitchFamily="18" charset="0"/>
-              </a:rPr>
-              <a:t>– Sparse </a:t>
-            </a:r>
-            <a:r>
-              <a:rPr lang="en-US" b="1" dirty="0">
-                <a:latin typeface="Times New Roman" panose="02020603050405020304" pitchFamily="18" charset="0"/>
-                <a:cs typeface="Times New Roman" panose="02020603050405020304" pitchFamily="18" charset="0"/>
-              </a:rPr>
-              <a:t>Multiclass Cross-Entropy </a:t>
-            </a:r>
-            <a:r>
-              <a:rPr lang="en-US" b="1" dirty="0" smtClean="0">
-                <a:latin typeface="Times New Roman" panose="02020603050405020304" pitchFamily="18" charset="0"/>
-                <a:cs typeface="Times New Roman" panose="02020603050405020304" pitchFamily="18" charset="0"/>
-              </a:rPr>
-              <a:t>Loss</a:t>
-            </a:r>
-            <a:endParaRPr lang="en-US" b="1" dirty="0">
-              <a:latin typeface="Times New Roman" panose="02020603050405020304" pitchFamily="18" charset="0"/>
-              <a:cs typeface="Times New Roman" panose="02020603050405020304" pitchFamily="18" charset="0"/>
-            </a:endParaRPr>
-          </a:p>
-        </p:txBody>
-      </p:sp>
-      <p:sp>
-        <p:nvSpPr>
-          <p:cNvPr id="3" name="Footer Placeholder 2"/>
-          <p:cNvSpPr>
-            <a:spLocks noGrp="1"/>
-          </p:cNvSpPr>
-          <p:nvPr>
-            <p:ph type="ftr" sz="quarter" idx="11"/>
-          </p:nvPr>
-        </p:nvSpPr>
-        <p:spPr/>
-        <p:txBody>
-          <a:bodyPr/>
-          <a:lstStyle/>
-          <a:p>
-            <a:r>
-              <a:rPr lang="en-US" smtClean="0"/>
-              <a:t>H.Fakher</a:t>
-            </a:r>
-            <a:endParaRPr lang="en-US" dirty="0"/>
-          </a:p>
-        </p:txBody>
-      </p:sp>
-      <p:sp>
-        <p:nvSpPr>
-          <p:cNvPr id="6" name="Slide Number Placeholder 5"/>
-          <p:cNvSpPr>
-            <a:spLocks noGrp="1"/>
-          </p:cNvSpPr>
-          <p:nvPr>
-            <p:ph type="sldNum" sz="quarter" idx="12"/>
-          </p:nvPr>
-        </p:nvSpPr>
-        <p:spPr/>
-        <p:txBody>
-          <a:bodyPr/>
-          <a:lstStyle/>
-          <a:p>
-            <a:fld id="{3680D392-614A-43D7-BA76-AB1FFE045AF8}" type="slidenum">
-              <a:rPr lang="en-US" smtClean="0"/>
-              <a:t>12</a:t>
-            </a:fld>
+              <a:rPr lang="en-US" dirty="0" err="1" smtClean="0"/>
+              <a:t>Tanh</a:t>
+            </a:r>
             <a:endParaRPr lang="en-US" dirty="0"/>
           </a:p>
         </p:txBody>
@@ -7732,7 +7771,7 @@
     </p:spTree>
     <p:extLst>
       <p:ext uri="{BB962C8B-B14F-4D97-AF65-F5344CB8AC3E}">
-        <p14:creationId xmlns:p14="http://schemas.microsoft.com/office/powerpoint/2010/main" val="1051724312"/>
+        <p14:creationId xmlns:p14="http://schemas.microsoft.com/office/powerpoint/2010/main" val="4173655058"/>
       </p:ext>
     </p:extLst>
   </p:cSld>
@@ -7776,27 +7815,22 @@
             <p:ph type="title"/>
           </p:nvPr>
         </p:nvSpPr>
-        <p:spPr>
-          <a:xfrm>
-            <a:off x="227298" y="338328"/>
-            <a:ext cx="5140229" cy="633364"/>
-          </a:xfrm>
-        </p:spPr>
-        <p:txBody>
-          <a:bodyPr/>
-          <a:lstStyle/>
-          <a:p>
-            <a:pPr algn="l"/>
-            <a:r>
-              <a:rPr lang="en-US" dirty="0"/>
-              <a:t>Mean Squared Error</a:t>
-            </a:r>
+        <p:spPr/>
+        <p:txBody>
+          <a:bodyPr/>
+          <a:lstStyle/>
+          <a:p>
+            <a:r>
+              <a:rPr lang="en-US" cap="none" dirty="0" smtClean="0"/>
+              <a:t>SOFTMAX Activation Function</a:t>
+            </a:r>
+            <a:endParaRPr lang="en-US" cap="none" dirty="0"/>
           </a:p>
         </p:txBody>
       </p:sp>
       <p:pic>
         <p:nvPicPr>
-          <p:cNvPr id="5" name="Content Placeholder 4"/>
+          <p:cNvPr id="4" name="Content Placeholder 3"/>
           <p:cNvPicPr>
             <a:picLocks noGrp="1" noChangeAspect="1"/>
           </p:cNvPicPr>
@@ -7812,8 +7846,8 @@
         </p:blipFill>
         <p:spPr>
           <a:xfrm>
-            <a:off x="1005797" y="3137876"/>
-            <a:ext cx="4361730" cy="1178092"/>
+            <a:off x="685800" y="1837765"/>
+            <a:ext cx="4233671" cy="3549249"/>
           </a:xfrm>
           <a:prstGeom prst="rect">
             <a:avLst/>
@@ -7822,7 +7856,7 @@
       </p:pic>
       <p:pic>
         <p:nvPicPr>
-          <p:cNvPr id="6" name="Picture 5"/>
+          <p:cNvPr id="5" name="Picture 4"/>
           <p:cNvPicPr>
             <a:picLocks noChangeAspect="1"/>
           </p:cNvPicPr>
@@ -7836,8 +7870,8 @@
         </p:blipFill>
         <p:spPr>
           <a:xfrm>
-            <a:off x="6772542" y="2370252"/>
-            <a:ext cx="4361730" cy="2713339"/>
+            <a:off x="5245175" y="1837765"/>
+            <a:ext cx="6346801" cy="3544767"/>
           </a:xfrm>
           <a:prstGeom prst="rect">
             <a:avLst/>
@@ -7846,78 +7880,6 @@
       </p:pic>
       <p:sp>
         <p:nvSpPr>
-          <p:cNvPr id="7" name="Rectangle 6"/>
-          <p:cNvSpPr/>
-          <p:nvPr/>
-        </p:nvSpPr>
-        <p:spPr>
-          <a:xfrm>
-            <a:off x="227298" y="1188770"/>
-            <a:ext cx="6096000" cy="861774"/>
-          </a:xfrm>
-          <a:prstGeom prst="rect">
-            <a:avLst/>
-          </a:prstGeom>
-        </p:spPr>
-        <p:txBody>
-          <a:bodyPr>
-            <a:spAutoFit/>
-          </a:bodyPr>
-          <a:lstStyle/>
-          <a:p>
-            <a:r>
-              <a:rPr lang="en-US" sz="2500" b="1" dirty="0">
-                <a:latin typeface="Times New Roman" panose="02020603050405020304" pitchFamily="18" charset="0"/>
-                <a:cs typeface="Times New Roman" panose="02020603050405020304" pitchFamily="18" charset="0"/>
-              </a:rPr>
-              <a:t>Code</a:t>
-            </a:r>
-            <a:r>
-              <a:rPr lang="en-US" sz="2500" b="1" dirty="0" smtClean="0">
-                <a:latin typeface="Times New Roman" panose="02020603050405020304" pitchFamily="18" charset="0"/>
-                <a:cs typeface="Times New Roman" panose="02020603050405020304" pitchFamily="18" charset="0"/>
-              </a:rPr>
-              <a:t>:</a:t>
-            </a:r>
-            <a:endParaRPr lang="en-US" sz="2500" dirty="0">
-              <a:latin typeface="Times New Roman" panose="02020603050405020304" pitchFamily="18" charset="0"/>
-              <a:cs typeface="Times New Roman" panose="02020603050405020304" pitchFamily="18" charset="0"/>
-            </a:endParaRPr>
-          </a:p>
-          <a:p>
-            <a:r>
-              <a:rPr lang="en-US" sz="2500" dirty="0" err="1">
-                <a:latin typeface="Times New Roman" panose="02020603050405020304" pitchFamily="18" charset="0"/>
-                <a:cs typeface="Times New Roman" panose="02020603050405020304" pitchFamily="18" charset="0"/>
-              </a:rPr>
-              <a:t>model.compile</a:t>
-            </a:r>
-            <a:r>
-              <a:rPr lang="en-US" sz="2500" dirty="0">
-                <a:latin typeface="Times New Roman" panose="02020603050405020304" pitchFamily="18" charset="0"/>
-                <a:cs typeface="Times New Roman" panose="02020603050405020304" pitchFamily="18" charset="0"/>
-              </a:rPr>
-              <a:t>(loss='</a:t>
-            </a:r>
-            <a:r>
-              <a:rPr lang="en-US" sz="2500" dirty="0" err="1">
-                <a:latin typeface="Times New Roman" panose="02020603050405020304" pitchFamily="18" charset="0"/>
-                <a:cs typeface="Times New Roman" panose="02020603050405020304" pitchFamily="18" charset="0"/>
-              </a:rPr>
-              <a:t>mean_squared_error</a:t>
-            </a:r>
-            <a:r>
-              <a:rPr lang="en-US" sz="2500" dirty="0">
-                <a:latin typeface="Times New Roman" panose="02020603050405020304" pitchFamily="18" charset="0"/>
-                <a:cs typeface="Times New Roman" panose="02020603050405020304" pitchFamily="18" charset="0"/>
-              </a:rPr>
-              <a:t>')</a:t>
-            </a:r>
-          </a:p>
-        </p:txBody>
-      </p:sp>
-      <p:sp>
-        <p:nvSpPr>
           <p:cNvPr id="3" name="Footer Placeholder 2"/>
           <p:cNvSpPr>
             <a:spLocks noGrp="1"/>
@@ -7941,7 +7903,7 @@
       </p:sp>
       <p:sp>
         <p:nvSpPr>
-          <p:cNvPr id="4" name="Slide Number Placeholder 3"/>
+          <p:cNvPr id="6" name="Slide Number Placeholder 5"/>
           <p:cNvSpPr>
             <a:spLocks noGrp="1"/>
           </p:cNvSpPr>
@@ -7965,7 +7927,7 @@
     </p:spTree>
     <p:extLst>
       <p:ext uri="{BB962C8B-B14F-4D97-AF65-F5344CB8AC3E}">
-        <p14:creationId xmlns:p14="http://schemas.microsoft.com/office/powerpoint/2010/main" val="3545049731"/>
+        <p14:creationId xmlns:p14="http://schemas.microsoft.com/office/powerpoint/2010/main" val="3975001706"/>
       </p:ext>
     </p:extLst>
   </p:cSld>
@@ -8011,8 +7973,8 @@
         </p:nvSpPr>
         <p:spPr>
           <a:xfrm>
-            <a:off x="256032" y="320040"/>
-            <a:ext cx="6007608" cy="633364"/>
+            <a:off x="365760" y="356616"/>
+            <a:ext cx="6345302" cy="724804"/>
           </a:xfrm>
         </p:spPr>
         <p:txBody>
@@ -8021,8 +7983,8 @@
           <a:p>
             <a:pPr algn="l"/>
             <a:r>
-              <a:rPr lang="en-US" dirty="0" smtClean="0"/>
-              <a:t>Mean Absolute Error Loss</a:t>
+              <a:rPr lang="en-US" cap="none" dirty="0" smtClean="0"/>
+              <a:t>Optimizers</a:t>
             </a:r>
             <a:endParaRPr lang="en-US" dirty="0"/>
           </a:p>
@@ -8030,13 +7992,11 @@
       </p:sp>
       <p:pic>
         <p:nvPicPr>
-          <p:cNvPr id="5" name="Content Placeholder 4"/>
+          <p:cNvPr id="7" name="Picture 6"/>
           <p:cNvPicPr>
-            <a:picLocks noGrp="1" noChangeAspect="1"/>
+            <a:picLocks noChangeAspect="1"/>
           </p:cNvPicPr>
-          <p:nvPr>
-            <p:ph sz="quarter" idx="13"/>
-          </p:nvPr>
+          <p:nvPr/>
         </p:nvPicPr>
         <p:blipFill>
           <a:blip r:embed="rId2"/>
@@ -8046,8 +8006,8 @@
         </p:blipFill>
         <p:spPr>
           <a:xfrm>
-            <a:off x="3140329" y="2235425"/>
-            <a:ext cx="5265166" cy="2705793"/>
+            <a:off x="7076822" y="1392316"/>
+            <a:ext cx="4515001" cy="3377500"/>
           </a:xfrm>
           <a:prstGeom prst="rect">
             <a:avLst/>
@@ -8062,55 +8022,80 @@
         </p:nvSpPr>
         <p:spPr>
           <a:xfrm>
-            <a:off x="2724912" y="1307825"/>
-            <a:ext cx="6096000" cy="646331"/>
+            <a:off x="365760" y="1480650"/>
+            <a:ext cx="6483096" cy="2308324"/>
           </a:xfrm>
           <a:prstGeom prst="rect">
             <a:avLst/>
           </a:prstGeom>
         </p:spPr>
         <p:txBody>
-          <a:bodyPr>
+          <a:bodyPr wrap="square">
             <a:spAutoFit/>
           </a:bodyPr>
           <a:lstStyle/>
           <a:p>
             <a:r>
-              <a:rPr lang="en-US" b="1" dirty="0">
+              <a:rPr lang="en-US" dirty="0">
                 <a:latin typeface="Times New Roman" panose="02020603050405020304" pitchFamily="18" charset="0"/>
                 <a:cs typeface="Times New Roman" panose="02020603050405020304" pitchFamily="18" charset="0"/>
               </a:rPr>
-              <a:t>Code:</a:t>
-            </a:r>
-          </a:p>
-          <a:p>
-            <a:r>
-              <a:rPr lang="en-US" b="1" dirty="0" err="1">
+              <a:t>Optimizers are algorithms or methods used to minimize an error function (loss function) or to maximize the efficiency of production</a:t>
+            </a:r>
+            <a:r>
+              <a:rPr lang="en-US" dirty="0" smtClean="0">
                 <a:latin typeface="Times New Roman" panose="02020603050405020304" pitchFamily="18" charset="0"/>
                 <a:cs typeface="Times New Roman" panose="02020603050405020304" pitchFamily="18" charset="0"/>
               </a:rPr>
-              <a:t>model.compile</a:t>
-            </a:r>
-            <a:r>
-              <a:rPr lang="en-US" b="1" dirty="0">
+              <a:t>.</a:t>
+            </a:r>
+          </a:p>
+          <a:p>
+            <a:endParaRPr lang="en-US" dirty="0">
+              <a:latin typeface="Times New Roman" panose="02020603050405020304" pitchFamily="18" charset="0"/>
+              <a:cs typeface="Times New Roman" panose="02020603050405020304" pitchFamily="18" charset="0"/>
+            </a:endParaRPr>
+          </a:p>
+          <a:p>
+            <a:r>
+              <a:rPr lang="en-US" dirty="0" smtClean="0">
                 <a:latin typeface="Times New Roman" panose="02020603050405020304" pitchFamily="18" charset="0"/>
                 <a:cs typeface="Times New Roman" panose="02020603050405020304" pitchFamily="18" charset="0"/>
               </a:rPr>
-              <a:t>(loss='</a:t>
-            </a:r>
-            <a:r>
-              <a:rPr lang="en-US" b="1" dirty="0" err="1">
+              <a:t>Optimizers </a:t>
+            </a:r>
+            <a:r>
+              <a:rPr lang="en-US" dirty="0">
                 <a:latin typeface="Times New Roman" panose="02020603050405020304" pitchFamily="18" charset="0"/>
                 <a:cs typeface="Times New Roman" panose="02020603050405020304" pitchFamily="18" charset="0"/>
               </a:rPr>
-              <a:t>mean_absolute_error</a:t>
-            </a:r>
-            <a:r>
-              <a:rPr lang="en-US" b="1" dirty="0">
+              <a:t>are mathematical functions which are dependent on model’s learnable parameters i.e. Weights &amp; Biases. </a:t>
+            </a:r>
+            <a:endParaRPr lang="en-US" dirty="0" smtClean="0">
+              <a:latin typeface="Times New Roman" panose="02020603050405020304" pitchFamily="18" charset="0"/>
+              <a:cs typeface="Times New Roman" panose="02020603050405020304" pitchFamily="18" charset="0"/>
+            </a:endParaRPr>
+          </a:p>
+          <a:p>
+            <a:endParaRPr lang="en-US" dirty="0">
+              <a:latin typeface="Times New Roman" panose="02020603050405020304" pitchFamily="18" charset="0"/>
+              <a:cs typeface="Times New Roman" panose="02020603050405020304" pitchFamily="18" charset="0"/>
+            </a:endParaRPr>
+          </a:p>
+          <a:p>
+            <a:r>
+              <a:rPr lang="en-US" dirty="0" smtClean="0">
                 <a:latin typeface="Times New Roman" panose="02020603050405020304" pitchFamily="18" charset="0"/>
                 <a:cs typeface="Times New Roman" panose="02020603050405020304" pitchFamily="18" charset="0"/>
               </a:rPr>
-              <a:t>')</a:t>
+              <a:t>Optimizers </a:t>
+            </a:r>
+            <a:r>
+              <a:rPr lang="en-US" dirty="0">
+                <a:latin typeface="Times New Roman" panose="02020603050405020304" pitchFamily="18" charset="0"/>
+                <a:cs typeface="Times New Roman" panose="02020603050405020304" pitchFamily="18" charset="0"/>
+              </a:rPr>
+              <a:t>help to know how to change weights and learning rate of neural network to reduce the losses.</a:t>
             </a:r>
           </a:p>
         </p:txBody>
@@ -8140,7 +8125,7 @@
       </p:sp>
       <p:sp>
         <p:nvSpPr>
-          <p:cNvPr id="6" name="Slide Number Placeholder 5"/>
+          <p:cNvPr id="5" name="Slide Number Placeholder 4"/>
           <p:cNvSpPr>
             <a:spLocks noGrp="1"/>
           </p:cNvSpPr>
@@ -8164,7 +8149,7 @@
     </p:spTree>
     <p:extLst>
       <p:ext uri="{BB962C8B-B14F-4D97-AF65-F5344CB8AC3E}">
-        <p14:creationId xmlns:p14="http://schemas.microsoft.com/office/powerpoint/2010/main" val="1263682122"/>
+        <p14:creationId xmlns:p14="http://schemas.microsoft.com/office/powerpoint/2010/main" val="53344394"/>
       </p:ext>
     </p:extLst>
   </p:cSld>
@@ -8208,36 +8193,28 @@
             <p:ph type="title"/>
           </p:nvPr>
         </p:nvSpPr>
-        <p:spPr>
-          <a:xfrm>
-            <a:off x="163290" y="237744"/>
-            <a:ext cx="4701317" cy="633364"/>
-          </a:xfrm>
-        </p:spPr>
-        <p:txBody>
-          <a:bodyPr/>
-          <a:lstStyle/>
-          <a:p>
-            <a:pPr algn="l"/>
-            <a:r>
-              <a:rPr lang="en-US" dirty="0"/>
-              <a:t>Binary </a:t>
-            </a:r>
-            <a:r>
-              <a:rPr lang="en-US" dirty="0" smtClean="0"/>
-              <a:t>Cross-Entropy</a:t>
-            </a:r>
-            <a:endParaRPr lang="en-US" dirty="0"/>
+        <p:spPr/>
+        <p:txBody>
+          <a:bodyPr/>
+          <a:lstStyle/>
+          <a:p>
+            <a:r>
+              <a:rPr lang="en-US" cap="none" dirty="0" smtClean="0"/>
+              <a:t>Updating Weights</a:t>
+            </a:r>
+            <a:endParaRPr lang="en-US" cap="none" dirty="0"/>
           </a:p>
         </p:txBody>
       </p:sp>
       <p:pic>
         <p:nvPicPr>
-          <p:cNvPr id="6" name="Picture 5"/>
+          <p:cNvPr id="4" name="Content Placeholder 3"/>
           <p:cNvPicPr>
-            <a:picLocks noChangeAspect="1"/>
+            <a:picLocks noGrp="1" noChangeAspect="1"/>
           </p:cNvPicPr>
-          <p:nvPr/>
+          <p:nvPr>
+            <p:ph sz="quarter" idx="13"/>
+          </p:nvPr>
         </p:nvPicPr>
         <p:blipFill>
           <a:blip r:embed="rId2"/>
@@ -8247,110 +8224,14 @@
         </p:blipFill>
         <p:spPr>
           <a:xfrm>
-            <a:off x="849196" y="2520386"/>
-            <a:ext cx="3328200" cy="2180900"/>
+            <a:off x="2775282" y="1837765"/>
+            <a:ext cx="6217920" cy="3308350"/>
           </a:xfrm>
           <a:prstGeom prst="rect">
             <a:avLst/>
           </a:prstGeom>
         </p:spPr>
       </p:pic>
-      <p:pic>
-        <p:nvPicPr>
-          <p:cNvPr id="7" name="Picture 6"/>
-          <p:cNvPicPr>
-            <a:picLocks noChangeAspect="1"/>
-          </p:cNvPicPr>
-          <p:nvPr/>
-        </p:nvPicPr>
-        <p:blipFill>
-          <a:blip r:embed="rId3"/>
-          <a:stretch>
-            <a:fillRect/>
-          </a:stretch>
-        </p:blipFill>
-        <p:spPr>
-          <a:xfrm>
-            <a:off x="4178048" y="2927350"/>
-            <a:ext cx="7315200" cy="1496259"/>
-          </a:xfrm>
-          <a:prstGeom prst="rect">
-            <a:avLst/>
-          </a:prstGeom>
-        </p:spPr>
-      </p:pic>
-      <p:sp>
-        <p:nvSpPr>
-          <p:cNvPr id="5" name="Rectangle 4"/>
-          <p:cNvSpPr/>
-          <p:nvPr/>
-        </p:nvSpPr>
-        <p:spPr>
-          <a:xfrm>
-            <a:off x="163290" y="1102708"/>
-            <a:ext cx="6096000" cy="646331"/>
-          </a:xfrm>
-          <a:prstGeom prst="rect">
-            <a:avLst/>
-          </a:prstGeom>
-        </p:spPr>
-        <p:txBody>
-          <a:bodyPr>
-            <a:spAutoFit/>
-          </a:bodyPr>
-          <a:lstStyle/>
-          <a:p>
-            <a:r>
-              <a:rPr lang="en-US" b="1" dirty="0">
-                <a:latin typeface="Times New Roman" panose="02020603050405020304" pitchFamily="18" charset="0"/>
-                <a:cs typeface="Times New Roman" panose="02020603050405020304" pitchFamily="18" charset="0"/>
-              </a:rPr>
-              <a:t>Code:</a:t>
-            </a:r>
-          </a:p>
-          <a:p>
-            <a:r>
-              <a:rPr lang="en-US" dirty="0" err="1">
-                <a:latin typeface="Times New Roman" panose="02020603050405020304" pitchFamily="18" charset="0"/>
-                <a:cs typeface="Times New Roman" panose="02020603050405020304" pitchFamily="18" charset="0"/>
-              </a:rPr>
-              <a:t>model.compile</a:t>
-            </a:r>
-            <a:r>
-              <a:rPr lang="en-US" dirty="0">
-                <a:latin typeface="Times New Roman" panose="02020603050405020304" pitchFamily="18" charset="0"/>
-                <a:cs typeface="Times New Roman" panose="02020603050405020304" pitchFamily="18" charset="0"/>
-              </a:rPr>
-              <a:t>(loss='</a:t>
-            </a:r>
-            <a:r>
-              <a:rPr lang="en-US" dirty="0" err="1">
-                <a:latin typeface="Times New Roman" panose="02020603050405020304" pitchFamily="18" charset="0"/>
-                <a:cs typeface="Times New Roman" panose="02020603050405020304" pitchFamily="18" charset="0"/>
-              </a:rPr>
-              <a:t>binary_crossentropy</a:t>
-            </a:r>
-            <a:r>
-              <a:rPr lang="en-US" dirty="0">
-                <a:latin typeface="Times New Roman" panose="02020603050405020304" pitchFamily="18" charset="0"/>
-                <a:cs typeface="Times New Roman" panose="02020603050405020304" pitchFamily="18" charset="0"/>
-              </a:rPr>
-              <a:t>' </a:t>
-            </a:r>
-            <a:r>
-              <a:rPr lang="en-US" dirty="0" smtClean="0">
-                <a:latin typeface="Times New Roman" panose="02020603050405020304" pitchFamily="18" charset="0"/>
-                <a:cs typeface="Times New Roman" panose="02020603050405020304" pitchFamily="18" charset="0"/>
-              </a:rPr>
-              <a:t>)</a:t>
-            </a:r>
-            <a:endParaRPr lang="en-US" dirty="0">
-              <a:latin typeface="Times New Roman" panose="02020603050405020304" pitchFamily="18" charset="0"/>
-              <a:cs typeface="Times New Roman" panose="02020603050405020304" pitchFamily="18" charset="0"/>
-            </a:endParaRPr>
-          </a:p>
-        </p:txBody>
-      </p:sp>
       <p:sp>
         <p:nvSpPr>
           <p:cNvPr id="3" name="Footer Placeholder 2"/>
@@ -8376,7 +8257,7 @@
       </p:sp>
       <p:sp>
         <p:nvSpPr>
-          <p:cNvPr id="4" name="Slide Number Placeholder 3"/>
+          <p:cNvPr id="5" name="Slide Number Placeholder 4"/>
           <p:cNvSpPr>
             <a:spLocks noGrp="1"/>
           </p:cNvSpPr>
@@ -8400,7 +8281,7 @@
     </p:spTree>
     <p:extLst>
       <p:ext uri="{BB962C8B-B14F-4D97-AF65-F5344CB8AC3E}">
-        <p14:creationId xmlns:p14="http://schemas.microsoft.com/office/powerpoint/2010/main" val="4258160012"/>
+        <p14:creationId xmlns:p14="http://schemas.microsoft.com/office/powerpoint/2010/main" val="190169242"/>
       </p:ext>
     </p:extLst>
   </p:cSld>
@@ -8444,160 +8325,87 @@
             <p:ph type="title"/>
           </p:nvPr>
         </p:nvSpPr>
-        <p:spPr>
-          <a:xfrm>
-            <a:off x="199867" y="346258"/>
-            <a:ext cx="5698013" cy="679084"/>
-          </a:xfrm>
-        </p:spPr>
-        <p:txBody>
-          <a:bodyPr/>
-          <a:lstStyle/>
-          <a:p>
-            <a:pPr algn="l"/>
-            <a:r>
-              <a:rPr lang="en-US" dirty="0"/>
-              <a:t>Categorical Cross Entropy</a:t>
-            </a:r>
-          </a:p>
-        </p:txBody>
-      </p:sp>
-      <p:pic>
-        <p:nvPicPr>
-          <p:cNvPr id="5" name="Content Placeholder 4"/>
-          <p:cNvPicPr>
-            <a:picLocks noGrp="1" noChangeAspect="1"/>
-          </p:cNvPicPr>
-          <p:nvPr>
-            <p:ph sz="quarter" idx="13"/>
-          </p:nvPr>
-        </p:nvPicPr>
-        <p:blipFill>
-          <a:blip r:embed="rId2"/>
-          <a:stretch>
-            <a:fillRect/>
-          </a:stretch>
-        </p:blipFill>
-        <p:spPr>
-          <a:xfrm>
-            <a:off x="7084914" y="685800"/>
-            <a:ext cx="3457200" cy="2766334"/>
+        <p:spPr/>
+        <p:txBody>
+          <a:bodyPr/>
+          <a:lstStyle/>
+          <a:p>
+            <a:r>
+              <a:rPr lang="en-US" cap="none" dirty="0" smtClean="0"/>
+              <a:t>Types Of Optimizers</a:t>
+            </a:r>
+            <a:endParaRPr lang="en-US" cap="none" dirty="0"/>
+          </a:p>
+        </p:txBody>
+      </p:sp>
+      <p:sp>
+        <p:nvSpPr>
+          <p:cNvPr id="3" name="TextBox 2"/>
+          <p:cNvSpPr txBox="1"/>
+          <p:nvPr/>
+        </p:nvSpPr>
+        <p:spPr>
+          <a:xfrm>
+            <a:off x="1097280" y="1929384"/>
+            <a:ext cx="5833872" cy="3139321"/>
           </a:xfrm>
           <a:prstGeom prst="rect">
             <a:avLst/>
           </a:prstGeom>
-        </p:spPr>
-      </p:pic>
-      <p:pic>
-        <p:nvPicPr>
-          <p:cNvPr id="6" name="Picture 5"/>
-          <p:cNvPicPr>
-            <a:picLocks noChangeAspect="1"/>
-          </p:cNvPicPr>
-          <p:nvPr/>
-        </p:nvPicPr>
-        <p:blipFill>
-          <a:blip r:embed="rId3"/>
-          <a:stretch>
-            <a:fillRect/>
-          </a:stretch>
-        </p:blipFill>
-        <p:spPr>
-          <a:xfrm>
-            <a:off x="7084914" y="3625757"/>
-            <a:ext cx="3457200" cy="1748827"/>
-          </a:xfrm>
-          <a:prstGeom prst="rect">
-            <a:avLst/>
-          </a:prstGeom>
-        </p:spPr>
-      </p:pic>
-      <p:pic>
-        <p:nvPicPr>
-          <p:cNvPr id="8" name="Picture 7"/>
-          <p:cNvPicPr>
-            <a:picLocks noChangeAspect="1"/>
-          </p:cNvPicPr>
-          <p:nvPr/>
-        </p:nvPicPr>
-        <p:blipFill>
-          <a:blip r:embed="rId4"/>
-          <a:stretch>
-            <a:fillRect/>
-          </a:stretch>
-        </p:blipFill>
-        <p:spPr>
-          <a:xfrm>
-            <a:off x="854970" y="2350757"/>
-            <a:ext cx="4785793" cy="1952083"/>
-          </a:xfrm>
-          <a:prstGeom prst="rect">
-            <a:avLst/>
-          </a:prstGeom>
-        </p:spPr>
-      </p:pic>
-      <p:sp>
-        <p:nvSpPr>
-          <p:cNvPr id="3" name="Rectangle 2"/>
-          <p:cNvSpPr/>
-          <p:nvPr/>
-        </p:nvSpPr>
-        <p:spPr>
-          <a:xfrm>
-            <a:off x="199867" y="1025342"/>
-            <a:ext cx="6096000" cy="646331"/>
-          </a:xfrm>
-          <a:prstGeom prst="rect">
-            <a:avLst/>
-          </a:prstGeom>
-        </p:spPr>
-        <p:txBody>
-          <a:bodyPr>
+          <a:noFill/>
+        </p:spPr>
+        <p:txBody>
+          <a:bodyPr wrap="square" rtlCol="0">
             <a:spAutoFit/>
           </a:bodyPr>
           <a:lstStyle/>
           <a:p>
             <a:r>
-              <a:rPr lang="en-US" b="1" dirty="0">
-                <a:latin typeface="Times New Roman" panose="02020603050405020304" pitchFamily="18" charset="0"/>
-                <a:cs typeface="Times New Roman" panose="02020603050405020304" pitchFamily="18" charset="0"/>
-              </a:rPr>
-              <a:t>Code:</a:t>
-            </a:r>
-            <a:endParaRPr lang="en-US" dirty="0">
-              <a:latin typeface="Times New Roman" panose="02020603050405020304" pitchFamily="18" charset="0"/>
-              <a:cs typeface="Times New Roman" panose="02020603050405020304" pitchFamily="18" charset="0"/>
-            </a:endParaRPr>
-          </a:p>
-          <a:p>
-            <a:r>
-              <a:rPr lang="en-US" dirty="0" err="1">
-                <a:latin typeface="Times New Roman" panose="02020603050405020304" pitchFamily="18" charset="0"/>
-                <a:cs typeface="Times New Roman" panose="02020603050405020304" pitchFamily="18" charset="0"/>
-              </a:rPr>
-              <a:t>model.compile</a:t>
-            </a:r>
-            <a:r>
-              <a:rPr lang="en-US" dirty="0">
-                <a:latin typeface="Times New Roman" panose="02020603050405020304" pitchFamily="18" charset="0"/>
-                <a:cs typeface="Times New Roman" panose="02020603050405020304" pitchFamily="18" charset="0"/>
-              </a:rPr>
-              <a:t>(loss='</a:t>
-            </a:r>
-            <a:r>
-              <a:rPr lang="en-US" dirty="0" err="1">
-                <a:latin typeface="Times New Roman" panose="02020603050405020304" pitchFamily="18" charset="0"/>
-                <a:cs typeface="Times New Roman" panose="02020603050405020304" pitchFamily="18" charset="0"/>
-              </a:rPr>
-              <a:t>categorical_crossentropy</a:t>
-            </a:r>
-            <a:r>
-              <a:rPr lang="en-US" dirty="0">
-                <a:latin typeface="Times New Roman" panose="02020603050405020304" pitchFamily="18" charset="0"/>
-                <a:cs typeface="Times New Roman" panose="02020603050405020304" pitchFamily="18" charset="0"/>
-              </a:rPr>
-              <a:t>‘)</a:t>
-            </a:r>
+              <a:rPr lang="en-US" sz="3300" dirty="0" smtClean="0"/>
+              <a:t>• Gradient Descent</a:t>
+            </a:r>
+          </a:p>
+          <a:p>
+            <a:r>
+              <a:rPr lang="en-US" sz="3300" dirty="0" smtClean="0"/>
+              <a:t>• Batch Gradient Descent</a:t>
+            </a:r>
+            <a:endParaRPr lang="en-US" sz="3300" dirty="0" smtClean="0"/>
+          </a:p>
+          <a:p>
+            <a:r>
+              <a:rPr lang="en-US" sz="3300" dirty="0" smtClean="0"/>
+              <a:t>• Stochastic Gradient Descent</a:t>
+            </a:r>
+          </a:p>
+          <a:p>
+            <a:r>
+              <a:rPr lang="en-US" sz="3300" dirty="0" smtClean="0"/>
+              <a:t>• </a:t>
+            </a:r>
+            <a:r>
+              <a:rPr lang="en-US" sz="3300" dirty="0" err="1" smtClean="0"/>
+              <a:t>Adagrad</a:t>
+            </a:r>
+            <a:endParaRPr lang="en-US" sz="3300" dirty="0" smtClean="0"/>
+          </a:p>
+          <a:p>
+            <a:r>
+              <a:rPr lang="en-US" sz="3300" dirty="0" smtClean="0"/>
+              <a:t>• </a:t>
+            </a:r>
+            <a:r>
+              <a:rPr lang="en-US" sz="3300" dirty="0" err="1" smtClean="0"/>
+              <a:t>Rmsprop</a:t>
+            </a:r>
+            <a:endParaRPr lang="en-US" sz="3300" dirty="0" smtClean="0"/>
+          </a:p>
+          <a:p>
+            <a:r>
+              <a:rPr lang="en-US" sz="3300" dirty="0" smtClean="0"/>
+              <a:t>• Adam</a:t>
+            </a:r>
+            <a:endParaRPr lang="en-US" sz="3300" dirty="0"/>
           </a:p>
         </p:txBody>
       </p:sp>
@@ -8626,7 +8434,7 @@
       </p:sp>
       <p:sp>
         <p:nvSpPr>
-          <p:cNvPr id="7" name="Slide Number Placeholder 6"/>
+          <p:cNvPr id="5" name="Slide Number Placeholder 4"/>
           <p:cNvSpPr>
             <a:spLocks noGrp="1"/>
           </p:cNvSpPr>
@@ -8650,7 +8458,7 @@
     </p:spTree>
     <p:extLst>
       <p:ext uri="{BB962C8B-B14F-4D97-AF65-F5344CB8AC3E}">
-        <p14:creationId xmlns:p14="http://schemas.microsoft.com/office/powerpoint/2010/main" val="1160454846"/>
+        <p14:creationId xmlns:p14="http://schemas.microsoft.com/office/powerpoint/2010/main" val="1655013119"/>
       </p:ext>
     </p:extLst>
   </p:cSld>
@@ -8696,8 +8504,8 @@
         </p:nvSpPr>
         <p:spPr>
           <a:xfrm>
-            <a:off x="365760" y="356616"/>
-            <a:ext cx="6345302" cy="724804"/>
+            <a:off x="297480" y="256032"/>
+            <a:ext cx="6345302" cy="642508"/>
           </a:xfrm>
         </p:spPr>
         <p:txBody>
@@ -8706,15 +8514,16 @@
           <a:p>
             <a:pPr algn="l"/>
             <a:r>
-              <a:rPr lang="en-US" dirty="0"/>
-              <a:t>Optimizers</a:t>
-            </a:r>
+              <a:rPr lang="en-US" b="1" cap="none" dirty="0" smtClean="0"/>
+              <a:t>Gradient Descent</a:t>
+            </a:r>
+            <a:endParaRPr lang="en-US" cap="none" dirty="0"/>
           </a:p>
         </p:txBody>
       </p:sp>
       <p:pic>
         <p:nvPicPr>
-          <p:cNvPr id="7" name="Picture 6"/>
+          <p:cNvPr id="5" name="Picture 4"/>
           <p:cNvPicPr>
             <a:picLocks noChangeAspect="1"/>
           </p:cNvPicPr>
@@ -8728,14 +8537,38 @@
         </p:blipFill>
         <p:spPr>
           <a:xfrm>
-            <a:off x="7076822" y="1392316"/>
-            <a:ext cx="4515001" cy="3377500"/>
+            <a:off x="297480" y="2523532"/>
+            <a:ext cx="4887917" cy="2925172"/>
           </a:xfrm>
           <a:prstGeom prst="rect">
             <a:avLst/>
           </a:prstGeom>
         </p:spPr>
       </p:pic>
+      <p:pic>
+        <p:nvPicPr>
+          <p:cNvPr id="6" name="Picture 5"/>
+          <p:cNvPicPr>
+            <a:picLocks noChangeAspect="1"/>
+          </p:cNvPicPr>
+          <p:nvPr/>
+        </p:nvPicPr>
+        <p:blipFill>
+          <a:blip r:embed="rId3"/>
+          <a:stretch>
+            <a:fillRect/>
+          </a:stretch>
+        </p:blipFill>
+        <p:spPr>
+          <a:xfrm>
+            <a:off x="6359203" y="2523532"/>
+            <a:ext cx="4887917" cy="2925172"/>
+          </a:xfrm>
+          <a:prstGeom prst="rect">
+            <a:avLst/>
+          </a:prstGeom>
+        </p:spPr>
+      </p:pic>
       <p:sp>
         <p:nvSpPr>
           <p:cNvPr id="3" name="Rectangle 2"/>
@@ -8744,8 +8577,8 @@
         </p:nvSpPr>
         <p:spPr>
           <a:xfrm>
-            <a:off x="365760" y="1480650"/>
-            <a:ext cx="6483096" cy="2308324"/>
+            <a:off x="297480" y="972372"/>
+            <a:ext cx="10949640" cy="1477328"/>
           </a:xfrm>
           <a:prstGeom prst="rect">
             <a:avLst/>
@@ -8758,66 +8591,96 @@
           <a:lstStyle/>
           <a:p>
             <a:r>
-              <a:rPr lang="en-US" dirty="0">
+              <a:rPr lang="en-US" b="1" dirty="0">
                 <a:latin typeface="Times New Roman" panose="02020603050405020304" pitchFamily="18" charset="0"/>
                 <a:cs typeface="Times New Roman" panose="02020603050405020304" pitchFamily="18" charset="0"/>
               </a:rPr>
-              <a:t>Optimizers are algorithms or methods used to minimize an error function (loss function) or to maximize the efficiency of production</a:t>
-            </a:r>
-            <a:r>
-              <a:rPr lang="en-US" dirty="0" smtClean="0">
+              <a:t>Gradient descent: is an optimization algorithm used to minimize </a:t>
+            </a:r>
+            <a:r>
+              <a:rPr lang="en-US" b="1" dirty="0" smtClean="0">
                 <a:latin typeface="Times New Roman" panose="02020603050405020304" pitchFamily="18" charset="0"/>
                 <a:cs typeface="Times New Roman" panose="02020603050405020304" pitchFamily="18" charset="0"/>
               </a:rPr>
-              <a:t>.</a:t>
-            </a:r>
-          </a:p>
-          <a:p>
-            <a:endParaRPr lang="en-US" dirty="0">
+              <a:t>some function </a:t>
+            </a:r>
+            <a:r>
+              <a:rPr lang="en-US" b="1" dirty="0">
+                <a:latin typeface="Times New Roman" panose="02020603050405020304" pitchFamily="18" charset="0"/>
+                <a:cs typeface="Times New Roman" panose="02020603050405020304" pitchFamily="18" charset="0"/>
+              </a:rPr>
+              <a:t>by iteratively moving in the direction of steepest descent as defined </a:t>
+            </a:r>
+            <a:r>
+              <a:rPr lang="en-US" b="1" dirty="0" smtClean="0">
+                <a:latin typeface="Times New Roman" panose="02020603050405020304" pitchFamily="18" charset="0"/>
+                <a:cs typeface="Times New Roman" panose="02020603050405020304" pitchFamily="18" charset="0"/>
+              </a:rPr>
+              <a:t>by the </a:t>
+            </a:r>
+            <a:r>
+              <a:rPr lang="en-US" b="1" dirty="0">
+                <a:latin typeface="Times New Roman" panose="02020603050405020304" pitchFamily="18" charset="0"/>
+                <a:cs typeface="Times New Roman" panose="02020603050405020304" pitchFamily="18" charset="0"/>
+              </a:rPr>
+              <a:t>negative of the gradient. </a:t>
+            </a:r>
+            <a:endParaRPr lang="en-US" b="1" dirty="0" smtClean="0">
               <a:latin typeface="Times New Roman" panose="02020603050405020304" pitchFamily="18" charset="0"/>
               <a:cs typeface="Times New Roman" panose="02020603050405020304" pitchFamily="18" charset="0"/>
             </a:endParaRPr>
           </a:p>
           <a:p>
             <a:r>
-              <a:rPr lang="en-US" dirty="0" smtClean="0">
+              <a:rPr lang="en-US" b="1" dirty="0" smtClean="0">
                 <a:latin typeface="Times New Roman" panose="02020603050405020304" pitchFamily="18" charset="0"/>
                 <a:cs typeface="Times New Roman" panose="02020603050405020304" pitchFamily="18" charset="0"/>
               </a:rPr>
-              <a:t>Optimizers </a:t>
-            </a:r>
-            <a:r>
-              <a:rPr lang="en-US" dirty="0">
+              <a:t>In </a:t>
+            </a:r>
+            <a:r>
+              <a:rPr lang="en-US" b="1" dirty="0">
                 <a:latin typeface="Times New Roman" panose="02020603050405020304" pitchFamily="18" charset="0"/>
                 <a:cs typeface="Times New Roman" panose="02020603050405020304" pitchFamily="18" charset="0"/>
               </a:rPr>
-              <a:t>are mathematical functions which are dependent on model’s learnable parameters i.e. Weights &amp; Biases. </a:t>
-            </a:r>
-            <a:endParaRPr lang="en-US" dirty="0" smtClean="0">
-              <a:latin typeface="Times New Roman" panose="02020603050405020304" pitchFamily="18" charset="0"/>
-              <a:cs typeface="Times New Roman" panose="02020603050405020304" pitchFamily="18" charset="0"/>
-            </a:endParaRPr>
-          </a:p>
-          <a:p>
-            <a:endParaRPr lang="en-US" dirty="0">
-              <a:latin typeface="Times New Roman" panose="02020603050405020304" pitchFamily="18" charset="0"/>
-              <a:cs typeface="Times New Roman" panose="02020603050405020304" pitchFamily="18" charset="0"/>
-            </a:endParaRPr>
-          </a:p>
-          <a:p>
-            <a:r>
-              <a:rPr lang="en-US" dirty="0" smtClean="0">
+              <a:t>machine learning, we use gradient descent </a:t>
+            </a:r>
+            <a:r>
+              <a:rPr lang="en-US" b="1" dirty="0" smtClean="0">
                 <a:latin typeface="Times New Roman" panose="02020603050405020304" pitchFamily="18" charset="0"/>
                 <a:cs typeface="Times New Roman" panose="02020603050405020304" pitchFamily="18" charset="0"/>
               </a:rPr>
-              <a:t>Optimizers </a:t>
-            </a:r>
-            <a:r>
-              <a:rPr lang="en-US" dirty="0">
+              <a:t>to update </a:t>
+            </a:r>
+            <a:r>
+              <a:rPr lang="en-US" b="1" dirty="0">
                 <a:latin typeface="Times New Roman" panose="02020603050405020304" pitchFamily="18" charset="0"/>
                 <a:cs typeface="Times New Roman" panose="02020603050405020304" pitchFamily="18" charset="0"/>
               </a:rPr>
-              <a:t>help to know how to change weights and learning rate of neural network to reduce the losses.</a:t>
+              <a:t>the parameters of our model. Parameters refer to weights in </a:t>
+            </a:r>
+            <a:r>
+              <a:rPr lang="en-US" b="1" dirty="0" smtClean="0">
+                <a:latin typeface="Times New Roman" panose="02020603050405020304" pitchFamily="18" charset="0"/>
+                <a:cs typeface="Times New Roman" panose="02020603050405020304" pitchFamily="18" charset="0"/>
+              </a:rPr>
+              <a:t>neural networks</a:t>
+            </a:r>
+            <a:r>
+              <a:rPr lang="en-US" b="1" dirty="0">
+                <a:latin typeface="Times New Roman" panose="02020603050405020304" pitchFamily="18" charset="0"/>
+                <a:cs typeface="Times New Roman" panose="02020603050405020304" pitchFamily="18" charset="0"/>
+              </a:rPr>
+              <a:t>.</a:t>
+            </a:r>
+          </a:p>
+          <a:p>
+            <a:r>
+              <a:rPr lang="en-US" b="1" dirty="0">
+                <a:latin typeface="Times New Roman" panose="02020603050405020304" pitchFamily="18" charset="0"/>
+                <a:cs typeface="Times New Roman" panose="02020603050405020304" pitchFamily="18" charset="0"/>
+              </a:rPr>
+              <a:t>To put it simply, we use gradient descent to minimize the cost function, J(w).</a:t>
             </a:r>
           </a:p>
         </p:txBody>
@@ -8847,7 +8710,7 @@
       </p:sp>
       <p:sp>
         <p:nvSpPr>
-          <p:cNvPr id="5" name="Slide Number Placeholder 4"/>
+          <p:cNvPr id="7" name="Slide Number Placeholder 6"/>
           <p:cNvSpPr>
             <a:spLocks noGrp="1"/>
           </p:cNvSpPr>
@@ -8871,7 +8734,7 @@
     </p:spTree>
     <p:extLst>
       <p:ext uri="{BB962C8B-B14F-4D97-AF65-F5344CB8AC3E}">
-        <p14:creationId xmlns:p14="http://schemas.microsoft.com/office/powerpoint/2010/main" val="53344394"/>
+        <p14:creationId xmlns:p14="http://schemas.microsoft.com/office/powerpoint/2010/main" val="2982331754"/>
       </p:ext>
     </p:extLst>
   </p:cSld>
@@ -8915,27 +8778,32 @@
             <p:ph type="title"/>
           </p:nvPr>
         </p:nvSpPr>
-        <p:spPr/>
-        <p:txBody>
-          <a:bodyPr/>
-          <a:lstStyle/>
-          <a:p>
-            <a:r>
-              <a:rPr lang="en-US" dirty="0"/>
-              <a:t>Updating Weights</a:t>
-            </a:r>
+        <p:spPr>
+          <a:xfrm>
+            <a:off x="365760" y="164186"/>
+            <a:ext cx="4223894" cy="770524"/>
+          </a:xfrm>
+        </p:spPr>
+        <p:txBody>
+          <a:bodyPr/>
+          <a:lstStyle/>
+          <a:p>
+            <a:pPr algn="l"/>
+            <a:r>
+              <a:rPr lang="en-US" cap="none" dirty="0" smtClean="0"/>
+              <a:t>Learning Rate</a:t>
+            </a:r>
+            <a:endParaRPr lang="en-US" cap="none" dirty="0"/>
           </a:p>
         </p:txBody>
       </p:sp>
       <p:pic>
         <p:nvPicPr>
-          <p:cNvPr id="4" name="Content Placeholder 3"/>
+          <p:cNvPr id="5" name="Picture 4"/>
           <p:cNvPicPr>
-            <a:picLocks noGrp="1" noChangeAspect="1"/>
+            <a:picLocks noChangeAspect="1"/>
           </p:cNvPicPr>
-          <p:nvPr>
-            <p:ph sz="quarter" idx="13"/>
-          </p:nvPr>
+          <p:nvPr/>
         </p:nvPicPr>
         <p:blipFill>
           <a:blip r:embed="rId2"/>
@@ -8945,8 +8813,8 @@
         </p:blipFill>
         <p:spPr>
           <a:xfrm>
-            <a:off x="2775282" y="1837765"/>
-            <a:ext cx="6217920" cy="3308350"/>
+            <a:off x="1751758" y="2218517"/>
+            <a:ext cx="7972201" cy="3081567"/>
           </a:xfrm>
           <a:prstGeom prst="rect">
             <a:avLst/>
@@ -8955,6 +8823,37 @@
       </p:pic>
       <p:sp>
         <p:nvSpPr>
+          <p:cNvPr id="6" name="Rectangle 5"/>
+          <p:cNvSpPr/>
+          <p:nvPr/>
+        </p:nvSpPr>
+        <p:spPr>
+          <a:xfrm>
+            <a:off x="365760" y="1209030"/>
+            <a:ext cx="10744199" cy="646331"/>
+          </a:xfrm>
+          <a:prstGeom prst="rect">
+            <a:avLst/>
+          </a:prstGeom>
+        </p:spPr>
+        <p:txBody>
+          <a:bodyPr wrap="square">
+            <a:spAutoFit/>
+          </a:bodyPr>
+          <a:lstStyle/>
+          <a:p>
+            <a:r>
+              <a:rPr lang="en-US" b="1" dirty="0">
+                <a:latin typeface="Times New Roman" panose="02020603050405020304" pitchFamily="18" charset="0"/>
+                <a:cs typeface="Times New Roman" panose="02020603050405020304" pitchFamily="18" charset="0"/>
+              </a:rPr>
+              <a:t>How big/small the steps are gradient descent takes into the direction of the local minimum are determined by the learning rate, which figures out how fast or slow we will move towards the optimal weights.</a:t>
+            </a:r>
+          </a:p>
+        </p:txBody>
+      </p:sp>
+      <p:sp>
+        <p:nvSpPr>
           <p:cNvPr id="3" name="Footer Placeholder 2"/>
           <p:cNvSpPr>
             <a:spLocks noGrp="1"/>
@@ -8978,7 +8877,7 @@
       </p:sp>
       <p:sp>
         <p:nvSpPr>
-          <p:cNvPr id="5" name="Slide Number Placeholder 4"/>
+          <p:cNvPr id="4" name="Slide Number Placeholder 3"/>
           <p:cNvSpPr>
             <a:spLocks noGrp="1"/>
           </p:cNvSpPr>
@@ -9002,7 +8901,7 @@
     </p:spTree>
     <p:extLst>
       <p:ext uri="{BB962C8B-B14F-4D97-AF65-F5344CB8AC3E}">
-        <p14:creationId xmlns:p14="http://schemas.microsoft.com/office/powerpoint/2010/main" val="190169242"/>
+        <p14:creationId xmlns:p14="http://schemas.microsoft.com/office/powerpoint/2010/main" val="2899502591"/>
       </p:ext>
     </p:extLst>
   </p:cSld>
@@ -9046,14 +8945,19 @@
             <p:ph type="title"/>
           </p:nvPr>
         </p:nvSpPr>
-        <p:spPr/>
+        <p:spPr>
+          <a:xfrm>
+            <a:off x="210313" y="120460"/>
+            <a:ext cx="10396882" cy="1151965"/>
+          </a:xfrm>
+        </p:spPr>
         <p:txBody>
           <a:bodyPr/>
           <a:lstStyle/>
           <a:p>
             <a:r>
               <a:rPr lang="en-US" dirty="0"/>
-              <a:t>Types of optimizers</a:t>
+              <a:t>RMS-Prop </a:t>
             </a:r>
           </a:p>
         </p:txBody>
@@ -9066,8 +8970,8 @@
         </p:nvSpPr>
         <p:spPr>
           <a:xfrm>
-            <a:off x="1097280" y="1929384"/>
-            <a:ext cx="5833872" cy="2631490"/>
+            <a:off x="210313" y="1272425"/>
+            <a:ext cx="7024014" cy="1508105"/>
           </a:xfrm>
           <a:prstGeom prst="rect">
             <a:avLst/>
@@ -9081,58 +8985,182 @@
           <a:lstStyle/>
           <a:p>
             <a:r>
-              <a:rPr lang="en-US" sz="3300" dirty="0" smtClean="0"/>
-              <a:t>• Gradient </a:t>
-            </a:r>
-            <a:r>
-              <a:rPr lang="en-US" sz="3300" dirty="0"/>
-              <a:t>Descent</a:t>
-            </a:r>
-          </a:p>
-          <a:p>
-            <a:r>
-              <a:rPr lang="en-US" sz="3300" dirty="0" smtClean="0"/>
-              <a:t>• Stochastic </a:t>
-            </a:r>
-            <a:r>
-              <a:rPr lang="en-US" sz="3300" dirty="0"/>
-              <a:t>Gradient Descent</a:t>
-            </a:r>
-          </a:p>
-          <a:p>
-            <a:r>
-              <a:rPr lang="en-US" sz="3300" dirty="0" smtClean="0"/>
-              <a:t>• </a:t>
-            </a:r>
-            <a:r>
-              <a:rPr lang="en-US" sz="3300" dirty="0" err="1" smtClean="0"/>
-              <a:t>Adagrad</a:t>
-            </a:r>
-            <a:endParaRPr lang="en-US" sz="3300" dirty="0"/>
-          </a:p>
-          <a:p>
-            <a:r>
-              <a:rPr lang="en-US" sz="3300" dirty="0" smtClean="0"/>
-              <a:t>• </a:t>
-            </a:r>
-            <a:r>
-              <a:rPr lang="en-US" sz="3300" dirty="0" err="1" smtClean="0"/>
-              <a:t>RMSprop</a:t>
-            </a:r>
-            <a:endParaRPr lang="en-US" sz="3300" dirty="0"/>
-          </a:p>
-          <a:p>
-            <a:r>
-              <a:rPr lang="en-US" sz="3300" dirty="0" smtClean="0"/>
-              <a:t>• Adam</a:t>
-            </a:r>
-            <a:endParaRPr lang="en-US" sz="3300" dirty="0"/>
-          </a:p>
-        </p:txBody>
-      </p:sp>
-      <p:sp>
-        <p:nvSpPr>
-          <p:cNvPr id="4" name="Footer Placeholder 3"/>
+              <a:rPr lang="en-US" sz="2000" b="1" cap="all" dirty="0" smtClean="0">
+                <a:latin typeface="Times New Roman" panose="02020603050405020304" pitchFamily="18" charset="0"/>
+                <a:cs typeface="Times New Roman" panose="02020603050405020304" pitchFamily="18" charset="0"/>
+              </a:rPr>
+              <a:t>RMS-Prop</a:t>
+            </a:r>
+            <a:r>
+              <a:rPr lang="en-US" sz="1400" b="1" cap="all" dirty="0" smtClean="0">
+                <a:latin typeface="Times New Roman" panose="02020603050405020304" pitchFamily="18" charset="0"/>
+                <a:cs typeface="Times New Roman" panose="02020603050405020304" pitchFamily="18" charset="0"/>
+              </a:rPr>
+              <a:t> </a:t>
+            </a:r>
+            <a:r>
+              <a:rPr lang="en-US" b="1" dirty="0" smtClean="0">
+                <a:latin typeface="Times New Roman" panose="02020603050405020304" pitchFamily="18" charset="0"/>
+                <a:cs typeface="Times New Roman" panose="02020603050405020304" pitchFamily="18" charset="0"/>
+              </a:rPr>
+              <a:t>is a special version of </a:t>
+            </a:r>
+            <a:r>
+              <a:rPr lang="en-US" b="1" dirty="0" err="1" smtClean="0">
+                <a:latin typeface="Times New Roman" panose="02020603050405020304" pitchFamily="18" charset="0"/>
+                <a:cs typeface="Times New Roman" panose="02020603050405020304" pitchFamily="18" charset="0"/>
+              </a:rPr>
+              <a:t>adagrad</a:t>
+            </a:r>
+            <a:r>
+              <a:rPr lang="en-US" b="1" dirty="0" smtClean="0">
+                <a:latin typeface="Times New Roman" panose="02020603050405020304" pitchFamily="18" charset="0"/>
+                <a:cs typeface="Times New Roman" panose="02020603050405020304" pitchFamily="18" charset="0"/>
+              </a:rPr>
+              <a:t> in which the learning rate is an exponential average of the gradients instead of the cumulative sum of squared gradients. </a:t>
+            </a:r>
+          </a:p>
+          <a:p>
+            <a:r>
+              <a:rPr lang="en-US" b="1" dirty="0" smtClean="0">
+                <a:latin typeface="Times New Roman" panose="02020603050405020304" pitchFamily="18" charset="0"/>
+                <a:cs typeface="Times New Roman" panose="02020603050405020304" pitchFamily="18" charset="0"/>
+              </a:rPr>
+              <a:t>the decay rate (gamma) value is usually around 0.9 or 0.99. </a:t>
+            </a:r>
+          </a:p>
+          <a:p>
+            <a:endParaRPr lang="en-US" dirty="0"/>
+          </a:p>
+        </p:txBody>
+      </p:sp>
+      <p:sp>
+        <p:nvSpPr>
+          <p:cNvPr id="4" name="TextBox 3"/>
+          <p:cNvSpPr txBox="1"/>
+          <p:nvPr/>
+        </p:nvSpPr>
+        <p:spPr>
+          <a:xfrm>
+            <a:off x="210312" y="2880146"/>
+            <a:ext cx="10881359" cy="1938992"/>
+          </a:xfrm>
+          <a:prstGeom prst="rect">
+            <a:avLst/>
+          </a:prstGeom>
+          <a:noFill/>
+        </p:spPr>
+        <p:txBody>
+          <a:bodyPr wrap="square" rtlCol="0">
+            <a:spAutoFit/>
+          </a:bodyPr>
+          <a:lstStyle/>
+          <a:p>
+            <a:r>
+              <a:rPr lang="en-US" sz="2000" b="1" dirty="0" smtClean="0">
+                <a:latin typeface="Times New Roman" panose="02020603050405020304" pitchFamily="18" charset="0"/>
+                <a:cs typeface="Times New Roman" panose="02020603050405020304" pitchFamily="18" charset="0"/>
+              </a:rPr>
+              <a:t>Advantages: </a:t>
+            </a:r>
+          </a:p>
+          <a:p>
+            <a:pPr lvl="1"/>
+            <a:r>
+              <a:rPr lang="en-US" sz="1600" b="1" dirty="0" smtClean="0">
+                <a:latin typeface="Times New Roman" panose="02020603050405020304" pitchFamily="18" charset="0"/>
+                <a:cs typeface="Times New Roman" panose="02020603050405020304" pitchFamily="18" charset="0"/>
+              </a:rPr>
+              <a:t>• In </a:t>
+            </a:r>
+            <a:r>
+              <a:rPr lang="en-US" sz="1600" b="1" dirty="0" err="1" smtClean="0">
+                <a:latin typeface="Times New Roman" panose="02020603050405020304" pitchFamily="18" charset="0"/>
+                <a:cs typeface="Times New Roman" panose="02020603050405020304" pitchFamily="18" charset="0"/>
+              </a:rPr>
+              <a:t>rms</a:t>
+            </a:r>
+            <a:r>
+              <a:rPr lang="en-US" sz="1600" b="1" dirty="0" smtClean="0">
+                <a:latin typeface="Times New Roman" panose="02020603050405020304" pitchFamily="18" charset="0"/>
+                <a:cs typeface="Times New Roman" panose="02020603050405020304" pitchFamily="18" charset="0"/>
+              </a:rPr>
+              <a:t>-prop learning rate gets adjusted automatically and it chooses a different learning rate for each parameter. </a:t>
+            </a:r>
+          </a:p>
+          <a:p>
+            <a:pPr lvl="1"/>
+            <a:r>
+              <a:rPr lang="en-US" sz="1600" b="1" dirty="0" smtClean="0">
+                <a:latin typeface="Times New Roman" panose="02020603050405020304" pitchFamily="18" charset="0"/>
+                <a:cs typeface="Times New Roman" panose="02020603050405020304" pitchFamily="18" charset="0"/>
+              </a:rPr>
+              <a:t>• The learning rate does not decay too quickly, that allowing training to continue for much longer time </a:t>
+            </a:r>
+          </a:p>
+          <a:p>
+            <a:endParaRPr lang="en-US" sz="1400" b="1" cap="all" dirty="0">
+              <a:latin typeface="Times New Roman" panose="02020603050405020304" pitchFamily="18" charset="0"/>
+              <a:cs typeface="Times New Roman" panose="02020603050405020304" pitchFamily="18" charset="0"/>
+            </a:endParaRPr>
+          </a:p>
+          <a:p>
+            <a:r>
+              <a:rPr lang="en-US" sz="2000" b="1" dirty="0" smtClean="0">
+                <a:latin typeface="Times New Roman" panose="02020603050405020304" pitchFamily="18" charset="0"/>
+                <a:cs typeface="Times New Roman" panose="02020603050405020304" pitchFamily="18" charset="0"/>
+              </a:rPr>
+              <a:t>Disadvantages: </a:t>
+            </a:r>
+          </a:p>
+          <a:p>
+            <a:pPr lvl="1"/>
+            <a:r>
+              <a:rPr lang="en-US" sz="1600" b="1" dirty="0" smtClean="0">
+                <a:latin typeface="Times New Roman" panose="02020603050405020304" pitchFamily="18" charset="0"/>
+                <a:cs typeface="Times New Roman" panose="02020603050405020304" pitchFamily="18" charset="0"/>
+              </a:rPr>
+              <a:t>• Slow learning </a:t>
+            </a:r>
+          </a:p>
+          <a:p>
+            <a:endParaRPr lang="en-US" dirty="0"/>
+          </a:p>
+        </p:txBody>
+      </p:sp>
+      <p:pic>
+        <p:nvPicPr>
+          <p:cNvPr id="5" name="Content Placeholder 8"/>
+          <p:cNvPicPr>
+            <a:picLocks noChangeAspect="1"/>
+          </p:cNvPicPr>
+          <p:nvPr/>
+        </p:nvPicPr>
+        <p:blipFill>
+          <a:blip r:embed="rId2">
+            <a:extLst>
+              <a:ext uri="{28A0092B-C50C-407E-A947-70E740481C1C}">
+                <a14:useLocalDpi xmlns:a14="http://schemas.microsoft.com/office/drawing/2010/main" val="0"/>
+              </a:ext>
+            </a:extLst>
+          </a:blip>
+          <a:stretch>
+            <a:fillRect/>
+          </a:stretch>
+        </p:blipFill>
+        <p:spPr>
+          <a:xfrm>
+            <a:off x="7709815" y="120460"/>
+            <a:ext cx="3682085" cy="2759686"/>
+          </a:xfrm>
+          <a:prstGeom prst="rect">
+            <a:avLst/>
+          </a:prstGeom>
+        </p:spPr>
+      </p:pic>
+      <p:sp>
+        <p:nvSpPr>
+          <p:cNvPr id="6" name="Footer Placeholder 5"/>
           <p:cNvSpPr>
             <a:spLocks noGrp="1"/>
           </p:cNvSpPr>
@@ -9155,7 +9183,7 @@
       </p:sp>
       <p:sp>
         <p:nvSpPr>
-          <p:cNvPr id="5" name="Slide Number Placeholder 4"/>
+          <p:cNvPr id="7" name="Slide Number Placeholder 6"/>
           <p:cNvSpPr>
             <a:spLocks noGrp="1"/>
           </p:cNvSpPr>
@@ -9179,7 +9207,7 @@
     </p:spTree>
     <p:extLst>
       <p:ext uri="{BB962C8B-B14F-4D97-AF65-F5344CB8AC3E}">
-        <p14:creationId xmlns:p14="http://schemas.microsoft.com/office/powerpoint/2010/main" val="1655013119"/>
+        <p14:creationId xmlns:p14="http://schemas.microsoft.com/office/powerpoint/2010/main" val="1448980639"/>
       </p:ext>
     </p:extLst>
   </p:cSld>
@@ -9223,278 +9251,177 @@
             <p:ph type="title"/>
           </p:nvPr>
         </p:nvSpPr>
+        <p:spPr>
+          <a:xfrm>
+            <a:off x="0" y="0"/>
+            <a:ext cx="10396882" cy="1151965"/>
+          </a:xfrm>
+        </p:spPr>
+        <p:txBody>
+          <a:bodyPr/>
+          <a:lstStyle/>
+          <a:p>
+            <a:r>
+              <a:rPr lang="en-US" cap="none" dirty="0" smtClean="0"/>
+              <a:t>Agenda</a:t>
+            </a:r>
+            <a:endParaRPr lang="en-US" dirty="0"/>
+          </a:p>
+        </p:txBody>
+      </p:sp>
+      <p:sp>
+        <p:nvSpPr>
+          <p:cNvPr id="4" name="Footer Placeholder 3"/>
+          <p:cNvSpPr>
+            <a:spLocks noGrp="1"/>
+          </p:cNvSpPr>
+          <p:nvPr>
+            <p:ph type="ftr" sz="quarter" idx="11"/>
+          </p:nvPr>
+        </p:nvSpPr>
         <p:spPr/>
         <p:txBody>
           <a:bodyPr/>
           <a:lstStyle/>
           <a:p>
             <a:r>
-              <a:rPr lang="en-US" dirty="0"/>
-              <a:t>Human Brain Network</a:t>
-            </a:r>
-          </a:p>
-        </p:txBody>
-      </p:sp>
-      <p:sp>
-        <p:nvSpPr>
-          <p:cNvPr id="3" name="TextBox 2"/>
-          <p:cNvSpPr txBox="1"/>
+              <a:rPr lang="en-US" smtClean="0"/>
+              <a:t>H.Fakher</a:t>
+            </a:r>
+            <a:endParaRPr lang="en-US" dirty="0"/>
+          </a:p>
+        </p:txBody>
+      </p:sp>
+      <p:sp>
+        <p:nvSpPr>
+          <p:cNvPr id="5" name="Slide Number Placeholder 4"/>
+          <p:cNvSpPr>
+            <a:spLocks noGrp="1"/>
+          </p:cNvSpPr>
+          <p:nvPr>
+            <p:ph type="sldNum" sz="quarter" idx="12"/>
+          </p:nvPr>
+        </p:nvSpPr>
+        <p:spPr/>
+        <p:txBody>
+          <a:bodyPr/>
+          <a:lstStyle/>
+          <a:p>
+            <a:fld id="{3680D392-614A-43D7-BA76-AB1FFE045AF8}" type="slidenum">
+              <a:rPr lang="en-US" smtClean="0"/>
+              <a:t>2</a:t>
+            </a:fld>
+            <a:endParaRPr lang="en-US" dirty="0"/>
+          </a:p>
+        </p:txBody>
+      </p:sp>
+      <p:sp>
+        <p:nvSpPr>
+          <p:cNvPr id="6" name="Rectangle 5"/>
+          <p:cNvSpPr/>
           <p:nvPr/>
         </p:nvSpPr>
         <p:spPr>
           <a:xfrm>
-            <a:off x="758953" y="2267712"/>
-            <a:ext cx="4974336" cy="2800767"/>
+            <a:off x="584200" y="1151964"/>
+            <a:ext cx="6036056" cy="3539430"/>
           </a:xfrm>
           <a:prstGeom prst="rect">
             <a:avLst/>
           </a:prstGeom>
-          <a:noFill/>
-        </p:spPr>
-        <p:txBody>
-          <a:bodyPr wrap="square" rtlCol="0">
+        </p:spPr>
+        <p:txBody>
+          <a:bodyPr wrap="square">
             <a:spAutoFit/>
           </a:bodyPr>
           <a:lstStyle/>
           <a:p>
-            <a:r>
-              <a:rPr lang="en-US" sz="2200" dirty="0">
-                <a:latin typeface="Times New Roman" panose="02020603050405020304" pitchFamily="18" charset="0"/>
-                <a:cs typeface="Times New Roman" panose="02020603050405020304" pitchFamily="18" charset="0"/>
-              </a:rPr>
-              <a:t>• The brain is composed of </a:t>
-            </a:r>
-            <a:r>
-              <a:rPr lang="en-US" sz="2200" b="1" dirty="0">
+            <a:pPr marL="342900" indent="-342900">
+              <a:lnSpc>
+                <a:spcPct val="200000"/>
+              </a:lnSpc>
+              <a:buFont typeface="+mj-lt"/>
+              <a:buAutoNum type="arabicPeriod"/>
+            </a:pPr>
+            <a:r>
+              <a:rPr lang="en-US" sz="2800" dirty="0">
                 <a:solidFill>
-                  <a:srgbClr val="FF0000"/>
+                  <a:srgbClr val="C00000"/>
                 </a:solidFill>
-                <a:latin typeface="Times New Roman" panose="02020603050405020304" pitchFamily="18" charset="0"/>
-                <a:cs typeface="Times New Roman" panose="02020603050405020304" pitchFamily="18" charset="0"/>
-              </a:rPr>
-              <a:t>neurons</a:t>
-            </a:r>
-            <a:r>
-              <a:rPr lang="en-US" sz="2200" b="1" dirty="0">
-                <a:latin typeface="Times New Roman" panose="02020603050405020304" pitchFamily="18" charset="0"/>
-                <a:cs typeface="Times New Roman" panose="02020603050405020304" pitchFamily="18" charset="0"/>
-              </a:rPr>
-              <a:t> </a:t>
-            </a:r>
-            <a:r>
-              <a:rPr lang="en-US" sz="2200" dirty="0">
-                <a:latin typeface="Times New Roman" panose="02020603050405020304" pitchFamily="18" charset="0"/>
-                <a:cs typeface="Times New Roman" panose="02020603050405020304" pitchFamily="18" charset="0"/>
-              </a:rPr>
-              <a:t>linked together by </a:t>
-            </a:r>
-            <a:r>
-              <a:rPr lang="en-US" sz="2200" b="1" dirty="0">
-                <a:latin typeface="Times New Roman" panose="02020603050405020304" pitchFamily="18" charset="0"/>
-                <a:cs typeface="Times New Roman" panose="02020603050405020304" pitchFamily="18" charset="0"/>
-              </a:rPr>
-              <a:t>synapses</a:t>
-            </a:r>
-            <a:r>
-              <a:rPr lang="en-US" sz="2200" dirty="0" smtClean="0">
-                <a:latin typeface="Times New Roman" panose="02020603050405020304" pitchFamily="18" charset="0"/>
-                <a:cs typeface="Times New Roman" panose="02020603050405020304" pitchFamily="18" charset="0"/>
-              </a:rPr>
-              <a:t>.</a:t>
-            </a:r>
-          </a:p>
-          <a:p>
-            <a:endParaRPr lang="en-US" sz="2200" dirty="0">
-              <a:latin typeface="Times New Roman" panose="02020603050405020304" pitchFamily="18" charset="0"/>
-              <a:cs typeface="Times New Roman" panose="02020603050405020304" pitchFamily="18" charset="0"/>
+              </a:rPr>
+              <a:t>Neural Network </a:t>
+            </a:r>
+            <a:r>
+              <a:rPr lang="en-US" sz="2800" dirty="0" smtClean="0">
+                <a:solidFill>
+                  <a:srgbClr val="C00000"/>
+                </a:solidFill>
+              </a:rPr>
+              <a:t>Components </a:t>
+            </a:r>
+          </a:p>
+          <a:p>
+            <a:pPr marL="342900" indent="-342900">
+              <a:lnSpc>
+                <a:spcPct val="200000"/>
+              </a:lnSpc>
+              <a:buFont typeface="+mj-lt"/>
+              <a:buAutoNum type="arabicPeriod"/>
+            </a:pPr>
+            <a:r>
+              <a:rPr lang="en-US" sz="2800" dirty="0">
+                <a:solidFill>
+                  <a:srgbClr val="C00000"/>
+                </a:solidFill>
+              </a:rPr>
+              <a:t>Activation Functions </a:t>
+            </a:r>
+            <a:endParaRPr lang="en-US" sz="2800" dirty="0">
+              <a:solidFill>
+                <a:srgbClr val="C00000"/>
+              </a:solidFill>
             </a:endParaRPr>
           </a:p>
           <a:p>
-            <a:r>
-              <a:rPr lang="en-US" sz="2200" dirty="0">
-                <a:latin typeface="Times New Roman" panose="02020603050405020304" pitchFamily="18" charset="0"/>
-                <a:cs typeface="Times New Roman" panose="02020603050405020304" pitchFamily="18" charset="0"/>
-              </a:rPr>
-              <a:t>• Human brain has </a:t>
-            </a:r>
-            <a:r>
-              <a:rPr lang="en-US" sz="2200" b="1" dirty="0">
+            <a:pPr marL="342900" indent="-342900">
+              <a:lnSpc>
+                <a:spcPct val="200000"/>
+              </a:lnSpc>
+              <a:buFont typeface="+mj-lt"/>
+              <a:buAutoNum type="arabicPeriod"/>
+            </a:pPr>
+            <a:r>
+              <a:rPr lang="en-US" sz="2800" dirty="0">
                 <a:solidFill>
-                  <a:srgbClr val="FF0000"/>
+                  <a:srgbClr val="C00000"/>
                 </a:solidFill>
-                <a:latin typeface="Times New Roman" panose="02020603050405020304" pitchFamily="18" charset="0"/>
-                <a:cs typeface="Times New Roman" panose="02020603050405020304" pitchFamily="18" charset="0"/>
-              </a:rPr>
-              <a:t>~10^11 neurons</a:t>
-            </a:r>
-            <a:r>
-              <a:rPr lang="en-US" sz="2200" b="1" dirty="0">
-                <a:latin typeface="Times New Roman" panose="02020603050405020304" pitchFamily="18" charset="0"/>
-                <a:cs typeface="Times New Roman" panose="02020603050405020304" pitchFamily="18" charset="0"/>
-              </a:rPr>
-              <a:t> </a:t>
-            </a:r>
-            <a:r>
-              <a:rPr lang="en-US" sz="2200" dirty="0">
-                <a:latin typeface="Times New Roman" panose="02020603050405020304" pitchFamily="18" charset="0"/>
-                <a:cs typeface="Times New Roman" panose="02020603050405020304" pitchFamily="18" charset="0"/>
-              </a:rPr>
-              <a:t>≈ number of trees in </a:t>
-            </a:r>
-            <a:r>
-              <a:rPr lang="en-US" sz="2200" dirty="0" smtClean="0">
-                <a:latin typeface="Times New Roman" panose="02020603050405020304" pitchFamily="18" charset="0"/>
-                <a:cs typeface="Times New Roman" panose="02020603050405020304" pitchFamily="18" charset="0"/>
-              </a:rPr>
-              <a:t>the amazon </a:t>
-            </a:r>
-            <a:r>
-              <a:rPr lang="en-US" sz="2200" dirty="0">
-                <a:latin typeface="Times New Roman" panose="02020603050405020304" pitchFamily="18" charset="0"/>
-                <a:cs typeface="Times New Roman" panose="02020603050405020304" pitchFamily="18" charset="0"/>
-              </a:rPr>
-              <a:t>forest</a:t>
-            </a:r>
-            <a:r>
-              <a:rPr lang="en-US" sz="2200" dirty="0" smtClean="0">
-                <a:latin typeface="Times New Roman" panose="02020603050405020304" pitchFamily="18" charset="0"/>
-                <a:cs typeface="Times New Roman" panose="02020603050405020304" pitchFamily="18" charset="0"/>
-              </a:rPr>
-              <a:t>.</a:t>
-            </a:r>
-          </a:p>
-          <a:p>
-            <a:endParaRPr lang="en-US" sz="2200" dirty="0">
-              <a:latin typeface="Times New Roman" panose="02020603050405020304" pitchFamily="18" charset="0"/>
-              <a:cs typeface="Times New Roman" panose="02020603050405020304" pitchFamily="18" charset="0"/>
-            </a:endParaRPr>
-          </a:p>
-          <a:p>
-            <a:r>
-              <a:rPr lang="en-US" sz="2200" dirty="0">
-                <a:latin typeface="Times New Roman" panose="02020603050405020304" pitchFamily="18" charset="0"/>
-                <a:cs typeface="Times New Roman" panose="02020603050405020304" pitchFamily="18" charset="0"/>
-              </a:rPr>
-              <a:t>• The number of synapses ≈ number of </a:t>
-            </a:r>
-            <a:r>
-              <a:rPr lang="en-US" sz="2200" b="1" dirty="0" smtClean="0">
+              </a:rPr>
+              <a:t>Optimization</a:t>
+            </a:r>
+          </a:p>
+          <a:p>
+            <a:pPr marL="342900" indent="-342900">
+              <a:lnSpc>
+                <a:spcPct val="200000"/>
+              </a:lnSpc>
+              <a:buFont typeface="+mj-lt"/>
+              <a:buAutoNum type="arabicPeriod"/>
+            </a:pPr>
+            <a:r>
+              <a:rPr lang="en-US" sz="2800" dirty="0">
                 <a:solidFill>
-                  <a:srgbClr val="FF0000"/>
+                  <a:srgbClr val="C00000"/>
                 </a:solidFill>
-                <a:latin typeface="Times New Roman" panose="02020603050405020304" pitchFamily="18" charset="0"/>
-                <a:cs typeface="Times New Roman" panose="02020603050405020304" pitchFamily="18" charset="0"/>
-              </a:rPr>
-              <a:t>tree </a:t>
-            </a:r>
-            <a:r>
-              <a:rPr lang="en-US" sz="2200" b="1" dirty="0">
-                <a:solidFill>
-                  <a:srgbClr val="FF0000"/>
-                </a:solidFill>
-                <a:latin typeface="Times New Roman" panose="02020603050405020304" pitchFamily="18" charset="0"/>
-                <a:cs typeface="Times New Roman" panose="02020603050405020304" pitchFamily="18" charset="0"/>
-              </a:rPr>
-              <a:t>leaves </a:t>
-            </a:r>
-            <a:r>
-              <a:rPr lang="en-US" sz="2200" dirty="0">
-                <a:latin typeface="Times New Roman" panose="02020603050405020304" pitchFamily="18" charset="0"/>
-                <a:cs typeface="Times New Roman" panose="02020603050405020304" pitchFamily="18" charset="0"/>
-              </a:rPr>
-              <a:t>in the </a:t>
-            </a:r>
-            <a:r>
-              <a:rPr lang="en-US" sz="2200" dirty="0" smtClean="0">
-                <a:latin typeface="Times New Roman" panose="02020603050405020304" pitchFamily="18" charset="0"/>
-                <a:cs typeface="Times New Roman" panose="02020603050405020304" pitchFamily="18" charset="0"/>
-              </a:rPr>
-              <a:t>amazon forest</a:t>
-            </a:r>
-            <a:r>
-              <a:rPr lang="en-US" sz="2200" dirty="0">
-                <a:latin typeface="Times New Roman" panose="02020603050405020304" pitchFamily="18" charset="0"/>
-                <a:cs typeface="Times New Roman" panose="02020603050405020304" pitchFamily="18" charset="0"/>
-              </a:rPr>
-              <a:t>.</a:t>
-            </a:r>
-          </a:p>
-        </p:txBody>
-      </p:sp>
-      <p:pic>
-        <p:nvPicPr>
-          <p:cNvPr id="4" name="Picture 3"/>
-          <p:cNvPicPr>
-            <a:picLocks noChangeAspect="1"/>
-          </p:cNvPicPr>
-          <p:nvPr/>
-        </p:nvPicPr>
-        <p:blipFill>
-          <a:blip r:embed="rId2"/>
-          <a:stretch>
-            <a:fillRect/>
-          </a:stretch>
-        </p:blipFill>
-        <p:spPr>
-          <a:xfrm>
-            <a:off x="5596128" y="1984248"/>
-            <a:ext cx="6075708" cy="3534324"/>
-          </a:xfrm>
-          <a:prstGeom prst="rect">
-            <a:avLst/>
-          </a:prstGeom>
-        </p:spPr>
-      </p:pic>
-      <p:sp>
-        <p:nvSpPr>
-          <p:cNvPr id="5" name="Footer Placeholder 4"/>
-          <p:cNvSpPr>
-            <a:spLocks noGrp="1"/>
-          </p:cNvSpPr>
-          <p:nvPr>
-            <p:ph type="ftr" sz="quarter" idx="11"/>
-          </p:nvPr>
-        </p:nvSpPr>
-        <p:spPr/>
-        <p:txBody>
-          <a:bodyPr/>
-          <a:lstStyle/>
-          <a:p>
-            <a:r>
-              <a:rPr lang="en-US" smtClean="0"/>
-              <a:t>H.Fakher</a:t>
-            </a:r>
-            <a:endParaRPr lang="en-US" dirty="0"/>
-          </a:p>
-        </p:txBody>
-      </p:sp>
-      <p:sp>
-        <p:nvSpPr>
-          <p:cNvPr id="6" name="Slide Number Placeholder 5"/>
-          <p:cNvSpPr>
-            <a:spLocks noGrp="1"/>
-          </p:cNvSpPr>
-          <p:nvPr>
-            <p:ph type="sldNum" sz="quarter" idx="12"/>
-          </p:nvPr>
-        </p:nvSpPr>
-        <p:spPr/>
-        <p:txBody>
-          <a:bodyPr/>
-          <a:lstStyle/>
-          <a:p>
-            <a:fld id="{3680D392-614A-43D7-BA76-AB1FFE045AF8}" type="slidenum">
-              <a:rPr lang="en-US" smtClean="0"/>
-              <a:t>2</a:t>
-            </a:fld>
-            <a:endParaRPr lang="en-US" dirty="0"/>
+              </a:rPr>
+              <a:t>Loss Function</a:t>
+            </a:r>
           </a:p>
         </p:txBody>
       </p:sp>
     </p:spTree>
     <p:extLst>
       <p:ext uri="{BB962C8B-B14F-4D97-AF65-F5344CB8AC3E}">
-        <p14:creationId xmlns:p14="http://schemas.microsoft.com/office/powerpoint/2010/main" val="1567323725"/>
+        <p14:creationId xmlns:p14="http://schemas.microsoft.com/office/powerpoint/2010/main" val="3639862775"/>
       </p:ext>
     </p:extLst>
   </p:cSld>
@@ -9512,754 +9439,6 @@
 </file>
 
 <file path=ppt/slides/slide20.xml><?xml version="1.0" encoding="utf-8"?>
-<p:sld xmlns:a="http://schemas.openxmlformats.org/drawingml/2006/main" xmlns:r="http://schemas.openxmlformats.org/officeDocument/2006/relationships" xmlns:p="http://schemas.openxmlformats.org/presentationml/2006/main">
-  <p:cSld>
-    <p:spTree>
-      <p:nvGrpSpPr>
-        <p:cNvPr id="1" name=""/>
-        <p:cNvGrpSpPr/>
-        <p:nvPr/>
-      </p:nvGrpSpPr>
-      <p:grpSpPr>
-        <a:xfrm>
-          <a:off x="0" y="0"/>
-          <a:ext cx="0" cy="0"/>
-          <a:chOff x="0" y="0"/>
-          <a:chExt cx="0" cy="0"/>
-        </a:xfrm>
-      </p:grpSpPr>
-      <p:sp>
-        <p:nvSpPr>
-          <p:cNvPr id="2" name="Title 1"/>
-          <p:cNvSpPr>
-            <a:spLocks noGrp="1"/>
-          </p:cNvSpPr>
-          <p:nvPr>
-            <p:ph type="title"/>
-          </p:nvPr>
-        </p:nvSpPr>
-        <p:spPr>
-          <a:xfrm>
-            <a:off x="297480" y="256032"/>
-            <a:ext cx="6345302" cy="642508"/>
-          </a:xfrm>
-        </p:spPr>
-        <p:txBody>
-          <a:bodyPr/>
-          <a:lstStyle/>
-          <a:p>
-            <a:pPr algn="l"/>
-            <a:r>
-              <a:rPr lang="en-US" b="1" dirty="0"/>
-              <a:t>Gradient descent</a:t>
-            </a:r>
-            <a:endParaRPr lang="en-US" dirty="0"/>
-          </a:p>
-        </p:txBody>
-      </p:sp>
-      <p:pic>
-        <p:nvPicPr>
-          <p:cNvPr id="5" name="Picture 4"/>
-          <p:cNvPicPr>
-            <a:picLocks noChangeAspect="1"/>
-          </p:cNvPicPr>
-          <p:nvPr/>
-        </p:nvPicPr>
-        <p:blipFill>
-          <a:blip r:embed="rId2"/>
-          <a:stretch>
-            <a:fillRect/>
-          </a:stretch>
-        </p:blipFill>
-        <p:spPr>
-          <a:xfrm>
-            <a:off x="297480" y="2523532"/>
-            <a:ext cx="4887917" cy="2925172"/>
-          </a:xfrm>
-          <a:prstGeom prst="rect">
-            <a:avLst/>
-          </a:prstGeom>
-        </p:spPr>
-      </p:pic>
-      <p:pic>
-        <p:nvPicPr>
-          <p:cNvPr id="6" name="Picture 5"/>
-          <p:cNvPicPr>
-            <a:picLocks noChangeAspect="1"/>
-          </p:cNvPicPr>
-          <p:nvPr/>
-        </p:nvPicPr>
-        <p:blipFill>
-          <a:blip r:embed="rId3"/>
-          <a:stretch>
-            <a:fillRect/>
-          </a:stretch>
-        </p:blipFill>
-        <p:spPr>
-          <a:xfrm>
-            <a:off x="6359203" y="2523532"/>
-            <a:ext cx="4887917" cy="2925172"/>
-          </a:xfrm>
-          <a:prstGeom prst="rect">
-            <a:avLst/>
-          </a:prstGeom>
-        </p:spPr>
-      </p:pic>
-      <p:sp>
-        <p:nvSpPr>
-          <p:cNvPr id="3" name="Rectangle 2"/>
-          <p:cNvSpPr/>
-          <p:nvPr/>
-        </p:nvSpPr>
-        <p:spPr>
-          <a:xfrm>
-            <a:off x="297480" y="972372"/>
-            <a:ext cx="10949640" cy="1477328"/>
-          </a:xfrm>
-          <a:prstGeom prst="rect">
-            <a:avLst/>
-          </a:prstGeom>
-        </p:spPr>
-        <p:txBody>
-          <a:bodyPr wrap="square">
-            <a:spAutoFit/>
-          </a:bodyPr>
-          <a:lstStyle/>
-          <a:p>
-            <a:r>
-              <a:rPr lang="en-US" b="1" dirty="0">
-                <a:latin typeface="Times New Roman" panose="02020603050405020304" pitchFamily="18" charset="0"/>
-                <a:cs typeface="Times New Roman" panose="02020603050405020304" pitchFamily="18" charset="0"/>
-              </a:rPr>
-              <a:t>Gradient descent: is an optimization algorithm used to minimize </a:t>
-            </a:r>
-            <a:r>
-              <a:rPr lang="en-US" b="1" dirty="0" smtClean="0">
-                <a:latin typeface="Times New Roman" panose="02020603050405020304" pitchFamily="18" charset="0"/>
-                <a:cs typeface="Times New Roman" panose="02020603050405020304" pitchFamily="18" charset="0"/>
-              </a:rPr>
-              <a:t>some function </a:t>
-            </a:r>
-            <a:r>
-              <a:rPr lang="en-US" b="1" dirty="0">
-                <a:latin typeface="Times New Roman" panose="02020603050405020304" pitchFamily="18" charset="0"/>
-                <a:cs typeface="Times New Roman" panose="02020603050405020304" pitchFamily="18" charset="0"/>
-              </a:rPr>
-              <a:t>by iteratively moving in the direction of steepest descent as defined </a:t>
-            </a:r>
-            <a:r>
-              <a:rPr lang="en-US" b="1" dirty="0" smtClean="0">
-                <a:latin typeface="Times New Roman" panose="02020603050405020304" pitchFamily="18" charset="0"/>
-                <a:cs typeface="Times New Roman" panose="02020603050405020304" pitchFamily="18" charset="0"/>
-              </a:rPr>
-              <a:t>by the </a:t>
-            </a:r>
-            <a:r>
-              <a:rPr lang="en-US" b="1" dirty="0">
-                <a:latin typeface="Times New Roman" panose="02020603050405020304" pitchFamily="18" charset="0"/>
-                <a:cs typeface="Times New Roman" panose="02020603050405020304" pitchFamily="18" charset="0"/>
-              </a:rPr>
-              <a:t>negative of the gradient. </a:t>
-            </a:r>
-            <a:endParaRPr lang="en-US" b="1" dirty="0" smtClean="0">
-              <a:latin typeface="Times New Roman" panose="02020603050405020304" pitchFamily="18" charset="0"/>
-              <a:cs typeface="Times New Roman" panose="02020603050405020304" pitchFamily="18" charset="0"/>
-            </a:endParaRPr>
-          </a:p>
-          <a:p>
-            <a:r>
-              <a:rPr lang="en-US" b="1" dirty="0" smtClean="0">
-                <a:latin typeface="Times New Roman" panose="02020603050405020304" pitchFamily="18" charset="0"/>
-                <a:cs typeface="Times New Roman" panose="02020603050405020304" pitchFamily="18" charset="0"/>
-              </a:rPr>
-              <a:t>In </a:t>
-            </a:r>
-            <a:r>
-              <a:rPr lang="en-US" b="1" dirty="0">
-                <a:latin typeface="Times New Roman" panose="02020603050405020304" pitchFamily="18" charset="0"/>
-                <a:cs typeface="Times New Roman" panose="02020603050405020304" pitchFamily="18" charset="0"/>
-              </a:rPr>
-              <a:t>machine learning, we use gradient descent </a:t>
-            </a:r>
-            <a:r>
-              <a:rPr lang="en-US" b="1" dirty="0" smtClean="0">
-                <a:latin typeface="Times New Roman" panose="02020603050405020304" pitchFamily="18" charset="0"/>
-                <a:cs typeface="Times New Roman" panose="02020603050405020304" pitchFamily="18" charset="0"/>
-              </a:rPr>
-              <a:t>to update </a:t>
-            </a:r>
-            <a:r>
-              <a:rPr lang="en-US" b="1" dirty="0">
-                <a:latin typeface="Times New Roman" panose="02020603050405020304" pitchFamily="18" charset="0"/>
-                <a:cs typeface="Times New Roman" panose="02020603050405020304" pitchFamily="18" charset="0"/>
-              </a:rPr>
-              <a:t>the parameters of our model. Parameters refer to weights in </a:t>
-            </a:r>
-            <a:r>
-              <a:rPr lang="en-US" b="1" dirty="0" smtClean="0">
-                <a:latin typeface="Times New Roman" panose="02020603050405020304" pitchFamily="18" charset="0"/>
-                <a:cs typeface="Times New Roman" panose="02020603050405020304" pitchFamily="18" charset="0"/>
-              </a:rPr>
-              <a:t>neural networks</a:t>
-            </a:r>
-            <a:r>
-              <a:rPr lang="en-US" b="1" dirty="0">
-                <a:latin typeface="Times New Roman" panose="02020603050405020304" pitchFamily="18" charset="0"/>
-                <a:cs typeface="Times New Roman" panose="02020603050405020304" pitchFamily="18" charset="0"/>
-              </a:rPr>
-              <a:t>.</a:t>
-            </a:r>
-          </a:p>
-          <a:p>
-            <a:r>
-              <a:rPr lang="en-US" b="1" dirty="0">
-                <a:latin typeface="Times New Roman" panose="02020603050405020304" pitchFamily="18" charset="0"/>
-                <a:cs typeface="Times New Roman" panose="02020603050405020304" pitchFamily="18" charset="0"/>
-              </a:rPr>
-              <a:t>To put it simply, we use gradient descent to minimize the cost function, J(w).</a:t>
-            </a:r>
-          </a:p>
-        </p:txBody>
-      </p:sp>
-      <p:sp>
-        <p:nvSpPr>
-          <p:cNvPr id="4" name="Footer Placeholder 3"/>
-          <p:cNvSpPr>
-            <a:spLocks noGrp="1"/>
-          </p:cNvSpPr>
-          <p:nvPr>
-            <p:ph type="ftr" sz="quarter" idx="11"/>
-          </p:nvPr>
-        </p:nvSpPr>
-        <p:spPr/>
-        <p:txBody>
-          <a:bodyPr/>
-          <a:lstStyle/>
-          <a:p>
-            <a:r>
-              <a:rPr lang="en-US" smtClean="0"/>
-              <a:t>H.Fakher</a:t>
-            </a:r>
-            <a:endParaRPr lang="en-US" dirty="0"/>
-          </a:p>
-        </p:txBody>
-      </p:sp>
-      <p:sp>
-        <p:nvSpPr>
-          <p:cNvPr id="7" name="Slide Number Placeholder 6"/>
-          <p:cNvSpPr>
-            <a:spLocks noGrp="1"/>
-          </p:cNvSpPr>
-          <p:nvPr>
-            <p:ph type="sldNum" sz="quarter" idx="12"/>
-          </p:nvPr>
-        </p:nvSpPr>
-        <p:spPr/>
-        <p:txBody>
-          <a:bodyPr/>
-          <a:lstStyle/>
-          <a:p>
-            <a:fld id="{3680D392-614A-43D7-BA76-AB1FFE045AF8}" type="slidenum">
-              <a:rPr lang="en-US" smtClean="0"/>
-              <a:t>20</a:t>
-            </a:fld>
-            <a:endParaRPr lang="en-US" dirty="0"/>
-          </a:p>
-        </p:txBody>
-      </p:sp>
-    </p:spTree>
-    <p:extLst>
-      <p:ext uri="{BB962C8B-B14F-4D97-AF65-F5344CB8AC3E}">
-        <p14:creationId xmlns:p14="http://schemas.microsoft.com/office/powerpoint/2010/main" val="2982331754"/>
-      </p:ext>
-    </p:extLst>
-  </p:cSld>
-  <p:clrMapOvr>
-    <a:masterClrMapping/>
-  </p:clrMapOvr>
-  <p:timing>
-    <p:tnLst>
-      <p:par>
-        <p:cTn id="1" dur="indefinite" restart="never" nodeType="tmRoot"/>
-      </p:par>
-    </p:tnLst>
-  </p:timing>
-</p:sld>
-</file>
-
-<file path=ppt/slides/slide21.xml><?xml version="1.0" encoding="utf-8"?>
-<p:sld xmlns:a="http://schemas.openxmlformats.org/drawingml/2006/main" xmlns:r="http://schemas.openxmlformats.org/officeDocument/2006/relationships" xmlns:p="http://schemas.openxmlformats.org/presentationml/2006/main">
-  <p:cSld>
-    <p:spTree>
-      <p:nvGrpSpPr>
-        <p:cNvPr id="1" name=""/>
-        <p:cNvGrpSpPr/>
-        <p:nvPr/>
-      </p:nvGrpSpPr>
-      <p:grpSpPr>
-        <a:xfrm>
-          <a:off x="0" y="0"/>
-          <a:ext cx="0" cy="0"/>
-          <a:chOff x="0" y="0"/>
-          <a:chExt cx="0" cy="0"/>
-        </a:xfrm>
-      </p:grpSpPr>
-      <p:sp>
-        <p:nvSpPr>
-          <p:cNvPr id="2" name="Title 1"/>
-          <p:cNvSpPr>
-            <a:spLocks noGrp="1"/>
-          </p:cNvSpPr>
-          <p:nvPr>
-            <p:ph type="title"/>
-          </p:nvPr>
-        </p:nvSpPr>
-        <p:spPr>
-          <a:xfrm>
-            <a:off x="365760" y="164186"/>
-            <a:ext cx="4223894" cy="770524"/>
-          </a:xfrm>
-        </p:spPr>
-        <p:txBody>
-          <a:bodyPr/>
-          <a:lstStyle/>
-          <a:p>
-            <a:pPr algn="l"/>
-            <a:r>
-              <a:rPr lang="en-US" dirty="0"/>
-              <a:t>Learning Rate</a:t>
-            </a:r>
-          </a:p>
-        </p:txBody>
-      </p:sp>
-      <p:pic>
-        <p:nvPicPr>
-          <p:cNvPr id="5" name="Picture 4"/>
-          <p:cNvPicPr>
-            <a:picLocks noChangeAspect="1"/>
-          </p:cNvPicPr>
-          <p:nvPr/>
-        </p:nvPicPr>
-        <p:blipFill>
-          <a:blip r:embed="rId2"/>
-          <a:stretch>
-            <a:fillRect/>
-          </a:stretch>
-        </p:blipFill>
-        <p:spPr>
-          <a:xfrm>
-            <a:off x="1751758" y="2218517"/>
-            <a:ext cx="7972201" cy="3081567"/>
-          </a:xfrm>
-          <a:prstGeom prst="rect">
-            <a:avLst/>
-          </a:prstGeom>
-        </p:spPr>
-      </p:pic>
-      <p:sp>
-        <p:nvSpPr>
-          <p:cNvPr id="6" name="Rectangle 5"/>
-          <p:cNvSpPr/>
-          <p:nvPr/>
-        </p:nvSpPr>
-        <p:spPr>
-          <a:xfrm>
-            <a:off x="365760" y="1209030"/>
-            <a:ext cx="10744199" cy="646331"/>
-          </a:xfrm>
-          <a:prstGeom prst="rect">
-            <a:avLst/>
-          </a:prstGeom>
-        </p:spPr>
-        <p:txBody>
-          <a:bodyPr wrap="square">
-            <a:spAutoFit/>
-          </a:bodyPr>
-          <a:lstStyle/>
-          <a:p>
-            <a:r>
-              <a:rPr lang="en-US" b="1" dirty="0">
-                <a:latin typeface="Times New Roman" panose="02020603050405020304" pitchFamily="18" charset="0"/>
-                <a:cs typeface="Times New Roman" panose="02020603050405020304" pitchFamily="18" charset="0"/>
-              </a:rPr>
-              <a:t>How big/small the steps are gradient descent takes into the direction of the local minimum are determined by the learning rate, which figures out how fast or slow we will move towards the optimal weights.</a:t>
-            </a:r>
-          </a:p>
-        </p:txBody>
-      </p:sp>
-      <p:sp>
-        <p:nvSpPr>
-          <p:cNvPr id="3" name="Footer Placeholder 2"/>
-          <p:cNvSpPr>
-            <a:spLocks noGrp="1"/>
-          </p:cNvSpPr>
-          <p:nvPr>
-            <p:ph type="ftr" sz="quarter" idx="11"/>
-          </p:nvPr>
-        </p:nvSpPr>
-        <p:spPr/>
-        <p:txBody>
-          <a:bodyPr/>
-          <a:lstStyle/>
-          <a:p>
-            <a:r>
-              <a:rPr lang="en-US" smtClean="0"/>
-              <a:t>H.Fakher</a:t>
-            </a:r>
-            <a:endParaRPr lang="en-US" dirty="0"/>
-          </a:p>
-        </p:txBody>
-      </p:sp>
-      <p:sp>
-        <p:nvSpPr>
-          <p:cNvPr id="4" name="Slide Number Placeholder 3"/>
-          <p:cNvSpPr>
-            <a:spLocks noGrp="1"/>
-          </p:cNvSpPr>
-          <p:nvPr>
-            <p:ph type="sldNum" sz="quarter" idx="12"/>
-          </p:nvPr>
-        </p:nvSpPr>
-        <p:spPr/>
-        <p:txBody>
-          <a:bodyPr/>
-          <a:lstStyle/>
-          <a:p>
-            <a:fld id="{3680D392-614A-43D7-BA76-AB1FFE045AF8}" type="slidenum">
-              <a:rPr lang="en-US" smtClean="0"/>
-              <a:t>21</a:t>
-            </a:fld>
-            <a:endParaRPr lang="en-US" dirty="0"/>
-          </a:p>
-        </p:txBody>
-      </p:sp>
-    </p:spTree>
-    <p:extLst>
-      <p:ext uri="{BB962C8B-B14F-4D97-AF65-F5344CB8AC3E}">
-        <p14:creationId xmlns:p14="http://schemas.microsoft.com/office/powerpoint/2010/main" val="2899502591"/>
-      </p:ext>
-    </p:extLst>
-  </p:cSld>
-  <p:clrMapOvr>
-    <a:masterClrMapping/>
-  </p:clrMapOvr>
-  <p:timing>
-    <p:tnLst>
-      <p:par>
-        <p:cTn id="1" dur="indefinite" restart="never" nodeType="tmRoot"/>
-      </p:par>
-    </p:tnLst>
-  </p:timing>
-</p:sld>
-</file>
-
-<file path=ppt/slides/slide22.xml><?xml version="1.0" encoding="utf-8"?>
-<p:sld xmlns:a="http://schemas.openxmlformats.org/drawingml/2006/main" xmlns:r="http://schemas.openxmlformats.org/officeDocument/2006/relationships" xmlns:p="http://schemas.openxmlformats.org/presentationml/2006/main">
-  <p:cSld>
-    <p:spTree>
-      <p:nvGrpSpPr>
-        <p:cNvPr id="1" name=""/>
-        <p:cNvGrpSpPr/>
-        <p:nvPr/>
-      </p:nvGrpSpPr>
-      <p:grpSpPr>
-        <a:xfrm>
-          <a:off x="0" y="0"/>
-          <a:ext cx="0" cy="0"/>
-          <a:chOff x="0" y="0"/>
-          <a:chExt cx="0" cy="0"/>
-        </a:xfrm>
-      </p:grpSpPr>
-      <p:sp>
-        <p:nvSpPr>
-          <p:cNvPr id="2" name="Title 1"/>
-          <p:cNvSpPr>
-            <a:spLocks noGrp="1"/>
-          </p:cNvSpPr>
-          <p:nvPr>
-            <p:ph type="title"/>
-          </p:nvPr>
-        </p:nvSpPr>
-        <p:spPr>
-          <a:xfrm>
-            <a:off x="210313" y="120460"/>
-            <a:ext cx="10396882" cy="1151965"/>
-          </a:xfrm>
-        </p:spPr>
-        <p:txBody>
-          <a:bodyPr/>
-          <a:lstStyle/>
-          <a:p>
-            <a:r>
-              <a:rPr lang="en-US" dirty="0"/>
-              <a:t>RMS-Prop </a:t>
-            </a:r>
-          </a:p>
-        </p:txBody>
-      </p:sp>
-      <p:sp>
-        <p:nvSpPr>
-          <p:cNvPr id="3" name="TextBox 2"/>
-          <p:cNvSpPr txBox="1"/>
-          <p:nvPr/>
-        </p:nvSpPr>
-        <p:spPr>
-          <a:xfrm>
-            <a:off x="210313" y="1272425"/>
-            <a:ext cx="7024014" cy="1508105"/>
-          </a:xfrm>
-          <a:prstGeom prst="rect">
-            <a:avLst/>
-          </a:prstGeom>
-          <a:noFill/>
-        </p:spPr>
-        <p:txBody>
-          <a:bodyPr wrap="square" rtlCol="0">
-            <a:spAutoFit/>
-          </a:bodyPr>
-          <a:lstStyle/>
-          <a:p>
-            <a:r>
-              <a:rPr lang="en-US" sz="2000" b="1" cap="all" dirty="0" smtClean="0">
-                <a:latin typeface="Times New Roman" panose="02020603050405020304" pitchFamily="18" charset="0"/>
-                <a:cs typeface="Times New Roman" panose="02020603050405020304" pitchFamily="18" charset="0"/>
-              </a:rPr>
-              <a:t>RMS-Prop</a:t>
-            </a:r>
-            <a:r>
-              <a:rPr lang="en-US" sz="1400" b="1" cap="all" dirty="0" smtClean="0">
-                <a:latin typeface="Times New Roman" panose="02020603050405020304" pitchFamily="18" charset="0"/>
-                <a:cs typeface="Times New Roman" panose="02020603050405020304" pitchFamily="18" charset="0"/>
-              </a:rPr>
-              <a:t> </a:t>
-            </a:r>
-            <a:r>
-              <a:rPr lang="en-US" b="1" dirty="0" smtClean="0">
-                <a:latin typeface="Times New Roman" panose="02020603050405020304" pitchFamily="18" charset="0"/>
-                <a:cs typeface="Times New Roman" panose="02020603050405020304" pitchFamily="18" charset="0"/>
-              </a:rPr>
-              <a:t>is a special version of </a:t>
-            </a:r>
-            <a:r>
-              <a:rPr lang="en-US" b="1" dirty="0" err="1" smtClean="0">
-                <a:latin typeface="Times New Roman" panose="02020603050405020304" pitchFamily="18" charset="0"/>
-                <a:cs typeface="Times New Roman" panose="02020603050405020304" pitchFamily="18" charset="0"/>
-              </a:rPr>
-              <a:t>adagrad</a:t>
-            </a:r>
-            <a:r>
-              <a:rPr lang="en-US" b="1" dirty="0" smtClean="0">
-                <a:latin typeface="Times New Roman" panose="02020603050405020304" pitchFamily="18" charset="0"/>
-                <a:cs typeface="Times New Roman" panose="02020603050405020304" pitchFamily="18" charset="0"/>
-              </a:rPr>
-              <a:t> in which the learning rate is an exponential average of the gradients instead of the cumulative sum of squared gradients. </a:t>
-            </a:r>
-          </a:p>
-          <a:p>
-            <a:r>
-              <a:rPr lang="en-US" b="1" dirty="0" smtClean="0">
-                <a:latin typeface="Times New Roman" panose="02020603050405020304" pitchFamily="18" charset="0"/>
-                <a:cs typeface="Times New Roman" panose="02020603050405020304" pitchFamily="18" charset="0"/>
-              </a:rPr>
-              <a:t>the decay rate (gamma) value is usually around 0.9 or 0.99. </a:t>
-            </a:r>
-          </a:p>
-          <a:p>
-            <a:endParaRPr lang="en-US" dirty="0"/>
-          </a:p>
-        </p:txBody>
-      </p:sp>
-      <p:sp>
-        <p:nvSpPr>
-          <p:cNvPr id="4" name="TextBox 3"/>
-          <p:cNvSpPr txBox="1"/>
-          <p:nvPr/>
-        </p:nvSpPr>
-        <p:spPr>
-          <a:xfrm>
-            <a:off x="210312" y="2880146"/>
-            <a:ext cx="10881359" cy="1938992"/>
-          </a:xfrm>
-          <a:prstGeom prst="rect">
-            <a:avLst/>
-          </a:prstGeom>
-          <a:noFill/>
-        </p:spPr>
-        <p:txBody>
-          <a:bodyPr wrap="square" rtlCol="0">
-            <a:spAutoFit/>
-          </a:bodyPr>
-          <a:lstStyle/>
-          <a:p>
-            <a:r>
-              <a:rPr lang="en-US" sz="2000" b="1" dirty="0" smtClean="0">
-                <a:latin typeface="Times New Roman" panose="02020603050405020304" pitchFamily="18" charset="0"/>
-                <a:cs typeface="Times New Roman" panose="02020603050405020304" pitchFamily="18" charset="0"/>
-              </a:rPr>
-              <a:t>Advantages: </a:t>
-            </a:r>
-          </a:p>
-          <a:p>
-            <a:pPr lvl="1"/>
-            <a:r>
-              <a:rPr lang="en-US" sz="1600" b="1" dirty="0" smtClean="0">
-                <a:latin typeface="Times New Roman" panose="02020603050405020304" pitchFamily="18" charset="0"/>
-                <a:cs typeface="Times New Roman" panose="02020603050405020304" pitchFamily="18" charset="0"/>
-              </a:rPr>
-              <a:t>• In </a:t>
-            </a:r>
-            <a:r>
-              <a:rPr lang="en-US" sz="1600" b="1" dirty="0" err="1" smtClean="0">
-                <a:latin typeface="Times New Roman" panose="02020603050405020304" pitchFamily="18" charset="0"/>
-                <a:cs typeface="Times New Roman" panose="02020603050405020304" pitchFamily="18" charset="0"/>
-              </a:rPr>
-              <a:t>rms</a:t>
-            </a:r>
-            <a:r>
-              <a:rPr lang="en-US" sz="1600" b="1" dirty="0" smtClean="0">
-                <a:latin typeface="Times New Roman" panose="02020603050405020304" pitchFamily="18" charset="0"/>
-                <a:cs typeface="Times New Roman" panose="02020603050405020304" pitchFamily="18" charset="0"/>
-              </a:rPr>
-              <a:t>-prop learning rate gets adjusted automatically and it chooses a different learning rate for each parameter. </a:t>
-            </a:r>
-          </a:p>
-          <a:p>
-            <a:pPr lvl="1"/>
-            <a:r>
-              <a:rPr lang="en-US" sz="1600" b="1" dirty="0" smtClean="0">
-                <a:latin typeface="Times New Roman" panose="02020603050405020304" pitchFamily="18" charset="0"/>
-                <a:cs typeface="Times New Roman" panose="02020603050405020304" pitchFamily="18" charset="0"/>
-              </a:rPr>
-              <a:t>• The learning rate does not decay too quickly, that allowing training to continue for much longer time </a:t>
-            </a:r>
-          </a:p>
-          <a:p>
-            <a:endParaRPr lang="en-US" sz="1400" b="1" cap="all" dirty="0">
-              <a:latin typeface="Times New Roman" panose="02020603050405020304" pitchFamily="18" charset="0"/>
-              <a:cs typeface="Times New Roman" panose="02020603050405020304" pitchFamily="18" charset="0"/>
-            </a:endParaRPr>
-          </a:p>
-          <a:p>
-            <a:r>
-              <a:rPr lang="en-US" sz="2000" b="1" dirty="0" smtClean="0">
-                <a:latin typeface="Times New Roman" panose="02020603050405020304" pitchFamily="18" charset="0"/>
-                <a:cs typeface="Times New Roman" panose="02020603050405020304" pitchFamily="18" charset="0"/>
-              </a:rPr>
-              <a:t>Disadvantages: </a:t>
-            </a:r>
-          </a:p>
-          <a:p>
-            <a:pPr lvl="1"/>
-            <a:r>
-              <a:rPr lang="en-US" sz="1600" b="1" dirty="0" smtClean="0">
-                <a:latin typeface="Times New Roman" panose="02020603050405020304" pitchFamily="18" charset="0"/>
-                <a:cs typeface="Times New Roman" panose="02020603050405020304" pitchFamily="18" charset="0"/>
-              </a:rPr>
-              <a:t>• Slow learning </a:t>
-            </a:r>
-          </a:p>
-          <a:p>
-            <a:endParaRPr lang="en-US" dirty="0"/>
-          </a:p>
-        </p:txBody>
-      </p:sp>
-      <p:pic>
-        <p:nvPicPr>
-          <p:cNvPr id="5" name="Content Placeholder 8"/>
-          <p:cNvPicPr>
-            <a:picLocks noChangeAspect="1"/>
-          </p:cNvPicPr>
-          <p:nvPr/>
-        </p:nvPicPr>
-        <p:blipFill>
-          <a:blip r:embed="rId2">
-            <a:extLst>
-              <a:ext uri="{28A0092B-C50C-407E-A947-70E740481C1C}">
-                <a14:useLocalDpi xmlns:a14="http://schemas.microsoft.com/office/drawing/2010/main" val="0"/>
-              </a:ext>
-            </a:extLst>
-          </a:blip>
-          <a:stretch>
-            <a:fillRect/>
-          </a:stretch>
-        </p:blipFill>
-        <p:spPr>
-          <a:xfrm>
-            <a:off x="7709815" y="120460"/>
-            <a:ext cx="3682085" cy="2759686"/>
-          </a:xfrm>
-          <a:prstGeom prst="rect">
-            <a:avLst/>
-          </a:prstGeom>
-        </p:spPr>
-      </p:pic>
-      <p:sp>
-        <p:nvSpPr>
-          <p:cNvPr id="6" name="Footer Placeholder 5"/>
-          <p:cNvSpPr>
-            <a:spLocks noGrp="1"/>
-          </p:cNvSpPr>
-          <p:nvPr>
-            <p:ph type="ftr" sz="quarter" idx="11"/>
-          </p:nvPr>
-        </p:nvSpPr>
-        <p:spPr/>
-        <p:txBody>
-          <a:bodyPr/>
-          <a:lstStyle/>
-          <a:p>
-            <a:r>
-              <a:rPr lang="en-US" smtClean="0"/>
-              <a:t>H.Fakher</a:t>
-            </a:r>
-            <a:endParaRPr lang="en-US" dirty="0"/>
-          </a:p>
-        </p:txBody>
-      </p:sp>
-      <p:sp>
-        <p:nvSpPr>
-          <p:cNvPr id="7" name="Slide Number Placeholder 6"/>
-          <p:cNvSpPr>
-            <a:spLocks noGrp="1"/>
-          </p:cNvSpPr>
-          <p:nvPr>
-            <p:ph type="sldNum" sz="quarter" idx="12"/>
-          </p:nvPr>
-        </p:nvSpPr>
-        <p:spPr/>
-        <p:txBody>
-          <a:bodyPr/>
-          <a:lstStyle/>
-          <a:p>
-            <a:fld id="{3680D392-614A-43D7-BA76-AB1FFE045AF8}" type="slidenum">
-              <a:rPr lang="en-US" smtClean="0"/>
-              <a:t>22</a:t>
-            </a:fld>
-            <a:endParaRPr lang="en-US" dirty="0"/>
-          </a:p>
-        </p:txBody>
-      </p:sp>
-    </p:spTree>
-    <p:extLst>
-      <p:ext uri="{BB962C8B-B14F-4D97-AF65-F5344CB8AC3E}">
-        <p14:creationId xmlns:p14="http://schemas.microsoft.com/office/powerpoint/2010/main" val="1448980639"/>
-      </p:ext>
-    </p:extLst>
-  </p:cSld>
-  <p:clrMapOvr>
-    <a:masterClrMapping/>
-  </p:clrMapOvr>
-  <p:timing>
-    <p:tnLst>
-      <p:par>
-        <p:cTn id="1" dur="indefinite" restart="never" nodeType="tmRoot"/>
-      </p:par>
-    </p:tnLst>
-  </p:timing>
-</p:sld>
-</file>
-
-<file path=ppt/slides/slide23.xml><?xml version="1.0" encoding="utf-8"?>
 <p:sld xmlns:a="http://schemas.openxmlformats.org/drawingml/2006/main" xmlns:r="http://schemas.openxmlformats.org/officeDocument/2006/relationships" xmlns:p="http://schemas.openxmlformats.org/presentationml/2006/main">
   <p:cSld>
     <p:spTree>
@@ -10535,7 +9714,7 @@
           <a:p>
             <a:fld id="{3680D392-614A-43D7-BA76-AB1FFE045AF8}" type="slidenum">
               <a:rPr lang="en-US" smtClean="0"/>
-              <a:t>23</a:t>
+              <a:t>20</a:t>
             </a:fld>
             <a:endParaRPr lang="en-US" dirty="0"/>
           </a:p>
@@ -10545,6 +9724,784 @@
     <p:extLst>
       <p:ext uri="{BB962C8B-B14F-4D97-AF65-F5344CB8AC3E}">
         <p14:creationId xmlns:p14="http://schemas.microsoft.com/office/powerpoint/2010/main" val="4176400805"/>
+      </p:ext>
+    </p:extLst>
+  </p:cSld>
+  <p:clrMapOvr>
+    <a:masterClrMapping/>
+  </p:clrMapOvr>
+  <p:timing>
+    <p:tnLst>
+      <p:par>
+        <p:cTn id="1" dur="indefinite" restart="never" nodeType="tmRoot"/>
+      </p:par>
+    </p:tnLst>
+  </p:timing>
+</p:sld>
+</file>
+
+<file path=ppt/slides/slide21.xml><?xml version="1.0" encoding="utf-8"?>
+<p:sld xmlns:a="http://schemas.openxmlformats.org/drawingml/2006/main" xmlns:r="http://schemas.openxmlformats.org/officeDocument/2006/relationships" xmlns:p="http://schemas.openxmlformats.org/presentationml/2006/main">
+  <p:cSld>
+    <p:spTree>
+      <p:nvGrpSpPr>
+        <p:cNvPr id="1" name=""/>
+        <p:cNvGrpSpPr/>
+        <p:nvPr/>
+      </p:nvGrpSpPr>
+      <p:grpSpPr>
+        <a:xfrm>
+          <a:off x="0" y="0"/>
+          <a:ext cx="0" cy="0"/>
+          <a:chOff x="0" y="0"/>
+          <a:chExt cx="0" cy="0"/>
+        </a:xfrm>
+      </p:grpSpPr>
+      <p:sp>
+        <p:nvSpPr>
+          <p:cNvPr id="2" name="Title 1"/>
+          <p:cNvSpPr>
+            <a:spLocks noGrp="1"/>
+          </p:cNvSpPr>
+          <p:nvPr>
+            <p:ph type="title"/>
+          </p:nvPr>
+        </p:nvSpPr>
+        <p:spPr/>
+        <p:txBody>
+          <a:bodyPr/>
+          <a:lstStyle/>
+          <a:p>
+            <a:r>
+              <a:rPr lang="en-US" dirty="0" smtClean="0"/>
+              <a:t>Adam </a:t>
+            </a:r>
+            <a:r>
+              <a:rPr lang="en-US" dirty="0" err="1" smtClean="0"/>
+              <a:t>vs</a:t>
+            </a:r>
+            <a:r>
+              <a:rPr lang="en-US" dirty="0" smtClean="0"/>
+              <a:t> </a:t>
+            </a:r>
+            <a:r>
+              <a:rPr lang="en-US" dirty="0" err="1" smtClean="0"/>
+              <a:t>rms</a:t>
+            </a:r>
+            <a:r>
+              <a:rPr lang="en-US" dirty="0" smtClean="0"/>
+              <a:t>-prop</a:t>
+            </a:r>
+            <a:endParaRPr lang="en-US" dirty="0"/>
+          </a:p>
+        </p:txBody>
+      </p:sp>
+      <p:sp>
+        <p:nvSpPr>
+          <p:cNvPr id="3" name="Text Placeholder 2"/>
+          <p:cNvSpPr>
+            <a:spLocks noGrp="1"/>
+          </p:cNvSpPr>
+          <p:nvPr>
+            <p:ph type="body" idx="1"/>
+          </p:nvPr>
+        </p:nvSpPr>
+        <p:spPr/>
+        <p:txBody>
+          <a:bodyPr/>
+          <a:lstStyle/>
+          <a:p>
+            <a:r>
+              <a:rPr lang="en-US" dirty="0" smtClean="0"/>
+              <a:t>Adam code</a:t>
+            </a:r>
+            <a:endParaRPr lang="en-US" dirty="0"/>
+          </a:p>
+        </p:txBody>
+      </p:sp>
+      <p:pic>
+        <p:nvPicPr>
+          <p:cNvPr id="8" name="Content Placeholder 7"/>
+          <p:cNvPicPr>
+            <a:picLocks noGrp="1" noChangeAspect="1"/>
+          </p:cNvPicPr>
+          <p:nvPr>
+            <p:ph sz="quarter" idx="13"/>
+          </p:nvPr>
+        </p:nvPicPr>
+        <p:blipFill>
+          <a:blip r:embed="rId2"/>
+          <a:stretch>
+            <a:fillRect/>
+          </a:stretch>
+        </p:blipFill>
+        <p:spPr>
+          <a:xfrm>
+            <a:off x="286324" y="3295302"/>
+            <a:ext cx="5044628" cy="1852770"/>
+          </a:xfrm>
+          <a:prstGeom prst="rect">
+            <a:avLst/>
+          </a:prstGeom>
+        </p:spPr>
+      </p:pic>
+      <p:sp>
+        <p:nvSpPr>
+          <p:cNvPr id="5" name="Text Placeholder 4"/>
+          <p:cNvSpPr>
+            <a:spLocks noGrp="1"/>
+          </p:cNvSpPr>
+          <p:nvPr>
+            <p:ph type="body" sz="quarter" idx="3"/>
+          </p:nvPr>
+        </p:nvSpPr>
+        <p:spPr/>
+        <p:txBody>
+          <a:bodyPr/>
+          <a:lstStyle/>
+          <a:p>
+            <a:r>
+              <a:rPr lang="en-US" dirty="0" smtClean="0"/>
+              <a:t>RMS-Prop code</a:t>
+            </a:r>
+            <a:endParaRPr lang="en-US" dirty="0"/>
+          </a:p>
+        </p:txBody>
+      </p:sp>
+      <p:pic>
+        <p:nvPicPr>
+          <p:cNvPr id="7" name="Content Placeholder 6"/>
+          <p:cNvPicPr>
+            <a:picLocks noGrp="1" noChangeAspect="1"/>
+          </p:cNvPicPr>
+          <p:nvPr>
+            <p:ph sz="quarter" idx="14"/>
+          </p:nvPr>
+        </p:nvPicPr>
+        <p:blipFill>
+          <a:blip r:embed="rId3"/>
+          <a:stretch>
+            <a:fillRect/>
+          </a:stretch>
+        </p:blipFill>
+        <p:spPr>
+          <a:xfrm>
+            <a:off x="6151868" y="3295302"/>
+            <a:ext cx="5351284" cy="1852770"/>
+          </a:xfrm>
+          <a:prstGeom prst="rect">
+            <a:avLst/>
+          </a:prstGeom>
+        </p:spPr>
+      </p:pic>
+      <p:sp>
+        <p:nvSpPr>
+          <p:cNvPr id="4" name="Footer Placeholder 3"/>
+          <p:cNvSpPr>
+            <a:spLocks noGrp="1"/>
+          </p:cNvSpPr>
+          <p:nvPr>
+            <p:ph type="ftr" sz="quarter" idx="11"/>
+          </p:nvPr>
+        </p:nvSpPr>
+        <p:spPr/>
+        <p:txBody>
+          <a:bodyPr/>
+          <a:lstStyle/>
+          <a:p>
+            <a:r>
+              <a:rPr lang="en-US" smtClean="0"/>
+              <a:t>H.Fakher</a:t>
+            </a:r>
+            <a:endParaRPr lang="en-US" dirty="0"/>
+          </a:p>
+        </p:txBody>
+      </p:sp>
+      <p:sp>
+        <p:nvSpPr>
+          <p:cNvPr id="6" name="Slide Number Placeholder 5"/>
+          <p:cNvSpPr>
+            <a:spLocks noGrp="1"/>
+          </p:cNvSpPr>
+          <p:nvPr>
+            <p:ph type="sldNum" sz="quarter" idx="12"/>
+          </p:nvPr>
+        </p:nvSpPr>
+        <p:spPr/>
+        <p:txBody>
+          <a:bodyPr/>
+          <a:lstStyle/>
+          <a:p>
+            <a:fld id="{3680D392-614A-43D7-BA76-AB1FFE045AF8}" type="slidenum">
+              <a:rPr lang="en-US" smtClean="0"/>
+              <a:t>21</a:t>
+            </a:fld>
+            <a:endParaRPr lang="en-US" dirty="0"/>
+          </a:p>
+        </p:txBody>
+      </p:sp>
+    </p:spTree>
+    <p:extLst>
+      <p:ext uri="{BB962C8B-B14F-4D97-AF65-F5344CB8AC3E}">
+        <p14:creationId xmlns:p14="http://schemas.microsoft.com/office/powerpoint/2010/main" val="2395668426"/>
+      </p:ext>
+    </p:extLst>
+  </p:cSld>
+  <p:clrMapOvr>
+    <a:masterClrMapping/>
+  </p:clrMapOvr>
+  <p:timing>
+    <p:tnLst>
+      <p:par>
+        <p:cTn id="1" dur="indefinite" restart="never" nodeType="tmRoot"/>
+      </p:par>
+    </p:tnLst>
+  </p:timing>
+</p:sld>
+</file>
+
+<file path=ppt/slides/slide22.xml><?xml version="1.0" encoding="utf-8"?>
+<p:sld xmlns:a="http://schemas.openxmlformats.org/drawingml/2006/main" xmlns:r="http://schemas.openxmlformats.org/officeDocument/2006/relationships" xmlns:p="http://schemas.openxmlformats.org/presentationml/2006/main">
+  <p:cSld>
+    <p:spTree>
+      <p:nvGrpSpPr>
+        <p:cNvPr id="1" name=""/>
+        <p:cNvGrpSpPr/>
+        <p:nvPr/>
+      </p:nvGrpSpPr>
+      <p:grpSpPr>
+        <a:xfrm>
+          <a:off x="0" y="0"/>
+          <a:ext cx="0" cy="0"/>
+          <a:chOff x="0" y="0"/>
+          <a:chExt cx="0" cy="0"/>
+        </a:xfrm>
+      </p:grpSpPr>
+      <p:sp>
+        <p:nvSpPr>
+          <p:cNvPr id="2" name="Title 1"/>
+          <p:cNvSpPr>
+            <a:spLocks noGrp="1"/>
+          </p:cNvSpPr>
+          <p:nvPr>
+            <p:ph type="title"/>
+          </p:nvPr>
+        </p:nvSpPr>
+        <p:spPr/>
+        <p:txBody>
+          <a:bodyPr/>
+          <a:lstStyle/>
+          <a:p>
+            <a:r>
+              <a:rPr lang="en-US" cap="none" dirty="0" smtClean="0"/>
+              <a:t>Loss Functions</a:t>
+            </a:r>
+            <a:endParaRPr lang="en-US" cap="none" dirty="0"/>
+          </a:p>
+        </p:txBody>
+      </p:sp>
+      <p:pic>
+        <p:nvPicPr>
+          <p:cNvPr id="4" name="Content Placeholder 3"/>
+          <p:cNvPicPr>
+            <a:picLocks noGrp="1" noChangeAspect="1"/>
+          </p:cNvPicPr>
+          <p:nvPr>
+            <p:ph sz="quarter" idx="13"/>
+          </p:nvPr>
+        </p:nvPicPr>
+        <p:blipFill>
+          <a:blip r:embed="rId2"/>
+          <a:stretch>
+            <a:fillRect/>
+          </a:stretch>
+        </p:blipFill>
+        <p:spPr>
+          <a:xfrm>
+            <a:off x="5320542" y="1799903"/>
+            <a:ext cx="6258684" cy="3557016"/>
+          </a:xfrm>
+          <a:prstGeom prst="rect">
+            <a:avLst/>
+          </a:prstGeom>
+        </p:spPr>
+      </p:pic>
+      <p:sp>
+        <p:nvSpPr>
+          <p:cNvPr id="5" name="TextBox 4"/>
+          <p:cNvSpPr txBox="1"/>
+          <p:nvPr/>
+        </p:nvSpPr>
+        <p:spPr>
+          <a:xfrm>
+            <a:off x="594360" y="1799903"/>
+            <a:ext cx="4574970" cy="2862322"/>
+          </a:xfrm>
+          <a:prstGeom prst="rect">
+            <a:avLst/>
+          </a:prstGeom>
+          <a:noFill/>
+        </p:spPr>
+        <p:txBody>
+          <a:bodyPr wrap="none" rtlCol="0">
+            <a:spAutoFit/>
+          </a:bodyPr>
+          <a:lstStyle/>
+          <a:p>
+            <a:r>
+              <a:rPr lang="en-US" b="1" dirty="0" smtClean="0">
+                <a:latin typeface="Times New Roman" panose="02020603050405020304" pitchFamily="18" charset="0"/>
+                <a:cs typeface="Times New Roman" panose="02020603050405020304" pitchFamily="18" charset="0"/>
+              </a:rPr>
+              <a:t>• Regression </a:t>
+            </a:r>
+            <a:r>
+              <a:rPr lang="en-US" b="1" dirty="0">
+                <a:latin typeface="Times New Roman" panose="02020603050405020304" pitchFamily="18" charset="0"/>
+                <a:cs typeface="Times New Roman" panose="02020603050405020304" pitchFamily="18" charset="0"/>
+              </a:rPr>
+              <a:t>Loss Functions</a:t>
+            </a:r>
+          </a:p>
+          <a:p>
+            <a:pPr lvl="1"/>
+            <a:r>
+              <a:rPr lang="en-US" b="1" dirty="0" smtClean="0">
+                <a:latin typeface="Times New Roman" panose="02020603050405020304" pitchFamily="18" charset="0"/>
+                <a:cs typeface="Times New Roman" panose="02020603050405020304" pitchFamily="18" charset="0"/>
+              </a:rPr>
+              <a:t>– Mean </a:t>
+            </a:r>
+            <a:r>
+              <a:rPr lang="en-US" b="1" dirty="0">
+                <a:latin typeface="Times New Roman" panose="02020603050405020304" pitchFamily="18" charset="0"/>
+                <a:cs typeface="Times New Roman" panose="02020603050405020304" pitchFamily="18" charset="0"/>
+              </a:rPr>
+              <a:t>Squared Error </a:t>
+            </a:r>
+            <a:r>
+              <a:rPr lang="en-US" b="1" dirty="0" smtClean="0">
+                <a:latin typeface="Times New Roman" panose="02020603050405020304" pitchFamily="18" charset="0"/>
+                <a:cs typeface="Times New Roman" panose="02020603050405020304" pitchFamily="18" charset="0"/>
+              </a:rPr>
+              <a:t>Loss</a:t>
+            </a:r>
+            <a:endParaRPr lang="en-US" b="1" dirty="0">
+              <a:latin typeface="Times New Roman" panose="02020603050405020304" pitchFamily="18" charset="0"/>
+              <a:cs typeface="Times New Roman" panose="02020603050405020304" pitchFamily="18" charset="0"/>
+            </a:endParaRPr>
+          </a:p>
+          <a:p>
+            <a:pPr lvl="1"/>
+            <a:r>
+              <a:rPr lang="en-US" b="1" dirty="0" smtClean="0">
+                <a:latin typeface="Times New Roman" panose="02020603050405020304" pitchFamily="18" charset="0"/>
+                <a:cs typeface="Times New Roman" panose="02020603050405020304" pitchFamily="18" charset="0"/>
+              </a:rPr>
+              <a:t>– Mean </a:t>
+            </a:r>
+            <a:r>
+              <a:rPr lang="en-US" b="1" dirty="0">
+                <a:latin typeface="Times New Roman" panose="02020603050405020304" pitchFamily="18" charset="0"/>
+                <a:cs typeface="Times New Roman" panose="02020603050405020304" pitchFamily="18" charset="0"/>
+              </a:rPr>
+              <a:t>Absolute Error </a:t>
+            </a:r>
+            <a:r>
+              <a:rPr lang="en-US" b="1" dirty="0" smtClean="0">
+                <a:latin typeface="Times New Roman" panose="02020603050405020304" pitchFamily="18" charset="0"/>
+                <a:cs typeface="Times New Roman" panose="02020603050405020304" pitchFamily="18" charset="0"/>
+              </a:rPr>
+              <a:t>Loss</a:t>
+            </a:r>
+          </a:p>
+          <a:p>
+            <a:pPr lvl="1"/>
+            <a:endParaRPr lang="en-US" b="1" dirty="0">
+              <a:latin typeface="Times New Roman" panose="02020603050405020304" pitchFamily="18" charset="0"/>
+              <a:cs typeface="Times New Roman" panose="02020603050405020304" pitchFamily="18" charset="0"/>
+            </a:endParaRPr>
+          </a:p>
+          <a:p>
+            <a:r>
+              <a:rPr lang="en-US" b="1" dirty="0" smtClean="0">
+                <a:latin typeface="Times New Roman" panose="02020603050405020304" pitchFamily="18" charset="0"/>
+                <a:cs typeface="Times New Roman" panose="02020603050405020304" pitchFamily="18" charset="0"/>
+              </a:rPr>
+              <a:t>• Binary </a:t>
+            </a:r>
+            <a:r>
+              <a:rPr lang="en-US" b="1" dirty="0">
+                <a:latin typeface="Times New Roman" panose="02020603050405020304" pitchFamily="18" charset="0"/>
+                <a:cs typeface="Times New Roman" panose="02020603050405020304" pitchFamily="18" charset="0"/>
+              </a:rPr>
+              <a:t>Classification Loss Functions</a:t>
+            </a:r>
+          </a:p>
+          <a:p>
+            <a:pPr lvl="1"/>
+            <a:r>
+              <a:rPr lang="en-US" b="1" dirty="0" smtClean="0">
+                <a:latin typeface="Times New Roman" panose="02020603050405020304" pitchFamily="18" charset="0"/>
+                <a:cs typeface="Times New Roman" panose="02020603050405020304" pitchFamily="18" charset="0"/>
+              </a:rPr>
+              <a:t>– Binary Cross-Entropy</a:t>
+            </a:r>
+          </a:p>
+          <a:p>
+            <a:pPr lvl="1"/>
+            <a:endParaRPr lang="en-US" b="1" dirty="0">
+              <a:latin typeface="Times New Roman" panose="02020603050405020304" pitchFamily="18" charset="0"/>
+              <a:cs typeface="Times New Roman" panose="02020603050405020304" pitchFamily="18" charset="0"/>
+            </a:endParaRPr>
+          </a:p>
+          <a:p>
+            <a:r>
+              <a:rPr lang="en-US" b="1" dirty="0" smtClean="0">
+                <a:latin typeface="Times New Roman" panose="02020603050405020304" pitchFamily="18" charset="0"/>
+                <a:cs typeface="Times New Roman" panose="02020603050405020304" pitchFamily="18" charset="0"/>
+              </a:rPr>
+              <a:t>• Multi-Class </a:t>
+            </a:r>
+            <a:r>
+              <a:rPr lang="en-US" b="1" dirty="0">
+                <a:latin typeface="Times New Roman" panose="02020603050405020304" pitchFamily="18" charset="0"/>
+                <a:cs typeface="Times New Roman" panose="02020603050405020304" pitchFamily="18" charset="0"/>
+              </a:rPr>
+              <a:t>Classification Loss Functions</a:t>
+            </a:r>
+          </a:p>
+          <a:p>
+            <a:pPr lvl="1"/>
+            <a:r>
+              <a:rPr lang="en-US" b="1" dirty="0" smtClean="0">
+                <a:latin typeface="Times New Roman" panose="02020603050405020304" pitchFamily="18" charset="0"/>
+                <a:cs typeface="Times New Roman" panose="02020603050405020304" pitchFamily="18" charset="0"/>
+              </a:rPr>
+              <a:t>– Multi-Class </a:t>
+            </a:r>
+            <a:r>
+              <a:rPr lang="en-US" b="1" dirty="0">
+                <a:latin typeface="Times New Roman" panose="02020603050405020304" pitchFamily="18" charset="0"/>
+                <a:cs typeface="Times New Roman" panose="02020603050405020304" pitchFamily="18" charset="0"/>
+              </a:rPr>
+              <a:t>Cross-Entropy Loss</a:t>
+            </a:r>
+          </a:p>
+          <a:p>
+            <a:pPr lvl="1"/>
+            <a:r>
+              <a:rPr lang="en-US" b="1" dirty="0" smtClean="0">
+                <a:latin typeface="Times New Roman" panose="02020603050405020304" pitchFamily="18" charset="0"/>
+                <a:cs typeface="Times New Roman" panose="02020603050405020304" pitchFamily="18" charset="0"/>
+              </a:rPr>
+              <a:t>– Sparse </a:t>
+            </a:r>
+            <a:r>
+              <a:rPr lang="en-US" b="1" dirty="0">
+                <a:latin typeface="Times New Roman" panose="02020603050405020304" pitchFamily="18" charset="0"/>
+                <a:cs typeface="Times New Roman" panose="02020603050405020304" pitchFamily="18" charset="0"/>
+              </a:rPr>
+              <a:t>Multiclass Cross-Entropy </a:t>
+            </a:r>
+            <a:r>
+              <a:rPr lang="en-US" b="1" dirty="0" smtClean="0">
+                <a:latin typeface="Times New Roman" panose="02020603050405020304" pitchFamily="18" charset="0"/>
+                <a:cs typeface="Times New Roman" panose="02020603050405020304" pitchFamily="18" charset="0"/>
+              </a:rPr>
+              <a:t>Loss</a:t>
+            </a:r>
+            <a:endParaRPr lang="en-US" b="1" dirty="0">
+              <a:latin typeface="Times New Roman" panose="02020603050405020304" pitchFamily="18" charset="0"/>
+              <a:cs typeface="Times New Roman" panose="02020603050405020304" pitchFamily="18" charset="0"/>
+            </a:endParaRPr>
+          </a:p>
+        </p:txBody>
+      </p:sp>
+      <p:sp>
+        <p:nvSpPr>
+          <p:cNvPr id="3" name="Footer Placeholder 2"/>
+          <p:cNvSpPr>
+            <a:spLocks noGrp="1"/>
+          </p:cNvSpPr>
+          <p:nvPr>
+            <p:ph type="ftr" sz="quarter" idx="11"/>
+          </p:nvPr>
+        </p:nvSpPr>
+        <p:spPr/>
+        <p:txBody>
+          <a:bodyPr/>
+          <a:lstStyle/>
+          <a:p>
+            <a:r>
+              <a:rPr lang="en-US" smtClean="0"/>
+              <a:t>H.Fakher</a:t>
+            </a:r>
+            <a:endParaRPr lang="en-US" dirty="0"/>
+          </a:p>
+        </p:txBody>
+      </p:sp>
+      <p:sp>
+        <p:nvSpPr>
+          <p:cNvPr id="6" name="Slide Number Placeholder 5"/>
+          <p:cNvSpPr>
+            <a:spLocks noGrp="1"/>
+          </p:cNvSpPr>
+          <p:nvPr>
+            <p:ph type="sldNum" sz="quarter" idx="12"/>
+          </p:nvPr>
+        </p:nvSpPr>
+        <p:spPr/>
+        <p:txBody>
+          <a:bodyPr/>
+          <a:lstStyle/>
+          <a:p>
+            <a:fld id="{3680D392-614A-43D7-BA76-AB1FFE045AF8}" type="slidenum">
+              <a:rPr lang="en-US" smtClean="0"/>
+              <a:t>22</a:t>
+            </a:fld>
+            <a:endParaRPr lang="en-US" dirty="0"/>
+          </a:p>
+        </p:txBody>
+      </p:sp>
+    </p:spTree>
+    <p:extLst>
+      <p:ext uri="{BB962C8B-B14F-4D97-AF65-F5344CB8AC3E}">
+        <p14:creationId xmlns:p14="http://schemas.microsoft.com/office/powerpoint/2010/main" val="321326865"/>
+      </p:ext>
+    </p:extLst>
+  </p:cSld>
+  <p:clrMapOvr>
+    <a:masterClrMapping/>
+  </p:clrMapOvr>
+  <p:timing>
+    <p:tnLst>
+      <p:par>
+        <p:cTn id="1" dur="indefinite" restart="never" nodeType="tmRoot"/>
+      </p:par>
+    </p:tnLst>
+  </p:timing>
+</p:sld>
+</file>
+
+<file path=ppt/slides/slide23.xml><?xml version="1.0" encoding="utf-8"?>
+<p:sld xmlns:a="http://schemas.openxmlformats.org/drawingml/2006/main" xmlns:r="http://schemas.openxmlformats.org/officeDocument/2006/relationships" xmlns:p="http://schemas.openxmlformats.org/presentationml/2006/main">
+  <p:cSld>
+    <p:spTree>
+      <p:nvGrpSpPr>
+        <p:cNvPr id="1" name=""/>
+        <p:cNvGrpSpPr/>
+        <p:nvPr/>
+      </p:nvGrpSpPr>
+      <p:grpSpPr>
+        <a:xfrm>
+          <a:off x="0" y="0"/>
+          <a:ext cx="0" cy="0"/>
+          <a:chOff x="0" y="0"/>
+          <a:chExt cx="0" cy="0"/>
+        </a:xfrm>
+      </p:grpSpPr>
+      <p:sp>
+        <p:nvSpPr>
+          <p:cNvPr id="2" name="Title 1"/>
+          <p:cNvSpPr>
+            <a:spLocks noGrp="1"/>
+          </p:cNvSpPr>
+          <p:nvPr>
+            <p:ph type="title"/>
+          </p:nvPr>
+        </p:nvSpPr>
+        <p:spPr>
+          <a:xfrm>
+            <a:off x="227298" y="338328"/>
+            <a:ext cx="5140229" cy="633364"/>
+          </a:xfrm>
+        </p:spPr>
+        <p:txBody>
+          <a:bodyPr/>
+          <a:lstStyle/>
+          <a:p>
+            <a:pPr algn="l"/>
+            <a:r>
+              <a:rPr lang="en-US" cap="none" dirty="0" smtClean="0"/>
+              <a:t>Mean Squared Error [ MSE ]</a:t>
+            </a:r>
+            <a:endParaRPr lang="en-US" cap="none" dirty="0"/>
+          </a:p>
+        </p:txBody>
+      </p:sp>
+      <p:pic>
+        <p:nvPicPr>
+          <p:cNvPr id="5" name="Content Placeholder 4"/>
+          <p:cNvPicPr>
+            <a:picLocks noGrp="1" noChangeAspect="1"/>
+          </p:cNvPicPr>
+          <p:nvPr>
+            <p:ph sz="quarter" idx="13"/>
+          </p:nvPr>
+        </p:nvPicPr>
+        <p:blipFill>
+          <a:blip r:embed="rId2"/>
+          <a:stretch>
+            <a:fillRect/>
+          </a:stretch>
+        </p:blipFill>
+        <p:spPr>
+          <a:xfrm>
+            <a:off x="1005797" y="3137876"/>
+            <a:ext cx="4361730" cy="1178092"/>
+          </a:xfrm>
+          <a:prstGeom prst="rect">
+            <a:avLst/>
+          </a:prstGeom>
+        </p:spPr>
+      </p:pic>
+      <p:pic>
+        <p:nvPicPr>
+          <p:cNvPr id="6" name="Picture 5"/>
+          <p:cNvPicPr>
+            <a:picLocks noChangeAspect="1"/>
+          </p:cNvPicPr>
+          <p:nvPr/>
+        </p:nvPicPr>
+        <p:blipFill>
+          <a:blip r:embed="rId3"/>
+          <a:stretch>
+            <a:fillRect/>
+          </a:stretch>
+        </p:blipFill>
+        <p:spPr>
+          <a:xfrm>
+            <a:off x="6772542" y="2370252"/>
+            <a:ext cx="4361730" cy="2713339"/>
+          </a:xfrm>
+          <a:prstGeom prst="rect">
+            <a:avLst/>
+          </a:prstGeom>
+        </p:spPr>
+      </p:pic>
+      <p:sp>
+        <p:nvSpPr>
+          <p:cNvPr id="7" name="Rectangle 6"/>
+          <p:cNvSpPr/>
+          <p:nvPr/>
+        </p:nvSpPr>
+        <p:spPr>
+          <a:xfrm>
+            <a:off x="227298" y="1188770"/>
+            <a:ext cx="6096000" cy="861774"/>
+          </a:xfrm>
+          <a:prstGeom prst="rect">
+            <a:avLst/>
+          </a:prstGeom>
+        </p:spPr>
+        <p:txBody>
+          <a:bodyPr>
+            <a:spAutoFit/>
+          </a:bodyPr>
+          <a:lstStyle/>
+          <a:p>
+            <a:r>
+              <a:rPr lang="en-US" sz="2500" b="1" dirty="0">
+                <a:latin typeface="Times New Roman" panose="02020603050405020304" pitchFamily="18" charset="0"/>
+                <a:cs typeface="Times New Roman" panose="02020603050405020304" pitchFamily="18" charset="0"/>
+              </a:rPr>
+              <a:t>Code</a:t>
+            </a:r>
+            <a:r>
+              <a:rPr lang="en-US" sz="2500" b="1" dirty="0" smtClean="0">
+                <a:latin typeface="Times New Roman" panose="02020603050405020304" pitchFamily="18" charset="0"/>
+                <a:cs typeface="Times New Roman" panose="02020603050405020304" pitchFamily="18" charset="0"/>
+              </a:rPr>
+              <a:t>:</a:t>
+            </a:r>
+            <a:endParaRPr lang="en-US" sz="2500" dirty="0">
+              <a:latin typeface="Times New Roman" panose="02020603050405020304" pitchFamily="18" charset="0"/>
+              <a:cs typeface="Times New Roman" panose="02020603050405020304" pitchFamily="18" charset="0"/>
+            </a:endParaRPr>
+          </a:p>
+          <a:p>
+            <a:r>
+              <a:rPr lang="en-US" sz="2500" dirty="0" err="1">
+                <a:latin typeface="Times New Roman" panose="02020603050405020304" pitchFamily="18" charset="0"/>
+                <a:cs typeface="Times New Roman" panose="02020603050405020304" pitchFamily="18" charset="0"/>
+              </a:rPr>
+              <a:t>model.compile</a:t>
+            </a:r>
+            <a:r>
+              <a:rPr lang="en-US" sz="2500" dirty="0">
+                <a:latin typeface="Times New Roman" panose="02020603050405020304" pitchFamily="18" charset="0"/>
+                <a:cs typeface="Times New Roman" panose="02020603050405020304" pitchFamily="18" charset="0"/>
+              </a:rPr>
+              <a:t>(loss='</a:t>
+            </a:r>
+            <a:r>
+              <a:rPr lang="en-US" sz="2500" dirty="0" err="1">
+                <a:latin typeface="Times New Roman" panose="02020603050405020304" pitchFamily="18" charset="0"/>
+                <a:cs typeface="Times New Roman" panose="02020603050405020304" pitchFamily="18" charset="0"/>
+              </a:rPr>
+              <a:t>mean_squared_error</a:t>
+            </a:r>
+            <a:r>
+              <a:rPr lang="en-US" sz="2500" dirty="0">
+                <a:latin typeface="Times New Roman" panose="02020603050405020304" pitchFamily="18" charset="0"/>
+                <a:cs typeface="Times New Roman" panose="02020603050405020304" pitchFamily="18" charset="0"/>
+              </a:rPr>
+              <a:t>')</a:t>
+            </a:r>
+          </a:p>
+        </p:txBody>
+      </p:sp>
+      <p:sp>
+        <p:nvSpPr>
+          <p:cNvPr id="3" name="Footer Placeholder 2"/>
+          <p:cNvSpPr>
+            <a:spLocks noGrp="1"/>
+          </p:cNvSpPr>
+          <p:nvPr>
+            <p:ph type="ftr" sz="quarter" idx="11"/>
+          </p:nvPr>
+        </p:nvSpPr>
+        <p:spPr/>
+        <p:txBody>
+          <a:bodyPr/>
+          <a:lstStyle/>
+          <a:p>
+            <a:r>
+              <a:rPr lang="en-US" smtClean="0"/>
+              <a:t>H.Fakher</a:t>
+            </a:r>
+            <a:endParaRPr lang="en-US" dirty="0"/>
+          </a:p>
+        </p:txBody>
+      </p:sp>
+      <p:sp>
+        <p:nvSpPr>
+          <p:cNvPr id="4" name="Slide Number Placeholder 3"/>
+          <p:cNvSpPr>
+            <a:spLocks noGrp="1"/>
+          </p:cNvSpPr>
+          <p:nvPr>
+            <p:ph type="sldNum" sz="quarter" idx="12"/>
+          </p:nvPr>
+        </p:nvSpPr>
+        <p:spPr/>
+        <p:txBody>
+          <a:bodyPr/>
+          <a:lstStyle/>
+          <a:p>
+            <a:fld id="{3680D392-614A-43D7-BA76-AB1FFE045AF8}" type="slidenum">
+              <a:rPr lang="en-US" smtClean="0"/>
+              <a:t>23</a:t>
+            </a:fld>
+            <a:endParaRPr lang="en-US" dirty="0"/>
+          </a:p>
+        </p:txBody>
+      </p:sp>
+    </p:spTree>
+    <p:extLst>
+      <p:ext uri="{BB962C8B-B14F-4D97-AF65-F5344CB8AC3E}">
+        <p14:creationId xmlns:p14="http://schemas.microsoft.com/office/powerpoint/2010/main" val="3197276256"/>
       </p:ext>
     </p:extLst>
   </p:cSld>
@@ -10588,61 +10545,30 @@
             <p:ph type="title"/>
           </p:nvPr>
         </p:nvSpPr>
-        <p:spPr/>
-        <p:txBody>
-          <a:bodyPr/>
-          <a:lstStyle/>
-          <a:p>
-            <a:r>
-              <a:rPr lang="en-US" dirty="0" smtClean="0"/>
-              <a:t>Adam </a:t>
-            </a:r>
-            <a:r>
-              <a:rPr lang="en-US" dirty="0" err="1" smtClean="0"/>
-              <a:t>vs</a:t>
-            </a:r>
-            <a:r>
-              <a:rPr lang="en-US" dirty="0" smtClean="0"/>
-              <a:t> </a:t>
-            </a:r>
-            <a:r>
-              <a:rPr lang="en-US" dirty="0" err="1" smtClean="0"/>
-              <a:t>rms</a:t>
-            </a:r>
-            <a:r>
-              <a:rPr lang="en-US" dirty="0" smtClean="0"/>
-              <a:t>-prop</a:t>
-            </a:r>
-            <a:endParaRPr lang="en-US" dirty="0"/>
-          </a:p>
-        </p:txBody>
-      </p:sp>
-      <p:sp>
-        <p:nvSpPr>
-          <p:cNvPr id="3" name="Text Placeholder 2"/>
-          <p:cNvSpPr>
-            <a:spLocks noGrp="1"/>
-          </p:cNvSpPr>
-          <p:nvPr>
-            <p:ph type="body" idx="1"/>
-          </p:nvPr>
-        </p:nvSpPr>
-        <p:spPr/>
-        <p:txBody>
-          <a:bodyPr/>
-          <a:lstStyle/>
-          <a:p>
-            <a:r>
-              <a:rPr lang="en-US" dirty="0" smtClean="0"/>
-              <a:t>Adam code</a:t>
-            </a:r>
-            <a:endParaRPr lang="en-US" dirty="0"/>
+        <p:spPr>
+          <a:xfrm>
+            <a:off x="256032" y="320040"/>
+            <a:ext cx="6565392" cy="633364"/>
+          </a:xfrm>
+        </p:spPr>
+        <p:txBody>
+          <a:bodyPr>
+            <a:normAutofit/>
+          </a:bodyPr>
+          <a:lstStyle/>
+          <a:p>
+            <a:pPr algn="l"/>
+            <a:r>
+              <a:rPr lang="en-US" cap="none" dirty="0" smtClean="0"/>
+              <a:t>Mean Absolute Error Loss [ MAE ]</a:t>
+            </a:r>
+            <a:endParaRPr lang="en-US" cap="none" dirty="0"/>
           </a:p>
         </p:txBody>
       </p:sp>
       <p:pic>
         <p:nvPicPr>
-          <p:cNvPr id="8" name="Content Placeholder 7"/>
+          <p:cNvPr id="5" name="Content Placeholder 4"/>
           <p:cNvPicPr>
             <a:picLocks noGrp="1" noChangeAspect="1"/>
           </p:cNvPicPr>
@@ -10658,8 +10584,8 @@
         </p:blipFill>
         <p:spPr>
           <a:xfrm>
-            <a:off x="286324" y="3295302"/>
-            <a:ext cx="5044628" cy="1852770"/>
+            <a:off x="3140329" y="2235425"/>
+            <a:ext cx="5265166" cy="2705793"/>
           </a:xfrm>
           <a:prstGeom prst="rect">
             <a:avLst/>
@@ -10668,53 +10594,65 @@
       </p:pic>
       <p:sp>
         <p:nvSpPr>
-          <p:cNvPr id="5" name="Text Placeholder 4"/>
-          <p:cNvSpPr>
-            <a:spLocks noGrp="1"/>
-          </p:cNvSpPr>
-          <p:nvPr>
-            <p:ph type="body" sz="quarter" idx="3"/>
-          </p:nvPr>
-        </p:nvSpPr>
-        <p:spPr/>
-        <p:txBody>
-          <a:bodyPr/>
-          <a:lstStyle/>
-          <a:p>
-            <a:r>
-              <a:rPr lang="en-US" dirty="0" smtClean="0"/>
-              <a:t>RMS-Prop code</a:t>
-            </a:r>
-            <a:endParaRPr lang="en-US" dirty="0"/>
-          </a:p>
-        </p:txBody>
-      </p:sp>
-      <p:pic>
-        <p:nvPicPr>
-          <p:cNvPr id="7" name="Content Placeholder 6"/>
-          <p:cNvPicPr>
-            <a:picLocks noGrp="1" noChangeAspect="1"/>
-          </p:cNvPicPr>
-          <p:nvPr>
-            <p:ph sz="quarter" idx="14"/>
-          </p:nvPr>
-        </p:nvPicPr>
-        <p:blipFill>
-          <a:blip r:embed="rId3"/>
-          <a:stretch>
-            <a:fillRect/>
-          </a:stretch>
-        </p:blipFill>
-        <p:spPr>
-          <a:xfrm>
-            <a:off x="6151868" y="3295302"/>
-            <a:ext cx="5351284" cy="1852770"/>
+          <p:cNvPr id="3" name="Rectangle 2"/>
+          <p:cNvSpPr/>
+          <p:nvPr/>
+        </p:nvSpPr>
+        <p:spPr>
+          <a:xfrm>
+            <a:off x="2724912" y="1307825"/>
+            <a:ext cx="6096000" cy="646331"/>
           </a:xfrm>
           <a:prstGeom prst="rect">
             <a:avLst/>
           </a:prstGeom>
         </p:spPr>
-      </p:pic>
+        <p:txBody>
+          <a:bodyPr>
+            <a:spAutoFit/>
+          </a:bodyPr>
+          <a:lstStyle/>
+          <a:p>
+            <a:r>
+              <a:rPr lang="en-US" b="1" dirty="0">
+                <a:latin typeface="Times New Roman" panose="02020603050405020304" pitchFamily="18" charset="0"/>
+                <a:cs typeface="Times New Roman" panose="02020603050405020304" pitchFamily="18" charset="0"/>
+              </a:rPr>
+              <a:t>Code:</a:t>
+            </a:r>
+          </a:p>
+          <a:p>
+            <a:r>
+              <a:rPr lang="en-US" b="1" dirty="0" err="1">
+                <a:latin typeface="Times New Roman" panose="02020603050405020304" pitchFamily="18" charset="0"/>
+                <a:cs typeface="Times New Roman" panose="02020603050405020304" pitchFamily="18" charset="0"/>
+              </a:rPr>
+              <a:t>model.compile</a:t>
+            </a:r>
+            <a:r>
+              <a:rPr lang="en-US" b="1" dirty="0">
+                <a:latin typeface="Times New Roman" panose="02020603050405020304" pitchFamily="18" charset="0"/>
+                <a:cs typeface="Times New Roman" panose="02020603050405020304" pitchFamily="18" charset="0"/>
+              </a:rPr>
+              <a:t>(loss='</a:t>
+            </a:r>
+            <a:r>
+              <a:rPr lang="en-US" b="1" dirty="0" err="1">
+                <a:latin typeface="Times New Roman" panose="02020603050405020304" pitchFamily="18" charset="0"/>
+                <a:cs typeface="Times New Roman" panose="02020603050405020304" pitchFamily="18" charset="0"/>
+              </a:rPr>
+              <a:t>mean_absolute_error</a:t>
+            </a:r>
+            <a:r>
+              <a:rPr lang="en-US" b="1" dirty="0">
+                <a:latin typeface="Times New Roman" panose="02020603050405020304" pitchFamily="18" charset="0"/>
+                <a:cs typeface="Times New Roman" panose="02020603050405020304" pitchFamily="18" charset="0"/>
+              </a:rPr>
+              <a:t>')</a:t>
+            </a:r>
+          </a:p>
+        </p:txBody>
+      </p:sp>
       <p:sp>
         <p:nvSpPr>
           <p:cNvPr id="4" name="Footer Placeholder 3"/>
@@ -10764,7 +10702,7 @@
     </p:spTree>
     <p:extLst>
       <p:ext uri="{BB962C8B-B14F-4D97-AF65-F5344CB8AC3E}">
-        <p14:creationId xmlns:p14="http://schemas.microsoft.com/office/powerpoint/2010/main" val="2395668426"/>
+        <p14:creationId xmlns:p14="http://schemas.microsoft.com/office/powerpoint/2010/main" val="2516743238"/>
       </p:ext>
     </p:extLst>
   </p:cSld>
@@ -10808,120 +10746,463 @@
             <p:ph type="title"/>
           </p:nvPr>
         </p:nvSpPr>
-        <p:spPr/>
-        <p:txBody>
-          <a:bodyPr>
-            <a:normAutofit/>
-          </a:bodyPr>
-          <a:lstStyle/>
-          <a:p>
-            <a:r>
-              <a:rPr lang="en-US" dirty="0" smtClean="0"/>
-              <a:t>Machine Learning </a:t>
-            </a:r>
-            <a:r>
-              <a:rPr lang="en-US" dirty="0" err="1" smtClean="0">
-                <a:solidFill>
-                  <a:schemeClr val="tx1"/>
-                </a:solidFill>
-              </a:rPr>
-              <a:t>vs</a:t>
-            </a:r>
-            <a:r>
-              <a:rPr lang="en-US" dirty="0" smtClean="0">
-                <a:solidFill>
-                  <a:schemeClr val="tx1"/>
-                </a:solidFill>
-              </a:rPr>
-              <a:t> </a:t>
-            </a:r>
-            <a:r>
-              <a:rPr lang="en-US" dirty="0" smtClean="0"/>
-              <a:t>Deep Learning</a:t>
-            </a:r>
-            <a:endParaRPr lang="en-US" dirty="0"/>
+        <p:spPr>
+          <a:xfrm>
+            <a:off x="163290" y="237744"/>
+            <a:ext cx="4701317" cy="633364"/>
+          </a:xfrm>
+        </p:spPr>
+        <p:txBody>
+          <a:bodyPr/>
+          <a:lstStyle/>
+          <a:p>
+            <a:pPr algn="l"/>
+            <a:r>
+              <a:rPr lang="en-US" cap="none" dirty="0" smtClean="0"/>
+              <a:t>Binary Cross-entropy</a:t>
+            </a:r>
+            <a:endParaRPr lang="en-US" cap="none" dirty="0"/>
           </a:p>
         </p:txBody>
       </p:sp>
       <p:pic>
         <p:nvPicPr>
-          <p:cNvPr id="4" name="Content Placeholder 3"/>
+          <p:cNvPr id="7" name="Picture 6"/>
           <p:cNvPicPr>
-            <a:picLocks noGrp="1" noChangeAspect="1"/>
+            <a:picLocks noChangeAspect="1"/>
           </p:cNvPicPr>
-          <p:nvPr>
-            <p:ph sz="quarter" idx="13"/>
-          </p:nvPr>
+          <p:nvPr/>
         </p:nvPicPr>
         <p:blipFill>
-          <a:blip r:embed="rId2">
+          <a:blip r:embed="rId2"/>
+          <a:stretch>
+            <a:fillRect/>
+          </a:stretch>
+        </p:blipFill>
+        <p:spPr>
+          <a:xfrm>
+            <a:off x="163290" y="2256927"/>
+            <a:ext cx="5368830" cy="1496259"/>
+          </a:xfrm>
+          <a:prstGeom prst="rect">
+            <a:avLst/>
+          </a:prstGeom>
+        </p:spPr>
+      </p:pic>
+      <p:sp>
+        <p:nvSpPr>
+          <p:cNvPr id="5" name="Rectangle 4"/>
+          <p:cNvSpPr/>
+          <p:nvPr/>
+        </p:nvSpPr>
+        <p:spPr>
+          <a:xfrm>
+            <a:off x="163290" y="1102708"/>
+            <a:ext cx="6096000" cy="646331"/>
+          </a:xfrm>
+          <a:prstGeom prst="rect">
+            <a:avLst/>
+          </a:prstGeom>
+        </p:spPr>
+        <p:txBody>
+          <a:bodyPr>
+            <a:spAutoFit/>
+          </a:bodyPr>
+          <a:lstStyle/>
+          <a:p>
+            <a:r>
+              <a:rPr lang="en-US" b="1" dirty="0">
+                <a:latin typeface="Times New Roman" panose="02020603050405020304" pitchFamily="18" charset="0"/>
+                <a:cs typeface="Times New Roman" panose="02020603050405020304" pitchFamily="18" charset="0"/>
+              </a:rPr>
+              <a:t>Code:</a:t>
+            </a:r>
+          </a:p>
+          <a:p>
+            <a:r>
+              <a:rPr lang="en-US" dirty="0" err="1">
+                <a:latin typeface="Times New Roman" panose="02020603050405020304" pitchFamily="18" charset="0"/>
+                <a:cs typeface="Times New Roman" panose="02020603050405020304" pitchFamily="18" charset="0"/>
+              </a:rPr>
+              <a:t>model.compile</a:t>
+            </a:r>
+            <a:r>
+              <a:rPr lang="en-US" dirty="0">
+                <a:latin typeface="Times New Roman" panose="02020603050405020304" pitchFamily="18" charset="0"/>
+                <a:cs typeface="Times New Roman" panose="02020603050405020304" pitchFamily="18" charset="0"/>
+              </a:rPr>
+              <a:t>(loss='</a:t>
+            </a:r>
+            <a:r>
+              <a:rPr lang="en-US" dirty="0" err="1">
+                <a:latin typeface="Times New Roman" panose="02020603050405020304" pitchFamily="18" charset="0"/>
+                <a:cs typeface="Times New Roman" panose="02020603050405020304" pitchFamily="18" charset="0"/>
+              </a:rPr>
+              <a:t>binary_crossentropy</a:t>
+            </a:r>
+            <a:r>
+              <a:rPr lang="en-US" dirty="0">
+                <a:latin typeface="Times New Roman" panose="02020603050405020304" pitchFamily="18" charset="0"/>
+                <a:cs typeface="Times New Roman" panose="02020603050405020304" pitchFamily="18" charset="0"/>
+              </a:rPr>
+              <a:t>' </a:t>
+            </a:r>
+            <a:r>
+              <a:rPr lang="en-US" dirty="0" smtClean="0">
+                <a:latin typeface="Times New Roman" panose="02020603050405020304" pitchFamily="18" charset="0"/>
+                <a:cs typeface="Times New Roman" panose="02020603050405020304" pitchFamily="18" charset="0"/>
+              </a:rPr>
+              <a:t>)</a:t>
+            </a:r>
+            <a:endParaRPr lang="en-US" dirty="0">
+              <a:latin typeface="Times New Roman" panose="02020603050405020304" pitchFamily="18" charset="0"/>
+              <a:cs typeface="Times New Roman" panose="02020603050405020304" pitchFamily="18" charset="0"/>
+            </a:endParaRPr>
+          </a:p>
+        </p:txBody>
+      </p:sp>
+      <p:sp>
+        <p:nvSpPr>
+          <p:cNvPr id="3" name="Footer Placeholder 2"/>
+          <p:cNvSpPr>
+            <a:spLocks noGrp="1"/>
+          </p:cNvSpPr>
+          <p:nvPr>
+            <p:ph type="ftr" sz="quarter" idx="11"/>
+          </p:nvPr>
+        </p:nvSpPr>
+        <p:spPr/>
+        <p:txBody>
+          <a:bodyPr/>
+          <a:lstStyle/>
+          <a:p>
+            <a:r>
+              <a:rPr lang="en-US" smtClean="0"/>
+              <a:t>H.Fakher</a:t>
+            </a:r>
+            <a:endParaRPr lang="en-US" dirty="0"/>
+          </a:p>
+        </p:txBody>
+      </p:sp>
+      <p:sp>
+        <p:nvSpPr>
+          <p:cNvPr id="4" name="Slide Number Placeholder 3"/>
+          <p:cNvSpPr>
+            <a:spLocks noGrp="1"/>
+          </p:cNvSpPr>
+          <p:nvPr>
+            <p:ph type="sldNum" sz="quarter" idx="12"/>
+          </p:nvPr>
+        </p:nvSpPr>
+        <p:spPr/>
+        <p:txBody>
+          <a:bodyPr/>
+          <a:lstStyle/>
+          <a:p>
+            <a:fld id="{3680D392-614A-43D7-BA76-AB1FFE045AF8}" type="slidenum">
+              <a:rPr lang="en-US" smtClean="0"/>
+              <a:t>25</a:t>
+            </a:fld>
+            <a:endParaRPr lang="en-US" dirty="0"/>
+          </a:p>
+        </p:txBody>
+      </p:sp>
+      <p:pic>
+        <p:nvPicPr>
+          <p:cNvPr id="4100" name="Picture 4" descr="Binary Cross Entropy/Log Loss for Binary Classification"/>
+          <p:cNvPicPr>
+            <a:picLocks noChangeAspect="1" noChangeArrowheads="1"/>
+          </p:cNvPicPr>
+          <p:nvPr/>
+        </p:nvPicPr>
+        <p:blipFill rotWithShape="1">
+          <a:blip r:embed="rId3">
             <a:extLst>
               <a:ext uri="{28A0092B-C50C-407E-A947-70E740481C1C}">
                 <a14:useLocalDpi xmlns:a14="http://schemas.microsoft.com/office/drawing/2010/main" val="0"/>
               </a:ext>
             </a:extLst>
           </a:blip>
-          <a:stretch>
-            <a:fillRect/>
-          </a:stretch>
+          <a:srcRect b="31673"/>
+          <a:stretch/>
         </p:blipFill>
-        <p:spPr>
-          <a:xfrm>
-            <a:off x="621791" y="2066925"/>
-            <a:ext cx="10460891" cy="3501771"/>
-          </a:xfrm>
+        <p:spPr bwMode="auto">
+          <a:xfrm>
+            <a:off x="7383663" y="1628352"/>
+            <a:ext cx="2614795" cy="2124834"/>
+          </a:xfrm>
+          <a:prstGeom prst="rect">
+            <a:avLst/>
+          </a:prstGeom>
+          <a:noFill/>
+          <a:extLst>
+            <a:ext uri="{909E8E84-426E-40DD-AFC4-6F175D3DCCD1}">
+              <a14:hiddenFill xmlns:a14="http://schemas.microsoft.com/office/drawing/2010/main">
+                <a:solidFill>
+                  <a:srgbClr val="FFFFFF"/>
+                </a:solidFill>
+              </a14:hiddenFill>
+            </a:ext>
+          </a:extLst>
         </p:spPr>
       </p:pic>
-      <p:sp>
-        <p:nvSpPr>
-          <p:cNvPr id="3" name="Footer Placeholder 2"/>
-          <p:cNvSpPr>
-            <a:spLocks noGrp="1"/>
-          </p:cNvSpPr>
-          <p:nvPr>
-            <p:ph type="ftr" sz="quarter" idx="11"/>
-          </p:nvPr>
-        </p:nvSpPr>
-        <p:spPr/>
-        <p:txBody>
-          <a:bodyPr/>
-          <a:lstStyle/>
-          <a:p>
-            <a:r>
-              <a:rPr lang="en-US" smtClean="0"/>
-              <a:t>H.Fakher</a:t>
-            </a:r>
-            <a:endParaRPr lang="en-US" dirty="0"/>
-          </a:p>
-        </p:txBody>
-      </p:sp>
-      <p:sp>
-        <p:nvSpPr>
-          <p:cNvPr id="5" name="Slide Number Placeholder 4"/>
-          <p:cNvSpPr>
-            <a:spLocks noGrp="1"/>
-          </p:cNvSpPr>
-          <p:nvPr>
-            <p:ph type="sldNum" sz="quarter" idx="12"/>
-          </p:nvPr>
-        </p:nvSpPr>
-        <p:spPr/>
-        <p:txBody>
-          <a:bodyPr/>
-          <a:lstStyle/>
-          <a:p>
-            <a:fld id="{3680D392-614A-43D7-BA76-AB1FFE045AF8}" type="slidenum">
-              <a:rPr lang="en-US" smtClean="0"/>
-              <a:t>25</a:t>
-            </a:fld>
-            <a:endParaRPr lang="en-US" dirty="0"/>
-          </a:p>
-        </p:txBody>
-      </p:sp>
+      <mc:AlternateContent xmlns:mc="http://schemas.openxmlformats.org/markup-compatibility/2006">
+        <mc:Choice xmlns:a14="http://schemas.microsoft.com/office/drawing/2010/main" Requires="a14">
+          <p:sp>
+            <p:nvSpPr>
+              <p:cNvPr id="9" name="TextBox 8"/>
+              <p:cNvSpPr txBox="1"/>
+              <p:nvPr/>
+            </p:nvSpPr>
+            <p:spPr>
+              <a:xfrm>
+                <a:off x="5131769" y="4076408"/>
+                <a:ext cx="6412140" cy="369332"/>
+              </a:xfrm>
+              <a:prstGeom prst="rect">
+                <a:avLst/>
+              </a:prstGeom>
+              <a:noFill/>
+            </p:spPr>
+            <p:txBody>
+              <a:bodyPr wrap="none" lIns="0" tIns="0" rIns="0" bIns="0" rtlCol="0">
+                <a:spAutoFit/>
+              </a:bodyPr>
+              <a:lstStyle/>
+              <a:p>
+                <a14:m>
+                  <m:oMathPara xmlns:m="http://schemas.openxmlformats.org/officeDocument/2006/math">
+                    <m:oMathParaPr>
+                      <m:jc m:val="centerGroup"/>
+                    </m:oMathParaPr>
+                    <m:oMath xmlns:m="http://schemas.openxmlformats.org/officeDocument/2006/math">
+                      <m:r>
+                        <a:rPr lang="en-US" sz="2400" b="0" i="1" smtClean="0">
+                          <a:latin typeface="Cambria Math" panose="02040503050406030204" pitchFamily="18" charset="0"/>
+                        </a:rPr>
+                        <m:t>(</m:t>
+                      </m:r>
+                      <m:r>
+                        <a:rPr lang="en-US" sz="2400" b="0" i="1" smtClean="0">
+                          <a:latin typeface="Cambria Math" panose="02040503050406030204" pitchFamily="18" charset="0"/>
+                        </a:rPr>
+                        <m:t>1</m:t>
+                      </m:r>
+                      <m:r>
+                        <a:rPr lang="en-US" sz="2400" b="0" i="1" smtClean="0">
+                          <a:latin typeface="Cambria Math" panose="02040503050406030204" pitchFamily="18" charset="0"/>
+                        </a:rPr>
+                        <m:t> )</m:t>
+                      </m:r>
+                      <m:func>
+                        <m:funcPr>
+                          <m:ctrlPr>
+                            <a:rPr lang="en-US" sz="2400" b="0" i="1" smtClean="0">
+                              <a:latin typeface="Cambria Math" panose="02040503050406030204" pitchFamily="18" charset="0"/>
+                            </a:rPr>
+                          </m:ctrlPr>
+                        </m:funcPr>
+                        <m:fName>
+                          <m:r>
+                            <a:rPr lang="en-US" sz="2400" b="0" i="0" smtClean="0">
+                              <a:latin typeface="Cambria Math" panose="02040503050406030204" pitchFamily="18" charset="0"/>
+                            </a:rPr>
+                            <m:t>(−</m:t>
+                          </m:r>
+                          <m:r>
+                            <m:rPr>
+                              <m:sty m:val="p"/>
+                            </m:rPr>
+                            <a:rPr lang="en-US" sz="2400" b="0" i="0" smtClean="0">
+                              <a:latin typeface="Cambria Math" panose="02040503050406030204" pitchFamily="18" charset="0"/>
+                            </a:rPr>
+                            <m:t>log</m:t>
+                          </m:r>
+                        </m:fName>
+                        <m:e>
+                          <m:r>
+                            <a:rPr lang="en-US" sz="2400" b="0" i="1" smtClean="0">
+                              <a:latin typeface="Cambria Math" panose="02040503050406030204" pitchFamily="18" charset="0"/>
+                            </a:rPr>
+                            <m:t>(</m:t>
+                          </m:r>
+                          <m:r>
+                            <a:rPr lang="en-US" sz="2400" b="0" i="1" smtClean="0">
+                              <a:latin typeface="Cambria Math" panose="02040503050406030204" pitchFamily="18" charset="0"/>
+                            </a:rPr>
+                            <m:t>0</m:t>
+                          </m:r>
+                          <m:r>
+                            <a:rPr lang="en-US" sz="2400" b="0" i="1" smtClean="0">
+                              <a:latin typeface="Cambria Math" panose="02040503050406030204" pitchFamily="18" charset="0"/>
+                            </a:rPr>
+                            <m:t>.</m:t>
+                          </m:r>
+                          <m:r>
+                            <a:rPr lang="en-US" sz="2400" b="0" i="1" smtClean="0">
+                              <a:latin typeface="Cambria Math" panose="02040503050406030204" pitchFamily="18" charset="0"/>
+                            </a:rPr>
+                            <m:t>94</m:t>
+                          </m:r>
+                          <m:r>
+                            <a:rPr lang="en-US" sz="2400" b="0" i="1" smtClean="0">
+                              <a:latin typeface="Cambria Math" panose="02040503050406030204" pitchFamily="18" charset="0"/>
+                            </a:rPr>
+                            <m:t>))+(</m:t>
+                          </m:r>
+                          <m:r>
+                            <a:rPr lang="en-US" sz="2400" b="0" i="1" smtClean="0">
+                              <a:latin typeface="Cambria Math" panose="02040503050406030204" pitchFamily="18" charset="0"/>
+                            </a:rPr>
+                            <m:t>1</m:t>
+                          </m:r>
+                          <m:r>
+                            <a:rPr lang="en-US" sz="2400" b="0" i="1" smtClean="0">
+                              <a:latin typeface="Cambria Math" panose="02040503050406030204" pitchFamily="18" charset="0"/>
+                            </a:rPr>
+                            <m:t>−</m:t>
+                          </m:r>
+                          <m:r>
+                            <a:rPr lang="en-US" sz="2400" b="0" i="1" smtClean="0">
+                              <a:latin typeface="Cambria Math" panose="02040503050406030204" pitchFamily="18" charset="0"/>
+                            </a:rPr>
+                            <m:t>0</m:t>
+                          </m:r>
+                          <m:r>
+                            <a:rPr lang="en-US" sz="2400" b="0" i="1" smtClean="0">
+                              <a:latin typeface="Cambria Math" panose="02040503050406030204" pitchFamily="18" charset="0"/>
+                            </a:rPr>
+                            <m:t>.</m:t>
+                          </m:r>
+                          <m:r>
+                            <a:rPr lang="en-US" sz="2400" b="0" i="1" smtClean="0">
+                              <a:latin typeface="Cambria Math" panose="02040503050406030204" pitchFamily="18" charset="0"/>
+                            </a:rPr>
+                            <m:t>94</m:t>
+                          </m:r>
+                          <m:r>
+                            <a:rPr lang="en-US" sz="2400" b="0" i="1" smtClean="0">
+                              <a:latin typeface="Cambria Math" panose="02040503050406030204" pitchFamily="18" charset="0"/>
+                            </a:rPr>
+                            <m:t>)(−</m:t>
+                          </m:r>
+                          <m:func>
+                            <m:funcPr>
+                              <m:ctrlPr>
+                                <a:rPr lang="en-US" sz="2400" b="0" i="1" smtClean="0">
+                                  <a:latin typeface="Cambria Math" panose="02040503050406030204" pitchFamily="18" charset="0"/>
+                                </a:rPr>
+                              </m:ctrlPr>
+                            </m:funcPr>
+                            <m:fName>
+                              <m:r>
+                                <m:rPr>
+                                  <m:sty m:val="p"/>
+                                </m:rPr>
+                                <a:rPr lang="en-US" sz="2400" b="0" i="0" smtClean="0">
+                                  <a:latin typeface="Cambria Math" panose="02040503050406030204" pitchFamily="18" charset="0"/>
+                                </a:rPr>
+                                <m:t>log</m:t>
+                              </m:r>
+                            </m:fName>
+                            <m:e>
+                              <m:r>
+                                <a:rPr lang="en-US" sz="2400" b="0" i="1" smtClean="0">
+                                  <a:latin typeface="Cambria Math" panose="02040503050406030204" pitchFamily="18" charset="0"/>
+                                </a:rPr>
+                                <m:t>(</m:t>
+                              </m:r>
+                              <m:r>
+                                <a:rPr lang="en-US" sz="2400" b="0" i="1" smtClean="0">
+                                  <a:latin typeface="Cambria Math" panose="02040503050406030204" pitchFamily="18" charset="0"/>
+                                </a:rPr>
+                                <m:t>1</m:t>
+                              </m:r>
+                              <m:r>
+                                <a:rPr lang="en-US" sz="2400" b="0" i="1" smtClean="0">
+                                  <a:latin typeface="Cambria Math" panose="02040503050406030204" pitchFamily="18" charset="0"/>
+                                </a:rPr>
+                                <m:t>−</m:t>
+                              </m:r>
+                              <m:r>
+                                <a:rPr lang="en-US" sz="2400" b="0" i="1" smtClean="0">
+                                  <a:latin typeface="Cambria Math" panose="02040503050406030204" pitchFamily="18" charset="0"/>
+                                </a:rPr>
+                                <m:t>0</m:t>
+                              </m:r>
+                              <m:r>
+                                <a:rPr lang="en-US" sz="2400" b="0" i="1" smtClean="0">
+                                  <a:latin typeface="Cambria Math" panose="02040503050406030204" pitchFamily="18" charset="0"/>
+                                </a:rPr>
+                                <m:t>.</m:t>
+                              </m:r>
+                              <m:r>
+                                <a:rPr lang="en-US" sz="2400" b="0" i="1" smtClean="0">
+                                  <a:latin typeface="Cambria Math" panose="02040503050406030204" pitchFamily="18" charset="0"/>
+                                </a:rPr>
+                                <m:t>94</m:t>
+                              </m:r>
+                              <m:r>
+                                <a:rPr lang="en-US" sz="2400" b="0" i="1" smtClean="0">
+                                  <a:latin typeface="Cambria Math" panose="02040503050406030204" pitchFamily="18" charset="0"/>
+                                </a:rPr>
+                                <m:t>)) </m:t>
+                              </m:r>
+                            </m:e>
+                          </m:func>
+                        </m:e>
+                      </m:func>
+                    </m:oMath>
+                  </m:oMathPara>
+                </a14:m>
+                <a:endParaRPr lang="en-US" sz="2400" dirty="0"/>
+              </a:p>
+            </p:txBody>
+          </p:sp>
+        </mc:Choice>
+        <mc:Fallback>
+          <p:sp>
+            <p:nvSpPr>
+              <p:cNvPr id="9" name="TextBox 8"/>
+              <p:cNvSpPr txBox="1">
+                <a:spLocks noRot="1" noChangeAspect="1" noMove="1" noResize="1" noEditPoints="1" noAdjustHandles="1" noChangeArrowheads="1" noChangeShapeType="1" noTextEdit="1"/>
+              </p:cNvSpPr>
+              <p:nvPr/>
+            </p:nvSpPr>
+            <p:spPr>
+              <a:xfrm>
+                <a:off x="5131769" y="4076408"/>
+                <a:ext cx="6412140" cy="369332"/>
+              </a:xfrm>
+              <a:prstGeom prst="rect">
+                <a:avLst/>
+              </a:prstGeom>
+              <a:blipFill rotWithShape="0">
+                <a:blip r:embed="rId4"/>
+                <a:stretch>
+                  <a:fillRect l="-1426" r="-285" b="-38333"/>
+                </a:stretch>
+              </a:blipFill>
+            </p:spPr>
+            <p:txBody>
+              <a:bodyPr/>
+              <a:lstStyle/>
+              <a:p>
+                <a:r>
+                  <a:rPr lang="en-US">
+                    <a:noFill/>
+                  </a:rPr>
+                  <a:t> </a:t>
+                </a:r>
+              </a:p>
+            </p:txBody>
+          </p:sp>
+        </mc:Fallback>
+      </mc:AlternateContent>
     </p:spTree>
     <p:extLst>
       <p:ext uri="{BB962C8B-B14F-4D97-AF65-F5344CB8AC3E}">
-        <p14:creationId xmlns:p14="http://schemas.microsoft.com/office/powerpoint/2010/main" val="4133153295"/>
+        <p14:creationId xmlns:p14="http://schemas.microsoft.com/office/powerpoint/2010/main" val="4078670344"/>
       </p:ext>
     </p:extLst>
   </p:cSld>
@@ -10965,18 +11246,75 @@
             <p:ph type="title"/>
           </p:nvPr>
         </p:nvSpPr>
-        <p:spPr/>
-        <p:txBody>
-          <a:bodyPr/>
-          <a:lstStyle/>
-          <a:p>
-            <a:r>
-              <a:rPr lang="en-US" dirty="0"/>
-              <a:t>Deep Learning DL</a:t>
-            </a:r>
-          </a:p>
-        </p:txBody>
-      </p:sp>
+        <p:spPr>
+          <a:xfrm>
+            <a:off x="199867" y="346258"/>
+            <a:ext cx="5698013" cy="679084"/>
+          </a:xfrm>
+        </p:spPr>
+        <p:txBody>
+          <a:bodyPr/>
+          <a:lstStyle/>
+          <a:p>
+            <a:pPr algn="l"/>
+            <a:r>
+              <a:rPr lang="en-US" cap="none" dirty="0" smtClean="0"/>
+              <a:t>Categorical Cross Entropy</a:t>
+            </a:r>
+            <a:endParaRPr lang="en-US" cap="none" dirty="0"/>
+          </a:p>
+        </p:txBody>
+      </p:sp>
+      <p:pic>
+        <p:nvPicPr>
+          <p:cNvPr id="5" name="Content Placeholder 4"/>
+          <p:cNvPicPr>
+            <a:picLocks noGrp="1" noChangeAspect="1"/>
+          </p:cNvPicPr>
+          <p:nvPr>
+            <p:ph sz="quarter" idx="13"/>
+          </p:nvPr>
+        </p:nvPicPr>
+        <p:blipFill>
+          <a:blip r:embed="rId2"/>
+          <a:stretch>
+            <a:fillRect/>
+          </a:stretch>
+        </p:blipFill>
+        <p:spPr>
+          <a:xfrm>
+            <a:off x="7084914" y="685800"/>
+            <a:ext cx="3457200" cy="2766334"/>
+          </a:xfrm>
+          <a:prstGeom prst="rect">
+            <a:avLst/>
+          </a:prstGeom>
+        </p:spPr>
+      </p:pic>
+      <p:pic>
+        <p:nvPicPr>
+          <p:cNvPr id="6" name="Picture 5"/>
+          <p:cNvPicPr>
+            <a:picLocks noChangeAspect="1"/>
+          </p:cNvPicPr>
+          <p:nvPr/>
+        </p:nvPicPr>
+        <p:blipFill>
+          <a:blip r:embed="rId3"/>
+          <a:stretch>
+            <a:fillRect/>
+          </a:stretch>
+        </p:blipFill>
+        <p:spPr>
+          <a:xfrm>
+            <a:off x="7084914" y="3625757"/>
+            <a:ext cx="3457200" cy="1748827"/>
+          </a:xfrm>
+          <a:prstGeom prst="rect">
+            <a:avLst/>
+          </a:prstGeom>
+        </p:spPr>
+      </p:pic>
       <p:sp>
         <p:nvSpPr>
           <p:cNvPr id="3" name="Rectangle 2"/>
@@ -10985,7 +11323,380 @@
         </p:nvSpPr>
         <p:spPr>
           <a:xfrm>
-            <a:off x="1189687" y="1837765"/>
+            <a:off x="199867" y="1025342"/>
+            <a:ext cx="6096000" cy="646331"/>
+          </a:xfrm>
+          <a:prstGeom prst="rect">
+            <a:avLst/>
+          </a:prstGeom>
+        </p:spPr>
+        <p:txBody>
+          <a:bodyPr>
+            <a:spAutoFit/>
+          </a:bodyPr>
+          <a:lstStyle/>
+          <a:p>
+            <a:r>
+              <a:rPr lang="en-US" b="1" dirty="0">
+                <a:latin typeface="Times New Roman" panose="02020603050405020304" pitchFamily="18" charset="0"/>
+                <a:cs typeface="Times New Roman" panose="02020603050405020304" pitchFamily="18" charset="0"/>
+              </a:rPr>
+              <a:t>Code:</a:t>
+            </a:r>
+            <a:endParaRPr lang="en-US" dirty="0">
+              <a:latin typeface="Times New Roman" panose="02020603050405020304" pitchFamily="18" charset="0"/>
+              <a:cs typeface="Times New Roman" panose="02020603050405020304" pitchFamily="18" charset="0"/>
+            </a:endParaRPr>
+          </a:p>
+          <a:p>
+            <a:r>
+              <a:rPr lang="en-US" dirty="0" err="1">
+                <a:latin typeface="Times New Roman" panose="02020603050405020304" pitchFamily="18" charset="0"/>
+                <a:cs typeface="Times New Roman" panose="02020603050405020304" pitchFamily="18" charset="0"/>
+              </a:rPr>
+              <a:t>model.compile</a:t>
+            </a:r>
+            <a:r>
+              <a:rPr lang="en-US" dirty="0">
+                <a:latin typeface="Times New Roman" panose="02020603050405020304" pitchFamily="18" charset="0"/>
+                <a:cs typeface="Times New Roman" panose="02020603050405020304" pitchFamily="18" charset="0"/>
+              </a:rPr>
+              <a:t>(loss='</a:t>
+            </a:r>
+            <a:r>
+              <a:rPr lang="en-US" dirty="0" err="1">
+                <a:latin typeface="Times New Roman" panose="02020603050405020304" pitchFamily="18" charset="0"/>
+                <a:cs typeface="Times New Roman" panose="02020603050405020304" pitchFamily="18" charset="0"/>
+              </a:rPr>
+              <a:t>categorical_crossentropy</a:t>
+            </a:r>
+            <a:r>
+              <a:rPr lang="en-US" dirty="0">
+                <a:latin typeface="Times New Roman" panose="02020603050405020304" pitchFamily="18" charset="0"/>
+                <a:cs typeface="Times New Roman" panose="02020603050405020304" pitchFamily="18" charset="0"/>
+              </a:rPr>
+              <a:t>‘)</a:t>
+            </a:r>
+          </a:p>
+        </p:txBody>
+      </p:sp>
+      <p:sp>
+        <p:nvSpPr>
+          <p:cNvPr id="4" name="Footer Placeholder 3"/>
+          <p:cNvSpPr>
+            <a:spLocks noGrp="1"/>
+          </p:cNvSpPr>
+          <p:nvPr>
+            <p:ph type="ftr" sz="quarter" idx="11"/>
+          </p:nvPr>
+        </p:nvSpPr>
+        <p:spPr/>
+        <p:txBody>
+          <a:bodyPr/>
+          <a:lstStyle/>
+          <a:p>
+            <a:r>
+              <a:rPr lang="en-US" smtClean="0"/>
+              <a:t>H.Fakher</a:t>
+            </a:r>
+            <a:endParaRPr lang="en-US" dirty="0"/>
+          </a:p>
+        </p:txBody>
+      </p:sp>
+      <p:sp>
+        <p:nvSpPr>
+          <p:cNvPr id="7" name="Slide Number Placeholder 6"/>
+          <p:cNvSpPr>
+            <a:spLocks noGrp="1"/>
+          </p:cNvSpPr>
+          <p:nvPr>
+            <p:ph type="sldNum" sz="quarter" idx="12"/>
+          </p:nvPr>
+        </p:nvSpPr>
+        <p:spPr/>
+        <p:txBody>
+          <a:bodyPr/>
+          <a:lstStyle/>
+          <a:p>
+            <a:fld id="{3680D392-614A-43D7-BA76-AB1FFE045AF8}" type="slidenum">
+              <a:rPr lang="en-US" smtClean="0"/>
+              <a:t>26</a:t>
+            </a:fld>
+            <a:endParaRPr lang="en-US" dirty="0"/>
+          </a:p>
+        </p:txBody>
+      </p:sp>
+      <p:pic>
+        <p:nvPicPr>
+          <p:cNvPr id="3076" name="Picture 4" descr="Understand Cross Entropy Loss in Minutes | by Uniqtech | Data Science  Bootcamp | Medium"/>
+          <p:cNvPicPr>
+            <a:picLocks noChangeAspect="1" noChangeArrowheads="1"/>
+          </p:cNvPicPr>
+          <p:nvPr/>
+        </p:nvPicPr>
+        <p:blipFill>
+          <a:blip r:embed="rId4">
+            <a:extLst>
+              <a:ext uri="{28A0092B-C50C-407E-A947-70E740481C1C}">
+                <a14:useLocalDpi xmlns:a14="http://schemas.microsoft.com/office/drawing/2010/main" val="0"/>
+              </a:ext>
+            </a:extLst>
+          </a:blip>
+          <a:srcRect/>
+          <a:stretch>
+            <a:fillRect/>
+          </a:stretch>
+        </p:blipFill>
+        <p:spPr bwMode="auto">
+          <a:xfrm>
+            <a:off x="627428" y="2208275"/>
+            <a:ext cx="5240878" cy="2902728"/>
+          </a:xfrm>
+          <a:prstGeom prst="rect">
+            <a:avLst/>
+          </a:prstGeom>
+          <a:noFill/>
+          <a:extLst>
+            <a:ext uri="{909E8E84-426E-40DD-AFC4-6F175D3DCCD1}">
+              <a14:hiddenFill xmlns:a14="http://schemas.microsoft.com/office/drawing/2010/main">
+                <a:solidFill>
+                  <a:srgbClr val="FFFFFF"/>
+                </a:solidFill>
+              </a14:hiddenFill>
+            </a:ext>
+          </a:extLst>
+        </p:spPr>
+      </p:pic>
+    </p:spTree>
+    <p:extLst>
+      <p:ext uri="{BB962C8B-B14F-4D97-AF65-F5344CB8AC3E}">
+        <p14:creationId xmlns:p14="http://schemas.microsoft.com/office/powerpoint/2010/main" val="2073901789"/>
+      </p:ext>
+    </p:extLst>
+  </p:cSld>
+  <p:clrMapOvr>
+    <a:masterClrMapping/>
+  </p:clrMapOvr>
+  <p:timing>
+    <p:tnLst>
+      <p:par>
+        <p:cTn id="1" dur="indefinite" restart="never" nodeType="tmRoot"/>
+      </p:par>
+    </p:tnLst>
+  </p:timing>
+</p:sld>
+</file>
+
+<file path=ppt/slides/slide27.xml><?xml version="1.0" encoding="utf-8"?>
+<p:sld xmlns:a="http://schemas.openxmlformats.org/drawingml/2006/main" xmlns:r="http://schemas.openxmlformats.org/officeDocument/2006/relationships" xmlns:p="http://schemas.openxmlformats.org/presentationml/2006/main">
+  <p:cSld>
+    <p:spTree>
+      <p:nvGrpSpPr>
+        <p:cNvPr id="1" name=""/>
+        <p:cNvGrpSpPr/>
+        <p:nvPr/>
+      </p:nvGrpSpPr>
+      <p:grpSpPr>
+        <a:xfrm>
+          <a:off x="0" y="0"/>
+          <a:ext cx="0" cy="0"/>
+          <a:chOff x="0" y="0"/>
+          <a:chExt cx="0" cy="0"/>
+        </a:xfrm>
+      </p:grpSpPr>
+      <p:sp>
+        <p:nvSpPr>
+          <p:cNvPr id="2" name="Title 1"/>
+          <p:cNvSpPr>
+            <a:spLocks noGrp="1"/>
+          </p:cNvSpPr>
+          <p:nvPr>
+            <p:ph type="title"/>
+          </p:nvPr>
+        </p:nvSpPr>
+        <p:spPr/>
+        <p:txBody>
+          <a:bodyPr>
+            <a:normAutofit/>
+          </a:bodyPr>
+          <a:lstStyle/>
+          <a:p>
+            <a:r>
+              <a:rPr lang="en-US" cap="none" dirty="0" smtClean="0"/>
+              <a:t>Machine Learning</a:t>
+            </a:r>
+            <a:r>
+              <a:rPr lang="en-US" dirty="0" smtClean="0"/>
+              <a:t> </a:t>
+            </a:r>
+            <a:r>
+              <a:rPr lang="en-US" dirty="0" err="1" smtClean="0">
+                <a:solidFill>
+                  <a:schemeClr val="tx1"/>
+                </a:solidFill>
+              </a:rPr>
+              <a:t>vs</a:t>
+            </a:r>
+            <a:r>
+              <a:rPr lang="en-US" dirty="0" smtClean="0">
+                <a:solidFill>
+                  <a:schemeClr val="tx1"/>
+                </a:solidFill>
+              </a:rPr>
+              <a:t> </a:t>
+            </a:r>
+            <a:r>
+              <a:rPr lang="en-US" cap="none" dirty="0" smtClean="0"/>
+              <a:t>Deep Learning</a:t>
+            </a:r>
+            <a:endParaRPr lang="en-US" dirty="0"/>
+          </a:p>
+        </p:txBody>
+      </p:sp>
+      <p:pic>
+        <p:nvPicPr>
+          <p:cNvPr id="4" name="Content Placeholder 3"/>
+          <p:cNvPicPr>
+            <a:picLocks noGrp="1" noChangeAspect="1"/>
+          </p:cNvPicPr>
+          <p:nvPr>
+            <p:ph sz="quarter" idx="13"/>
+          </p:nvPr>
+        </p:nvPicPr>
+        <p:blipFill>
+          <a:blip r:embed="rId2">
+            <a:extLst>
+              <a:ext uri="{28A0092B-C50C-407E-A947-70E740481C1C}">
+                <a14:useLocalDpi xmlns:a14="http://schemas.microsoft.com/office/drawing/2010/main" val="0"/>
+              </a:ext>
+            </a:extLst>
+          </a:blip>
+          <a:stretch>
+            <a:fillRect/>
+          </a:stretch>
+        </p:blipFill>
+        <p:spPr>
+          <a:xfrm>
+            <a:off x="621791" y="2066925"/>
+            <a:ext cx="10460891" cy="3501771"/>
+          </a:xfrm>
+        </p:spPr>
+      </p:pic>
+      <p:sp>
+        <p:nvSpPr>
+          <p:cNvPr id="3" name="Footer Placeholder 2"/>
+          <p:cNvSpPr>
+            <a:spLocks noGrp="1"/>
+          </p:cNvSpPr>
+          <p:nvPr>
+            <p:ph type="ftr" sz="quarter" idx="11"/>
+          </p:nvPr>
+        </p:nvSpPr>
+        <p:spPr/>
+        <p:txBody>
+          <a:bodyPr/>
+          <a:lstStyle/>
+          <a:p>
+            <a:r>
+              <a:rPr lang="en-US" smtClean="0"/>
+              <a:t>H.Fakher</a:t>
+            </a:r>
+            <a:endParaRPr lang="en-US" dirty="0"/>
+          </a:p>
+        </p:txBody>
+      </p:sp>
+      <p:sp>
+        <p:nvSpPr>
+          <p:cNvPr id="5" name="Slide Number Placeholder 4"/>
+          <p:cNvSpPr>
+            <a:spLocks noGrp="1"/>
+          </p:cNvSpPr>
+          <p:nvPr>
+            <p:ph type="sldNum" sz="quarter" idx="12"/>
+          </p:nvPr>
+        </p:nvSpPr>
+        <p:spPr/>
+        <p:txBody>
+          <a:bodyPr/>
+          <a:lstStyle/>
+          <a:p>
+            <a:fld id="{3680D392-614A-43D7-BA76-AB1FFE045AF8}" type="slidenum">
+              <a:rPr lang="en-US" smtClean="0"/>
+              <a:t>27</a:t>
+            </a:fld>
+            <a:endParaRPr lang="en-US" dirty="0"/>
+          </a:p>
+        </p:txBody>
+      </p:sp>
+    </p:spTree>
+    <p:extLst>
+      <p:ext uri="{BB962C8B-B14F-4D97-AF65-F5344CB8AC3E}">
+        <p14:creationId xmlns:p14="http://schemas.microsoft.com/office/powerpoint/2010/main" val="4133153295"/>
+      </p:ext>
+    </p:extLst>
+  </p:cSld>
+  <p:clrMapOvr>
+    <a:masterClrMapping/>
+  </p:clrMapOvr>
+  <p:timing>
+    <p:tnLst>
+      <p:par>
+        <p:cTn id="1" dur="indefinite" restart="never" nodeType="tmRoot"/>
+      </p:par>
+    </p:tnLst>
+  </p:timing>
+</p:sld>
+</file>
+
+<file path=ppt/slides/slide28.xml><?xml version="1.0" encoding="utf-8"?>
+<p:sld xmlns:a="http://schemas.openxmlformats.org/drawingml/2006/main" xmlns:r="http://schemas.openxmlformats.org/officeDocument/2006/relationships" xmlns:p="http://schemas.openxmlformats.org/presentationml/2006/main">
+  <p:cSld>
+    <p:spTree>
+      <p:nvGrpSpPr>
+        <p:cNvPr id="1" name=""/>
+        <p:cNvGrpSpPr/>
+        <p:nvPr/>
+      </p:nvGrpSpPr>
+      <p:grpSpPr>
+        <a:xfrm>
+          <a:off x="0" y="0"/>
+          <a:ext cx="0" cy="0"/>
+          <a:chOff x="0" y="0"/>
+          <a:chExt cx="0" cy="0"/>
+        </a:xfrm>
+      </p:grpSpPr>
+      <p:sp>
+        <p:nvSpPr>
+          <p:cNvPr id="2" name="Title 1"/>
+          <p:cNvSpPr>
+            <a:spLocks noGrp="1"/>
+          </p:cNvSpPr>
+          <p:nvPr>
+            <p:ph type="title"/>
+          </p:nvPr>
+        </p:nvSpPr>
+        <p:spPr/>
+        <p:txBody>
+          <a:bodyPr/>
+          <a:lstStyle/>
+          <a:p>
+            <a:r>
+              <a:rPr lang="en-US" cap="none" dirty="0" smtClean="0"/>
+              <a:t>Deep Learning</a:t>
+            </a:r>
+            <a:endParaRPr lang="en-US" cap="none" dirty="0"/>
+          </a:p>
+        </p:txBody>
+      </p:sp>
+      <p:sp>
+        <p:nvSpPr>
+          <p:cNvPr id="3" name="Rectangle 2"/>
+          <p:cNvSpPr/>
+          <p:nvPr/>
+        </p:nvSpPr>
+        <p:spPr>
+          <a:xfrm>
+            <a:off x="1189687" y="1785003"/>
             <a:ext cx="4694555" cy="369332"/>
           </a:xfrm>
           <a:prstGeom prst="rect">
@@ -11019,82 +11730,107 @@
         </p:nvSpPr>
         <p:spPr>
           <a:xfrm>
-            <a:off x="1658112" y="2399121"/>
-            <a:ext cx="6096000" cy="1477328"/>
+            <a:off x="1658112" y="2197953"/>
+            <a:ext cx="7431024" cy="3242811"/>
           </a:xfrm>
           <a:prstGeom prst="rect">
             <a:avLst/>
           </a:prstGeom>
         </p:spPr>
         <p:txBody>
-          <a:bodyPr>
+          <a:bodyPr wrap="square">
             <a:spAutoFit/>
           </a:bodyPr>
           <a:lstStyle/>
           <a:p>
-            <a:r>
-              <a:rPr lang="en-US" dirty="0">
+            <a:pPr>
+              <a:lnSpc>
+                <a:spcPct val="150000"/>
+              </a:lnSpc>
+            </a:pPr>
+            <a:r>
+              <a:rPr lang="en-US" sz="2800" dirty="0">
                 <a:latin typeface="ArialMT"/>
               </a:rPr>
               <a:t>• Convolutional neural networks (CNNs).</a:t>
             </a:r>
           </a:p>
           <a:p>
-            <a:r>
-              <a:rPr lang="en-US" dirty="0">
+            <a:pPr>
+              <a:lnSpc>
+                <a:spcPct val="150000"/>
+              </a:lnSpc>
+            </a:pPr>
+            <a:r>
+              <a:rPr lang="en-US" sz="2800" dirty="0">
                 <a:latin typeface="ArialMT"/>
               </a:rPr>
               <a:t>• </a:t>
             </a:r>
             <a:r>
-              <a:rPr lang="en-US" dirty="0" err="1">
+              <a:rPr lang="en-US" sz="2800" dirty="0" err="1">
                 <a:latin typeface="ArialMT"/>
               </a:rPr>
               <a:t>Autoencoders</a:t>
             </a:r>
             <a:r>
-              <a:rPr lang="en-US" dirty="0">
+              <a:rPr lang="en-US" sz="2800" dirty="0">
                 <a:latin typeface="ArialMT"/>
               </a:rPr>
               <a:t> (</a:t>
             </a:r>
             <a:r>
-              <a:rPr lang="en-US" dirty="0" err="1">
+              <a:rPr lang="en-US" sz="2800" dirty="0" err="1">
                 <a:latin typeface="ArialMT"/>
               </a:rPr>
               <a:t>Aes</a:t>
             </a:r>
             <a:r>
-              <a:rPr lang="en-US" dirty="0">
+              <a:rPr lang="en-US" sz="2800" dirty="0">
                 <a:latin typeface="ArialMT"/>
               </a:rPr>
               <a:t>).</a:t>
             </a:r>
           </a:p>
           <a:p>
-            <a:r>
-              <a:rPr lang="en-US" dirty="0">
+            <a:pPr>
+              <a:lnSpc>
+                <a:spcPct val="150000"/>
+              </a:lnSpc>
+            </a:pPr>
+            <a:r>
+              <a:rPr lang="en-US" sz="2800" dirty="0">
                 <a:latin typeface="ArialMT"/>
               </a:rPr>
               <a:t>• Recurrent neural networks (RNNs).</a:t>
             </a:r>
           </a:p>
           <a:p>
-            <a:r>
-              <a:rPr lang="en-US" dirty="0">
+            <a:pPr>
+              <a:lnSpc>
+                <a:spcPct val="150000"/>
+              </a:lnSpc>
+            </a:pPr>
+            <a:r>
+              <a:rPr lang="en-US" sz="2800" dirty="0">
                 <a:latin typeface="ArialMT"/>
               </a:rPr>
               <a:t>• Generative adversarial networks (GANs).</a:t>
             </a:r>
           </a:p>
           <a:p>
-            <a:r>
-              <a:rPr lang="nb-NO" dirty="0">
+            <a:pPr>
+              <a:lnSpc>
+                <a:spcPct val="150000"/>
+              </a:lnSpc>
+            </a:pPr>
+            <a:r>
+              <a:rPr lang="nb-NO" sz="2800" dirty="0">
                 <a:latin typeface="ArialMT"/>
               </a:rPr>
               <a:t>• Faster RCNN and Mask RCNN.</a:t>
             </a:r>
-            <a:endParaRPr lang="en-US" dirty="0"/>
+            <a:endParaRPr lang="en-US" sz="2800" dirty="0"/>
           </a:p>
         </p:txBody>
       </p:sp>
@@ -11138,7 +11874,7 @@
           <a:p>
             <a:fld id="{3680D392-614A-43D7-BA76-AB1FFE045AF8}" type="slidenum">
               <a:rPr lang="en-US" smtClean="0"/>
-              <a:t>26</a:t>
+              <a:t>28</a:t>
             </a:fld>
             <a:endParaRPr lang="en-US" dirty="0"/>
           </a:p>
@@ -11164,7 +11900,7 @@
 </p:sld>
 </file>
 
-<file path=ppt/slides/slide27.xml><?xml version="1.0" encoding="utf-8"?>
+<file path=ppt/slides/slide29.xml><?xml version="1.0" encoding="utf-8"?>
 <p:sld xmlns:a="http://schemas.openxmlformats.org/drawingml/2006/main" xmlns:r="http://schemas.openxmlformats.org/officeDocument/2006/relationships" xmlns:p="http://schemas.openxmlformats.org/presentationml/2006/main">
   <p:cSld>
     <p:spTree>
@@ -11256,188 +11992,290 @@
           <a:lstStyle/>
           <a:p>
             <a:r>
-              <a:rPr lang="en-US" dirty="0"/>
-              <a:t>Neural Network components </a:t>
-            </a:r>
+              <a:rPr lang="en-US" cap="none" dirty="0" smtClean="0"/>
+              <a:t>Human Brain Network</a:t>
+            </a:r>
+            <a:endParaRPr lang="en-US" cap="none" dirty="0"/>
+          </a:p>
+        </p:txBody>
+      </p:sp>
+      <p:sp>
+        <p:nvSpPr>
+          <p:cNvPr id="3" name="TextBox 2"/>
+          <p:cNvSpPr txBox="1"/>
+          <p:nvPr/>
+        </p:nvSpPr>
+        <p:spPr>
+          <a:xfrm>
+            <a:off x="758952" y="2267712"/>
+            <a:ext cx="5125289" cy="2800767"/>
+          </a:xfrm>
+          <a:prstGeom prst="rect">
+            <a:avLst/>
+          </a:prstGeom>
+          <a:noFill/>
+        </p:spPr>
+        <p:txBody>
+          <a:bodyPr wrap="square" rtlCol="0">
+            <a:spAutoFit/>
+          </a:bodyPr>
+          <a:lstStyle/>
+          <a:p>
+            <a:r>
+              <a:rPr lang="en-US" sz="2200" dirty="0">
+                <a:latin typeface="Times New Roman" panose="02020603050405020304" pitchFamily="18" charset="0"/>
+                <a:cs typeface="Times New Roman" panose="02020603050405020304" pitchFamily="18" charset="0"/>
+              </a:rPr>
+              <a:t>• The brain is composed of </a:t>
+            </a:r>
+            <a:r>
+              <a:rPr lang="en-US" sz="2200" b="1" dirty="0">
+                <a:solidFill>
+                  <a:srgbClr val="FF0000"/>
+                </a:solidFill>
+                <a:latin typeface="Times New Roman" panose="02020603050405020304" pitchFamily="18" charset="0"/>
+                <a:cs typeface="Times New Roman" panose="02020603050405020304" pitchFamily="18" charset="0"/>
+              </a:rPr>
+              <a:t>neurons</a:t>
+            </a:r>
+            <a:r>
+              <a:rPr lang="en-US" sz="2200" b="1" dirty="0">
+                <a:latin typeface="Times New Roman" panose="02020603050405020304" pitchFamily="18" charset="0"/>
+                <a:cs typeface="Times New Roman" panose="02020603050405020304" pitchFamily="18" charset="0"/>
+              </a:rPr>
+              <a:t> </a:t>
+            </a:r>
+            <a:r>
+              <a:rPr lang="en-US" sz="2200" dirty="0">
+                <a:latin typeface="Times New Roman" panose="02020603050405020304" pitchFamily="18" charset="0"/>
+                <a:cs typeface="Times New Roman" panose="02020603050405020304" pitchFamily="18" charset="0"/>
+              </a:rPr>
+              <a:t>linked together by </a:t>
+            </a:r>
+            <a:r>
+              <a:rPr lang="en-US" sz="2200" b="1" dirty="0">
+                <a:latin typeface="Times New Roman" panose="02020603050405020304" pitchFamily="18" charset="0"/>
+                <a:cs typeface="Times New Roman" panose="02020603050405020304" pitchFamily="18" charset="0"/>
+              </a:rPr>
+              <a:t>synapses</a:t>
+            </a:r>
+            <a:r>
+              <a:rPr lang="en-US" sz="2200" dirty="0" smtClean="0">
+                <a:latin typeface="Times New Roman" panose="02020603050405020304" pitchFamily="18" charset="0"/>
+                <a:cs typeface="Times New Roman" panose="02020603050405020304" pitchFamily="18" charset="0"/>
+              </a:rPr>
+              <a:t>.</a:t>
+            </a:r>
+          </a:p>
+          <a:p>
+            <a:endParaRPr lang="en-US" sz="2200" dirty="0">
+              <a:latin typeface="Times New Roman" panose="02020603050405020304" pitchFamily="18" charset="0"/>
+              <a:cs typeface="Times New Roman" panose="02020603050405020304" pitchFamily="18" charset="0"/>
+            </a:endParaRPr>
+          </a:p>
+          <a:p>
+            <a:r>
+              <a:rPr lang="en-US" sz="2200" dirty="0">
+                <a:latin typeface="Times New Roman" panose="02020603050405020304" pitchFamily="18" charset="0"/>
+                <a:cs typeface="Times New Roman" panose="02020603050405020304" pitchFamily="18" charset="0"/>
+              </a:rPr>
+              <a:t>• Human brain has </a:t>
+            </a:r>
+            <a:r>
+              <a:rPr lang="en-US" sz="2200" b="1" dirty="0">
+                <a:solidFill>
+                  <a:srgbClr val="FF0000"/>
+                </a:solidFill>
+                <a:latin typeface="Times New Roman" panose="02020603050405020304" pitchFamily="18" charset="0"/>
+                <a:cs typeface="Times New Roman" panose="02020603050405020304" pitchFamily="18" charset="0"/>
+              </a:rPr>
+              <a:t>~10^11 neurons</a:t>
+            </a:r>
+            <a:r>
+              <a:rPr lang="en-US" sz="2200" b="1" dirty="0">
+                <a:latin typeface="Times New Roman" panose="02020603050405020304" pitchFamily="18" charset="0"/>
+                <a:cs typeface="Times New Roman" panose="02020603050405020304" pitchFamily="18" charset="0"/>
+              </a:rPr>
+              <a:t> </a:t>
+            </a:r>
+            <a:r>
+              <a:rPr lang="en-US" sz="2200" dirty="0">
+                <a:latin typeface="Times New Roman" panose="02020603050405020304" pitchFamily="18" charset="0"/>
+                <a:cs typeface="Times New Roman" panose="02020603050405020304" pitchFamily="18" charset="0"/>
+              </a:rPr>
+              <a:t>≈ number of trees in </a:t>
+            </a:r>
+            <a:r>
+              <a:rPr lang="en-US" sz="2200" dirty="0" smtClean="0">
+                <a:latin typeface="Times New Roman" panose="02020603050405020304" pitchFamily="18" charset="0"/>
+                <a:cs typeface="Times New Roman" panose="02020603050405020304" pitchFamily="18" charset="0"/>
+              </a:rPr>
+              <a:t>the amazon </a:t>
+            </a:r>
+            <a:r>
+              <a:rPr lang="en-US" sz="2200" dirty="0">
+                <a:latin typeface="Times New Roman" panose="02020603050405020304" pitchFamily="18" charset="0"/>
+                <a:cs typeface="Times New Roman" panose="02020603050405020304" pitchFamily="18" charset="0"/>
+              </a:rPr>
+              <a:t>forest</a:t>
+            </a:r>
+            <a:r>
+              <a:rPr lang="en-US" sz="2200" dirty="0" smtClean="0">
+                <a:latin typeface="Times New Roman" panose="02020603050405020304" pitchFamily="18" charset="0"/>
+                <a:cs typeface="Times New Roman" panose="02020603050405020304" pitchFamily="18" charset="0"/>
+              </a:rPr>
+              <a:t>.</a:t>
+            </a:r>
+          </a:p>
+          <a:p>
+            <a:endParaRPr lang="en-US" sz="2200" dirty="0">
+              <a:latin typeface="Times New Roman" panose="02020603050405020304" pitchFamily="18" charset="0"/>
+              <a:cs typeface="Times New Roman" panose="02020603050405020304" pitchFamily="18" charset="0"/>
+            </a:endParaRPr>
+          </a:p>
+          <a:p>
+            <a:r>
+              <a:rPr lang="en-US" sz="2200" dirty="0">
+                <a:latin typeface="Times New Roman" panose="02020603050405020304" pitchFamily="18" charset="0"/>
+                <a:cs typeface="Times New Roman" panose="02020603050405020304" pitchFamily="18" charset="0"/>
+              </a:rPr>
+              <a:t>• The number of synapses ≈ number of </a:t>
+            </a:r>
+            <a:r>
+              <a:rPr lang="en-US" sz="2200" b="1" dirty="0" smtClean="0">
+                <a:solidFill>
+                  <a:srgbClr val="FF0000"/>
+                </a:solidFill>
+                <a:latin typeface="Times New Roman" panose="02020603050405020304" pitchFamily="18" charset="0"/>
+                <a:cs typeface="Times New Roman" panose="02020603050405020304" pitchFamily="18" charset="0"/>
+              </a:rPr>
+              <a:t>tree </a:t>
+            </a:r>
+            <a:r>
+              <a:rPr lang="en-US" sz="2200" b="1" dirty="0">
+                <a:solidFill>
+                  <a:srgbClr val="FF0000"/>
+                </a:solidFill>
+                <a:latin typeface="Times New Roman" panose="02020603050405020304" pitchFamily="18" charset="0"/>
+                <a:cs typeface="Times New Roman" panose="02020603050405020304" pitchFamily="18" charset="0"/>
+              </a:rPr>
+              <a:t>leaves </a:t>
+            </a:r>
+            <a:r>
+              <a:rPr lang="en-US" sz="2200" dirty="0">
+                <a:latin typeface="Times New Roman" panose="02020603050405020304" pitchFamily="18" charset="0"/>
+                <a:cs typeface="Times New Roman" panose="02020603050405020304" pitchFamily="18" charset="0"/>
+              </a:rPr>
+              <a:t>in the </a:t>
+            </a:r>
+            <a:r>
+              <a:rPr lang="en-US" sz="2200" dirty="0" smtClean="0">
+                <a:latin typeface="Times New Roman" panose="02020603050405020304" pitchFamily="18" charset="0"/>
+                <a:cs typeface="Times New Roman" panose="02020603050405020304" pitchFamily="18" charset="0"/>
+              </a:rPr>
+              <a:t>amazon forest</a:t>
+            </a:r>
+            <a:r>
+              <a:rPr lang="en-US" sz="2200" dirty="0">
+                <a:latin typeface="Times New Roman" panose="02020603050405020304" pitchFamily="18" charset="0"/>
+                <a:cs typeface="Times New Roman" panose="02020603050405020304" pitchFamily="18" charset="0"/>
+              </a:rPr>
+              <a:t>.</a:t>
+            </a:r>
+          </a:p>
+        </p:txBody>
+      </p:sp>
+      <p:sp>
+        <p:nvSpPr>
+          <p:cNvPr id="5" name="Footer Placeholder 4"/>
+          <p:cNvSpPr>
+            <a:spLocks noGrp="1"/>
+          </p:cNvSpPr>
+          <p:nvPr>
+            <p:ph type="ftr" sz="quarter" idx="11"/>
+          </p:nvPr>
+        </p:nvSpPr>
+        <p:spPr/>
+        <p:txBody>
+          <a:bodyPr/>
+          <a:lstStyle/>
+          <a:p>
+            <a:r>
+              <a:rPr lang="en-US" smtClean="0"/>
+              <a:t>H.Fakher</a:t>
+            </a:r>
+            <a:endParaRPr lang="en-US" dirty="0"/>
+          </a:p>
+        </p:txBody>
+      </p:sp>
+      <p:sp>
+        <p:nvSpPr>
+          <p:cNvPr id="6" name="Slide Number Placeholder 5"/>
+          <p:cNvSpPr>
+            <a:spLocks noGrp="1"/>
+          </p:cNvSpPr>
+          <p:nvPr>
+            <p:ph type="sldNum" sz="quarter" idx="12"/>
+          </p:nvPr>
+        </p:nvSpPr>
+        <p:spPr/>
+        <p:txBody>
+          <a:bodyPr/>
+          <a:lstStyle/>
+          <a:p>
+            <a:fld id="{3680D392-614A-43D7-BA76-AB1FFE045AF8}" type="slidenum">
+              <a:rPr lang="en-US" smtClean="0"/>
+              <a:t>3</a:t>
+            </a:fld>
+            <a:endParaRPr lang="en-US" dirty="0"/>
           </a:p>
         </p:txBody>
       </p:sp>
       <p:pic>
         <p:nvPicPr>
-          <p:cNvPr id="5" name="Picture 4"/>
+          <p:cNvPr id="1028" name="Picture 4" descr="Introduction to Neural Networks, Advantages and Applications | by Jahnavi  Mahanta | Towards Data Science"/>
           <p:cNvPicPr>
-            <a:picLocks noChangeAspect="1"/>
+            <a:picLocks noChangeAspect="1" noChangeArrowheads="1"/>
           </p:cNvPicPr>
           <p:nvPr/>
         </p:nvPicPr>
         <p:blipFill>
-          <a:blip r:embed="rId2"/>
+          <a:blip r:embed="rId2">
+            <a:extLst>
+              <a:ext uri="{28A0092B-C50C-407E-A947-70E740481C1C}">
+                <a14:useLocalDpi xmlns:a14="http://schemas.microsoft.com/office/drawing/2010/main" val="0"/>
+              </a:ext>
+            </a:extLst>
+          </a:blip>
+          <a:srcRect/>
           <a:stretch>
             <a:fillRect/>
           </a:stretch>
         </p:blipFill>
-        <p:spPr>
-          <a:xfrm>
-            <a:off x="4782312" y="1837765"/>
-            <a:ext cx="6858000" cy="3648635"/>
-          </a:xfrm>
-          <a:prstGeom prst="rect">
-            <a:avLst/>
-          </a:prstGeom>
-        </p:spPr>
-      </p:pic>
-      <p:sp>
-        <p:nvSpPr>
-          <p:cNvPr id="6" name="TextBox 5"/>
-          <p:cNvSpPr txBox="1"/>
-          <p:nvPr/>
-        </p:nvSpPr>
-        <p:spPr>
-          <a:xfrm>
-            <a:off x="804673" y="1837765"/>
-            <a:ext cx="3300840" cy="3831818"/>
+        <p:spPr bwMode="auto">
+          <a:xfrm>
+            <a:off x="5884242" y="1884909"/>
+            <a:ext cx="5502400" cy="3566372"/>
           </a:xfrm>
           <a:prstGeom prst="rect">
             <a:avLst/>
           </a:prstGeom>
           <a:noFill/>
-        </p:spPr>
-        <p:txBody>
-          <a:bodyPr wrap="none" rtlCol="0">
-            <a:spAutoFit/>
-          </a:bodyPr>
-          <a:lstStyle/>
-          <a:p>
-            <a:r>
-              <a:rPr lang="en-US" sz="2500" b="1" dirty="0" smtClean="0">
-                <a:latin typeface="Times New Roman" panose="02020603050405020304" pitchFamily="18" charset="0"/>
-                <a:cs typeface="Times New Roman" panose="02020603050405020304" pitchFamily="18" charset="0"/>
-              </a:rPr>
-              <a:t>• Layers </a:t>
-            </a:r>
-          </a:p>
-          <a:p>
-            <a:endParaRPr lang="en-US" sz="2500" b="1" dirty="0">
-              <a:latin typeface="Times New Roman" panose="02020603050405020304" pitchFamily="18" charset="0"/>
-              <a:cs typeface="Times New Roman" panose="02020603050405020304" pitchFamily="18" charset="0"/>
-            </a:endParaRPr>
-          </a:p>
-          <a:p>
-            <a:r>
-              <a:rPr lang="en-US" sz="2500" b="1" dirty="0" smtClean="0">
-                <a:latin typeface="Times New Roman" panose="02020603050405020304" pitchFamily="18" charset="0"/>
-                <a:cs typeface="Times New Roman" panose="02020603050405020304" pitchFamily="18" charset="0"/>
-              </a:rPr>
-              <a:t>• Neurons </a:t>
-            </a:r>
-          </a:p>
-          <a:p>
-            <a:endParaRPr lang="en-US" sz="2500" b="1" dirty="0">
-              <a:latin typeface="Times New Roman" panose="02020603050405020304" pitchFamily="18" charset="0"/>
-              <a:cs typeface="Times New Roman" panose="02020603050405020304" pitchFamily="18" charset="0"/>
-            </a:endParaRPr>
-          </a:p>
-          <a:p>
-            <a:r>
-              <a:rPr lang="en-US" sz="2500" b="1" dirty="0" smtClean="0">
-                <a:latin typeface="Times New Roman" panose="02020603050405020304" pitchFamily="18" charset="0"/>
-                <a:cs typeface="Times New Roman" panose="02020603050405020304" pitchFamily="18" charset="0"/>
-              </a:rPr>
-              <a:t>• Weights </a:t>
-            </a:r>
-          </a:p>
-          <a:p>
-            <a:endParaRPr lang="en-US" sz="2500" b="1" dirty="0">
-              <a:latin typeface="Times New Roman" panose="02020603050405020304" pitchFamily="18" charset="0"/>
-              <a:cs typeface="Times New Roman" panose="02020603050405020304" pitchFamily="18" charset="0"/>
-            </a:endParaRPr>
-          </a:p>
-          <a:p>
-            <a:r>
-              <a:rPr lang="en-US" sz="2500" b="1" dirty="0" smtClean="0">
-                <a:latin typeface="Times New Roman" panose="02020603050405020304" pitchFamily="18" charset="0"/>
-                <a:cs typeface="Times New Roman" panose="02020603050405020304" pitchFamily="18" charset="0"/>
-              </a:rPr>
-              <a:t>• Bias </a:t>
-            </a:r>
-          </a:p>
-          <a:p>
-            <a:endParaRPr lang="en-US" sz="2500" b="1" dirty="0">
-              <a:latin typeface="Times New Roman" panose="02020603050405020304" pitchFamily="18" charset="0"/>
-              <a:cs typeface="Times New Roman" panose="02020603050405020304" pitchFamily="18" charset="0"/>
-            </a:endParaRPr>
-          </a:p>
-          <a:p>
-            <a:r>
-              <a:rPr lang="en-US" sz="2500" b="1" dirty="0" smtClean="0">
-                <a:latin typeface="Times New Roman" panose="02020603050405020304" pitchFamily="18" charset="0"/>
-                <a:cs typeface="Times New Roman" panose="02020603050405020304" pitchFamily="18" charset="0"/>
-              </a:rPr>
-              <a:t>• Activation </a:t>
-            </a:r>
-            <a:r>
-              <a:rPr lang="en-US" sz="2500" b="1" dirty="0">
-                <a:latin typeface="Times New Roman" panose="02020603050405020304" pitchFamily="18" charset="0"/>
-                <a:cs typeface="Times New Roman" panose="02020603050405020304" pitchFamily="18" charset="0"/>
-              </a:rPr>
-              <a:t>Functions </a:t>
-            </a:r>
-          </a:p>
-          <a:p>
-            <a:endParaRPr lang="en-US" b="1" dirty="0"/>
-          </a:p>
-        </p:txBody>
-      </p:sp>
-      <p:sp>
-        <p:nvSpPr>
-          <p:cNvPr id="3" name="Footer Placeholder 2"/>
-          <p:cNvSpPr>
-            <a:spLocks noGrp="1"/>
-          </p:cNvSpPr>
-          <p:nvPr>
-            <p:ph type="ftr" sz="quarter" idx="11"/>
-          </p:nvPr>
-        </p:nvSpPr>
-        <p:spPr/>
-        <p:txBody>
-          <a:bodyPr/>
-          <a:lstStyle/>
-          <a:p>
-            <a:r>
-              <a:rPr lang="en-US" smtClean="0"/>
-              <a:t>H.Fakher</a:t>
-            </a:r>
-            <a:endParaRPr lang="en-US" dirty="0"/>
-          </a:p>
-        </p:txBody>
-      </p:sp>
-      <p:sp>
-        <p:nvSpPr>
-          <p:cNvPr id="4" name="Slide Number Placeholder 3"/>
-          <p:cNvSpPr>
-            <a:spLocks noGrp="1"/>
-          </p:cNvSpPr>
-          <p:nvPr>
-            <p:ph type="sldNum" sz="quarter" idx="12"/>
-          </p:nvPr>
-        </p:nvSpPr>
-        <p:spPr/>
-        <p:txBody>
-          <a:bodyPr/>
-          <a:lstStyle/>
-          <a:p>
-            <a:fld id="{3680D392-614A-43D7-BA76-AB1FFE045AF8}" type="slidenum">
-              <a:rPr lang="en-US" smtClean="0"/>
-              <a:t>3</a:t>
-            </a:fld>
-            <a:endParaRPr lang="en-US" dirty="0"/>
-          </a:p>
-        </p:txBody>
-      </p:sp>
+          <a:extLst>
+            <a:ext uri="{909E8E84-426E-40DD-AFC4-6F175D3DCCD1}">
+              <a14:hiddenFill xmlns:a14="http://schemas.microsoft.com/office/drawing/2010/main">
+                <a:solidFill>
+                  <a:srgbClr val="FFFFFF"/>
+                </a:solidFill>
+              </a14:hiddenFill>
+            </a:ext>
+          </a:extLst>
+        </p:spPr>
+      </p:pic>
     </p:spTree>
     <p:extLst>
       <p:ext uri="{BB962C8B-B14F-4D97-AF65-F5344CB8AC3E}">
-        <p14:creationId xmlns:p14="http://schemas.microsoft.com/office/powerpoint/2010/main" val="3083309797"/>
+        <p14:creationId xmlns:p14="http://schemas.microsoft.com/office/powerpoint/2010/main" val="1567323725"/>
       </p:ext>
     </p:extLst>
   </p:cSld>
@@ -11481,132 +12319,137 @@
             <p:ph type="title"/>
           </p:nvPr>
         </p:nvSpPr>
-        <p:spPr>
-          <a:xfrm>
-            <a:off x="446755" y="484632"/>
-            <a:ext cx="4126860" cy="669940"/>
-          </a:xfrm>
-        </p:spPr>
-        <p:txBody>
-          <a:bodyPr/>
-          <a:lstStyle/>
-          <a:p>
-            <a:pPr algn="l"/>
-            <a:r>
-              <a:rPr lang="en-US" dirty="0" smtClean="0"/>
-              <a:t>Layers </a:t>
-            </a:r>
+        <p:spPr/>
+        <p:txBody>
+          <a:bodyPr/>
+          <a:lstStyle/>
+          <a:p>
+            <a:r>
+              <a:rPr lang="en-US" cap="none" dirty="0" smtClean="0"/>
+              <a:t>Human Brain </a:t>
+            </a:r>
+            <a:r>
+              <a:rPr lang="en-US" cap="none" dirty="0" smtClean="0"/>
+              <a:t>Network and DL</a:t>
+            </a:r>
+            <a:endParaRPr lang="en-US" cap="none" dirty="0"/>
+          </a:p>
+        </p:txBody>
+      </p:sp>
+      <p:sp>
+        <p:nvSpPr>
+          <p:cNvPr id="5" name="Footer Placeholder 4"/>
+          <p:cNvSpPr>
+            <a:spLocks noGrp="1"/>
+          </p:cNvSpPr>
+          <p:nvPr>
+            <p:ph type="ftr" sz="quarter" idx="11"/>
+          </p:nvPr>
+        </p:nvSpPr>
+        <p:spPr/>
+        <p:txBody>
+          <a:bodyPr/>
+          <a:lstStyle/>
+          <a:p>
+            <a:r>
+              <a:rPr lang="en-US" smtClean="0"/>
+              <a:t>H.Fakher</a:t>
+            </a:r>
+            <a:endParaRPr lang="en-US" dirty="0"/>
+          </a:p>
+        </p:txBody>
+      </p:sp>
+      <p:sp>
+        <p:nvSpPr>
+          <p:cNvPr id="6" name="Slide Number Placeholder 5"/>
+          <p:cNvSpPr>
+            <a:spLocks noGrp="1"/>
+          </p:cNvSpPr>
+          <p:nvPr>
+            <p:ph type="sldNum" sz="quarter" idx="12"/>
+          </p:nvPr>
+        </p:nvSpPr>
+        <p:spPr/>
+        <p:txBody>
+          <a:bodyPr/>
+          <a:lstStyle/>
+          <a:p>
+            <a:fld id="{3680D392-614A-43D7-BA76-AB1FFE045AF8}" type="slidenum">
+              <a:rPr lang="en-US" smtClean="0"/>
+              <a:t>4</a:t>
+            </a:fld>
             <a:endParaRPr lang="en-US" dirty="0"/>
           </a:p>
         </p:txBody>
       </p:sp>
       <p:pic>
         <p:nvPicPr>
-          <p:cNvPr id="5" name="Content Placeholder 4"/>
+          <p:cNvPr id="7" name="Content Placeholder 4"/>
           <p:cNvPicPr>
-            <a:picLocks noGrp="1" noChangeAspect="1"/>
+            <a:picLocks noChangeAspect="1"/>
           </p:cNvPicPr>
-          <p:nvPr>
-            <p:ph sz="quarter" idx="13"/>
-          </p:nvPr>
+          <p:nvPr/>
+        </p:nvPicPr>
+        <p:blipFill rotWithShape="1">
+          <a:blip r:embed="rId2"/>
+          <a:srcRect l="14007" r="55157" b="19743"/>
+          <a:stretch/>
+        </p:blipFill>
+        <p:spPr>
+          <a:xfrm>
+            <a:off x="7194307" y="2262977"/>
+            <a:ext cx="2478024" cy="2862251"/>
+          </a:xfrm>
+          <a:prstGeom prst="rect">
+            <a:avLst/>
+          </a:prstGeom>
+        </p:spPr>
+      </p:pic>
+      <p:pic>
+        <p:nvPicPr>
+          <p:cNvPr id="8" name="Picture 4" descr="Introduction to Neural Networks, Advantages and Applications | by Jahnavi  Mahanta | Towards Data Science"/>
+          <p:cNvPicPr>
+            <a:picLocks noChangeAspect="1" noChangeArrowheads="1"/>
+          </p:cNvPicPr>
+          <p:nvPr/>
         </p:nvPicPr>
         <p:blipFill>
-          <a:blip r:embed="rId2"/>
+          <a:blip r:embed="rId3">
+            <a:extLst>
+              <a:ext uri="{28A0092B-C50C-407E-A947-70E740481C1C}">
+                <a14:useLocalDpi xmlns:a14="http://schemas.microsoft.com/office/drawing/2010/main" val="0"/>
+              </a:ext>
+            </a:extLst>
+          </a:blip>
+          <a:srcRect/>
           <a:stretch>
             <a:fillRect/>
           </a:stretch>
         </p:blipFill>
-        <p:spPr>
-          <a:xfrm>
-            <a:off x="2262964" y="1824512"/>
-            <a:ext cx="6034087" cy="3444177"/>
+        <p:spPr bwMode="auto">
+          <a:xfrm>
+            <a:off x="1238314" y="1910917"/>
+            <a:ext cx="5502400" cy="3566372"/>
           </a:xfrm>
           <a:prstGeom prst="rect">
             <a:avLst/>
           </a:prstGeom>
+          <a:noFill/>
+          <a:extLst>
+            <a:ext uri="{909E8E84-426E-40DD-AFC4-6F175D3DCCD1}">
+              <a14:hiddenFill xmlns:a14="http://schemas.microsoft.com/office/drawing/2010/main">
+                <a:solidFill>
+                  <a:srgbClr val="FFFFFF"/>
+                </a:solidFill>
+              </a14:hiddenFill>
+            </a:ext>
+          </a:extLst>
         </p:spPr>
       </p:pic>
-      <p:sp>
-        <p:nvSpPr>
-          <p:cNvPr id="3" name="Rectangle 2"/>
-          <p:cNvSpPr/>
-          <p:nvPr/>
-        </p:nvSpPr>
-        <p:spPr>
-          <a:xfrm>
-            <a:off x="529050" y="1154572"/>
-            <a:ext cx="9501917" cy="477054"/>
-          </a:xfrm>
-          <a:prstGeom prst="rect">
-            <a:avLst/>
-          </a:prstGeom>
-        </p:spPr>
-        <p:txBody>
-          <a:bodyPr wrap="square">
-            <a:spAutoFit/>
-          </a:bodyPr>
-          <a:lstStyle/>
-          <a:p>
-            <a:r>
-              <a:rPr lang="en-US" sz="2500" dirty="0">
-                <a:latin typeface="Times New Roman" panose="02020603050405020304" pitchFamily="18" charset="0"/>
-                <a:cs typeface="Times New Roman" panose="02020603050405020304" pitchFamily="18" charset="0"/>
-              </a:rPr>
-              <a:t>are used to hold neurons and pass it to subsequent layers </a:t>
-            </a:r>
-          </a:p>
-        </p:txBody>
-      </p:sp>
-      <p:sp>
-        <p:nvSpPr>
-          <p:cNvPr id="4" name="Footer Placeholder 3"/>
-          <p:cNvSpPr>
-            <a:spLocks noGrp="1"/>
-          </p:cNvSpPr>
-          <p:nvPr>
-            <p:ph type="ftr" sz="quarter" idx="11"/>
-          </p:nvPr>
-        </p:nvSpPr>
-        <p:spPr/>
-        <p:txBody>
-          <a:bodyPr/>
-          <a:lstStyle/>
-          <a:p>
-            <a:r>
-              <a:rPr lang="en-US" smtClean="0"/>
-              <a:t>H.Fakher</a:t>
-            </a:r>
-            <a:endParaRPr lang="en-US" dirty="0"/>
-          </a:p>
-        </p:txBody>
-      </p:sp>
-      <p:sp>
-        <p:nvSpPr>
-          <p:cNvPr id="6" name="Slide Number Placeholder 5"/>
-          <p:cNvSpPr>
-            <a:spLocks noGrp="1"/>
-          </p:cNvSpPr>
-          <p:nvPr>
-            <p:ph type="sldNum" sz="quarter" idx="12"/>
-          </p:nvPr>
-        </p:nvSpPr>
-        <p:spPr/>
-        <p:txBody>
-          <a:bodyPr/>
-          <a:lstStyle/>
-          <a:p>
-            <a:fld id="{3680D392-614A-43D7-BA76-AB1FFE045AF8}" type="slidenum">
-              <a:rPr lang="en-US" smtClean="0"/>
-              <a:t>4</a:t>
-            </a:fld>
-            <a:endParaRPr lang="en-US" dirty="0"/>
-          </a:p>
-        </p:txBody>
-      </p:sp>
     </p:spTree>
     <p:extLst>
       <p:ext uri="{BB962C8B-B14F-4D97-AF65-F5344CB8AC3E}">
-        <p14:creationId xmlns:p14="http://schemas.microsoft.com/office/powerpoint/2010/main" val="1030198866"/>
+        <p14:creationId xmlns:p14="http://schemas.microsoft.com/office/powerpoint/2010/main" val="1981149487"/>
       </p:ext>
     </p:extLst>
   </p:cSld>
@@ -11650,33 +12493,26 @@
             <p:ph type="title"/>
           </p:nvPr>
         </p:nvSpPr>
-        <p:spPr>
-          <a:xfrm>
-            <a:off x="465043" y="411480"/>
-            <a:ext cx="4126860" cy="679084"/>
-          </a:xfrm>
-        </p:spPr>
-        <p:txBody>
-          <a:bodyPr/>
-          <a:lstStyle/>
-          <a:p>
-            <a:pPr algn="l"/>
-            <a:r>
-              <a:rPr lang="en-US" dirty="0"/>
-              <a:t>Neurons </a:t>
-            </a:r>
+        <p:spPr/>
+        <p:txBody>
+          <a:bodyPr/>
+          <a:lstStyle/>
+          <a:p>
+            <a:r>
+              <a:rPr lang="en-US" cap="none" dirty="0" smtClean="0"/>
+              <a:t>Neural Network Components </a:t>
+            </a:r>
+            <a:endParaRPr lang="en-US" cap="none" dirty="0"/>
           </a:p>
         </p:txBody>
       </p:sp>
       <p:pic>
         <p:nvPicPr>
-          <p:cNvPr id="5" name="Content Placeholder 4"/>
+          <p:cNvPr id="5" name="Picture 4"/>
           <p:cNvPicPr>
-            <a:picLocks noGrp="1" noChangeAspect="1"/>
+            <a:picLocks noChangeAspect="1"/>
           </p:cNvPicPr>
-          <p:nvPr>
-            <p:ph sz="quarter" idx="13"/>
-          </p:nvPr>
+          <p:nvPr/>
         </p:nvPicPr>
         <p:blipFill>
           <a:blip r:embed="rId2"/>
@@ -11686,8 +12522,8 @@
         </p:blipFill>
         <p:spPr>
           <a:xfrm>
-            <a:off x="3466932" y="2544460"/>
-            <a:ext cx="5293020" cy="2475596"/>
+            <a:off x="4782312" y="1837765"/>
+            <a:ext cx="6858000" cy="3648635"/>
           </a:xfrm>
           <a:prstGeom prst="rect">
             <a:avLst/>
@@ -11696,35 +12532,103 @@
       </p:pic>
       <p:sp>
         <p:nvSpPr>
-          <p:cNvPr id="7" name="Rectangle 6"/>
-          <p:cNvSpPr/>
+          <p:cNvPr id="6" name="TextBox 5"/>
+          <p:cNvSpPr txBox="1"/>
           <p:nvPr/>
         </p:nvSpPr>
         <p:spPr>
           <a:xfrm>
-            <a:off x="465043" y="1090564"/>
-            <a:ext cx="10363980" cy="1138773"/>
+            <a:off x="804673" y="1837765"/>
+            <a:ext cx="3300840" cy="3831818"/>
           </a:xfrm>
           <a:prstGeom prst="rect">
             <a:avLst/>
           </a:prstGeom>
-        </p:spPr>
-        <p:txBody>
-          <a:bodyPr wrap="square">
+          <a:noFill/>
+        </p:spPr>
+        <p:txBody>
+          <a:bodyPr wrap="none" rtlCol="0">
             <a:spAutoFit/>
           </a:bodyPr>
           <a:lstStyle/>
           <a:p>
             <a:r>
-              <a:rPr lang="en-US" sz="2500" dirty="0">
+              <a:rPr lang="en-US" sz="2500" b="1" dirty="0" smtClean="0">
                 <a:latin typeface="Times New Roman" panose="02020603050405020304" pitchFamily="18" charset="0"/>
                 <a:cs typeface="Times New Roman" panose="02020603050405020304" pitchFamily="18" charset="0"/>
               </a:rPr>
-              <a:t>it is a mathematical operation , it takes input data multiplied by weights and pass the sum through an activation functions to other neurons </a:t>
-            </a:r>
-          </a:p>
-          <a:p>
-            <a:endParaRPr lang="en-US" dirty="0"/>
+              <a:t>• Layers </a:t>
+            </a:r>
+          </a:p>
+          <a:p>
+            <a:endParaRPr lang="en-US" sz="2500" b="1" dirty="0">
+              <a:latin typeface="Times New Roman" panose="02020603050405020304" pitchFamily="18" charset="0"/>
+              <a:cs typeface="Times New Roman" panose="02020603050405020304" pitchFamily="18" charset="0"/>
+            </a:endParaRPr>
+          </a:p>
+          <a:p>
+            <a:r>
+              <a:rPr lang="en-US" sz="2500" b="1" dirty="0" smtClean="0">
+                <a:latin typeface="Times New Roman" panose="02020603050405020304" pitchFamily="18" charset="0"/>
+                <a:cs typeface="Times New Roman" panose="02020603050405020304" pitchFamily="18" charset="0"/>
+              </a:rPr>
+              <a:t>• Neurons </a:t>
+            </a:r>
+          </a:p>
+          <a:p>
+            <a:endParaRPr lang="en-US" sz="2500" b="1" dirty="0">
+              <a:latin typeface="Times New Roman" panose="02020603050405020304" pitchFamily="18" charset="0"/>
+              <a:cs typeface="Times New Roman" panose="02020603050405020304" pitchFamily="18" charset="0"/>
+            </a:endParaRPr>
+          </a:p>
+          <a:p>
+            <a:r>
+              <a:rPr lang="en-US" sz="2500" b="1" dirty="0" smtClean="0">
+                <a:latin typeface="Times New Roman" panose="02020603050405020304" pitchFamily="18" charset="0"/>
+                <a:cs typeface="Times New Roman" panose="02020603050405020304" pitchFamily="18" charset="0"/>
+              </a:rPr>
+              <a:t>• Weights </a:t>
+            </a:r>
+          </a:p>
+          <a:p>
+            <a:endParaRPr lang="en-US" sz="2500" b="1" dirty="0">
+              <a:latin typeface="Times New Roman" panose="02020603050405020304" pitchFamily="18" charset="0"/>
+              <a:cs typeface="Times New Roman" panose="02020603050405020304" pitchFamily="18" charset="0"/>
+            </a:endParaRPr>
+          </a:p>
+          <a:p>
+            <a:r>
+              <a:rPr lang="en-US" sz="2500" b="1" dirty="0" smtClean="0">
+                <a:latin typeface="Times New Roman" panose="02020603050405020304" pitchFamily="18" charset="0"/>
+                <a:cs typeface="Times New Roman" panose="02020603050405020304" pitchFamily="18" charset="0"/>
+              </a:rPr>
+              <a:t>• Bias </a:t>
+            </a:r>
+          </a:p>
+          <a:p>
+            <a:endParaRPr lang="en-US" sz="2500" b="1" dirty="0">
+              <a:latin typeface="Times New Roman" panose="02020603050405020304" pitchFamily="18" charset="0"/>
+              <a:cs typeface="Times New Roman" panose="02020603050405020304" pitchFamily="18" charset="0"/>
+            </a:endParaRPr>
+          </a:p>
+          <a:p>
+            <a:r>
+              <a:rPr lang="en-US" sz="2500" b="1" dirty="0" smtClean="0">
+                <a:latin typeface="Times New Roman" panose="02020603050405020304" pitchFamily="18" charset="0"/>
+                <a:cs typeface="Times New Roman" panose="02020603050405020304" pitchFamily="18" charset="0"/>
+              </a:rPr>
+              <a:t>• Activation </a:t>
+            </a:r>
+            <a:r>
+              <a:rPr lang="en-US" sz="2500" b="1" dirty="0">
+                <a:latin typeface="Times New Roman" panose="02020603050405020304" pitchFamily="18" charset="0"/>
+                <a:cs typeface="Times New Roman" panose="02020603050405020304" pitchFamily="18" charset="0"/>
+              </a:rPr>
+              <a:t>Functions </a:t>
+            </a:r>
+          </a:p>
+          <a:p>
+            <a:endParaRPr lang="en-US" b="1" dirty="0"/>
           </a:p>
         </p:txBody>
       </p:sp>
@@ -11777,7 +12681,7 @@
     </p:spTree>
     <p:extLst>
       <p:ext uri="{BB962C8B-B14F-4D97-AF65-F5344CB8AC3E}">
-        <p14:creationId xmlns:p14="http://schemas.microsoft.com/office/powerpoint/2010/main" val="841085876"/>
+        <p14:creationId xmlns:p14="http://schemas.microsoft.com/office/powerpoint/2010/main" val="3083309797"/>
       </p:ext>
     </p:extLst>
   </p:cSld>
@@ -11823,8 +12727,8 @@
         </p:nvSpPr>
         <p:spPr>
           <a:xfrm>
-            <a:off x="419323" y="384048"/>
-            <a:ext cx="4126860" cy="752236"/>
+            <a:off x="446755" y="484632"/>
+            <a:ext cx="4126860" cy="669940"/>
           </a:xfrm>
         </p:spPr>
         <p:txBody>
@@ -11833,9 +12737,10 @@
           <a:p>
             <a:pPr algn="l"/>
             <a:r>
-              <a:rPr lang="en-US" dirty="0"/>
-              <a:t>Weights </a:t>
-            </a:r>
+              <a:rPr lang="en-US" cap="none" dirty="0" smtClean="0"/>
+              <a:t>Layers </a:t>
+            </a:r>
+            <a:endParaRPr lang="en-US" dirty="0"/>
           </a:p>
         </p:txBody>
       </p:sp>
@@ -11857,8 +12762,8 @@
         </p:blipFill>
         <p:spPr>
           <a:xfrm>
-            <a:off x="3273552" y="2535591"/>
-            <a:ext cx="5102352" cy="2568268"/>
+            <a:off x="2262964" y="1824512"/>
+            <a:ext cx="6034087" cy="3444177"/>
           </a:xfrm>
           <a:prstGeom prst="rect">
             <a:avLst/>
@@ -11867,14 +12772,14 @@
       </p:pic>
       <p:sp>
         <p:nvSpPr>
-          <p:cNvPr id="6" name="Rectangle 5"/>
+          <p:cNvPr id="3" name="Rectangle 2"/>
           <p:cNvSpPr/>
           <p:nvPr/>
         </p:nvSpPr>
         <p:spPr>
           <a:xfrm>
-            <a:off x="419323" y="1266551"/>
-            <a:ext cx="10571765" cy="1138773"/>
+            <a:off x="529050" y="1154572"/>
+            <a:ext cx="9501917" cy="477054"/>
           </a:xfrm>
           <a:prstGeom prst="rect">
             <a:avLst/>
@@ -11891,17 +12796,14 @@
                 <a:latin typeface="Times New Roman" panose="02020603050405020304" pitchFamily="18" charset="0"/>
                 <a:cs typeface="Times New Roman" panose="02020603050405020304" pitchFamily="18" charset="0"/>
               </a:rPr>
-              <a:t>First they are chosen random at the beginning of training and then it optimized to reduce loss during training </a:t>
-            </a:r>
-          </a:p>
-          <a:p>
-            <a:endParaRPr lang="en-US" dirty="0"/>
-          </a:p>
-        </p:txBody>
-      </p:sp>
-      <p:sp>
-        <p:nvSpPr>
-          <p:cNvPr id="3" name="Footer Placeholder 2"/>
+              <a:t>are used to hold neurons and pass it to subsequent layers </a:t>
+            </a:r>
+          </a:p>
+        </p:txBody>
+      </p:sp>
+      <p:sp>
+        <p:nvSpPr>
+          <p:cNvPr id="4" name="Footer Placeholder 3"/>
           <p:cNvSpPr>
             <a:spLocks noGrp="1"/>
           </p:cNvSpPr>
@@ -11924,7 +12826,7 @@
       </p:sp>
       <p:sp>
         <p:nvSpPr>
-          <p:cNvPr id="4" name="Slide Number Placeholder 3"/>
+          <p:cNvPr id="6" name="Slide Number Placeholder 5"/>
           <p:cNvSpPr>
             <a:spLocks noGrp="1"/>
           </p:cNvSpPr>
@@ -11948,7 +12850,7 @@
     </p:spTree>
     <p:extLst>
       <p:ext uri="{BB962C8B-B14F-4D97-AF65-F5344CB8AC3E}">
-        <p14:creationId xmlns:p14="http://schemas.microsoft.com/office/powerpoint/2010/main" val="1507438706"/>
+        <p14:creationId xmlns:p14="http://schemas.microsoft.com/office/powerpoint/2010/main" val="1030198866"/>
       </p:ext>
     </p:extLst>
   </p:cSld>
@@ -11994,8 +12896,8 @@
         </p:nvSpPr>
         <p:spPr>
           <a:xfrm>
-            <a:off x="529051" y="590892"/>
-            <a:ext cx="4126860" cy="642508"/>
+            <a:off x="465043" y="411480"/>
+            <a:ext cx="4126860" cy="679084"/>
           </a:xfrm>
         </p:spPr>
         <p:txBody>
@@ -12004,9 +12906,10 @@
           <a:p>
             <a:pPr algn="l"/>
             <a:r>
-              <a:rPr lang="en-US" dirty="0"/>
-              <a:t>Bias </a:t>
-            </a:r>
+              <a:rPr lang="en-US" cap="none" dirty="0" smtClean="0"/>
+              <a:t>Neurons </a:t>
+            </a:r>
+            <a:endParaRPr lang="en-US" dirty="0"/>
           </a:p>
         </p:txBody>
       </p:sp>
@@ -12028,53 +12931,29 @@
         </p:blipFill>
         <p:spPr>
           <a:xfrm>
-            <a:off x="6931152" y="590892"/>
-            <a:ext cx="3964806" cy="2618652"/>
+            <a:off x="3466932" y="2544460"/>
+            <a:ext cx="5293020" cy="2475596"/>
           </a:xfrm>
           <a:prstGeom prst="rect">
             <a:avLst/>
           </a:prstGeom>
         </p:spPr>
       </p:pic>
-      <p:pic>
-        <p:nvPicPr>
-          <p:cNvPr id="6" name="Picture 5"/>
-          <p:cNvPicPr>
-            <a:picLocks noChangeAspect="1"/>
-          </p:cNvPicPr>
+      <p:sp>
+        <p:nvSpPr>
+          <p:cNvPr id="7" name="Rectangle 6"/>
+          <p:cNvSpPr/>
           <p:nvPr/>
-        </p:nvPicPr>
-        <p:blipFill>
-          <a:blip r:embed="rId3"/>
-          <a:stretch>
-            <a:fillRect/>
-          </a:stretch>
-        </p:blipFill>
-        <p:spPr>
-          <a:xfrm>
-            <a:off x="6931152" y="3209545"/>
-            <a:ext cx="3964806" cy="2286000"/>
+        </p:nvSpPr>
+        <p:spPr>
+          <a:xfrm>
+            <a:off x="465043" y="1090564"/>
+            <a:ext cx="10363980" cy="1138773"/>
           </a:xfrm>
           <a:prstGeom prst="rect">
             <a:avLst/>
           </a:prstGeom>
         </p:spPr>
-      </p:pic>
-      <p:sp>
-        <p:nvSpPr>
-          <p:cNvPr id="8" name="Rectangle 7"/>
-          <p:cNvSpPr/>
-          <p:nvPr/>
-        </p:nvSpPr>
-        <p:spPr>
-          <a:xfrm>
-            <a:off x="529051" y="1491762"/>
-            <a:ext cx="5680163" cy="2031325"/>
-          </a:xfrm>
-          <a:prstGeom prst="rect">
-            <a:avLst/>
-          </a:prstGeom>
-        </p:spPr>
         <p:txBody>
           <a:bodyPr wrap="square">
             <a:spAutoFit/>
@@ -12082,47 +12961,11 @@
           <a:lstStyle/>
           <a:p>
             <a:r>
-              <a:rPr lang="en-US" b="1" dirty="0">
+              <a:rPr lang="en-US" sz="2500" dirty="0">
                 <a:latin typeface="Times New Roman" panose="02020603050405020304" pitchFamily="18" charset="0"/>
                 <a:cs typeface="Times New Roman" panose="02020603050405020304" pitchFamily="18" charset="0"/>
               </a:rPr>
-              <a:t>•Bias is just like an intercept added in a linear equation </a:t>
-            </a:r>
-          </a:p>
-          <a:p>
-            <a:r>
-              <a:rPr lang="en-US" b="1" dirty="0">
-                <a:latin typeface="Times New Roman" panose="02020603050405020304" pitchFamily="18" charset="0"/>
-                <a:cs typeface="Times New Roman" panose="02020603050405020304" pitchFamily="18" charset="0"/>
-              </a:rPr>
-              <a:t>•output = sum (weights * inputs) + bias </a:t>
-            </a:r>
-          </a:p>
-          <a:p>
-            <a:r>
-              <a:rPr lang="en-US" b="1" dirty="0">
-                <a:latin typeface="Times New Roman" panose="02020603050405020304" pitchFamily="18" charset="0"/>
-                <a:cs typeface="Times New Roman" panose="02020603050405020304" pitchFamily="18" charset="0"/>
-              </a:rPr>
-              <a:t>•There is only one bias per neuron </a:t>
-            </a:r>
-          </a:p>
-          <a:p>
-            <a:r>
-              <a:rPr lang="en-US" b="1" dirty="0">
-                <a:latin typeface="Times New Roman" panose="02020603050405020304" pitchFamily="18" charset="0"/>
-                <a:cs typeface="Times New Roman" panose="02020603050405020304" pitchFamily="18" charset="0"/>
-              </a:rPr>
-              <a:t>•There is a vector of bias per layer </a:t>
-            </a:r>
-          </a:p>
-          <a:p>
-            <a:r>
-              <a:rPr lang="en-US" b="1" dirty="0">
-                <a:latin typeface="Times New Roman" panose="02020603050405020304" pitchFamily="18" charset="0"/>
-                <a:cs typeface="Times New Roman" panose="02020603050405020304" pitchFamily="18" charset="0"/>
-              </a:rPr>
-              <a:t>•Bias is a constant which helps the model in a way that it can fit best for the given data. </a:t>
+              <a:t>it is a mathematical operation , it takes input data multiplied by weights and pass the sum through an activation functions to other neurons </a:t>
             </a:r>
           </a:p>
           <a:p>
@@ -12179,7 +13022,7 @@
     </p:spTree>
     <p:extLst>
       <p:ext uri="{BB962C8B-B14F-4D97-AF65-F5344CB8AC3E}">
-        <p14:creationId xmlns:p14="http://schemas.microsoft.com/office/powerpoint/2010/main" val="1817719020"/>
+        <p14:creationId xmlns:p14="http://schemas.microsoft.com/office/powerpoint/2010/main" val="841085876"/>
       </p:ext>
     </p:extLst>
   </p:cSld>
@@ -12225,21 +13068,20 @@
         </p:nvSpPr>
         <p:spPr>
           <a:xfrm>
-            <a:off x="310896" y="576072"/>
-            <a:ext cx="4509607" cy="633364"/>
-          </a:xfrm>
-        </p:spPr>
-        <p:txBody>
-          <a:bodyPr>
-            <a:normAutofit/>
-          </a:bodyPr>
+            <a:off x="419323" y="384048"/>
+            <a:ext cx="4126860" cy="752236"/>
+          </a:xfrm>
+        </p:spPr>
+        <p:txBody>
+          <a:bodyPr/>
           <a:lstStyle/>
           <a:p>
             <a:pPr algn="l"/>
             <a:r>
-              <a:rPr lang="en-US" dirty="0"/>
-              <a:t>Activation Functions </a:t>
-            </a:r>
+              <a:rPr lang="en-US" cap="none" dirty="0" smtClean="0"/>
+              <a:t>Weights </a:t>
+            </a:r>
+            <a:endParaRPr lang="en-US" dirty="0"/>
           </a:p>
         </p:txBody>
       </p:sp>
@@ -12261,8 +13103,8 @@
         </p:blipFill>
         <p:spPr>
           <a:xfrm>
-            <a:off x="5439855" y="1534174"/>
-            <a:ext cx="6034087" cy="2844876"/>
+            <a:off x="3273552" y="2535591"/>
+            <a:ext cx="5102352" cy="2568268"/>
           </a:xfrm>
           <a:prstGeom prst="rect">
             <a:avLst/>
@@ -12271,14 +13113,14 @@
       </p:pic>
       <p:sp>
         <p:nvSpPr>
-          <p:cNvPr id="7" name="Rectangle 6"/>
+          <p:cNvPr id="6" name="Rectangle 5"/>
           <p:cNvSpPr/>
           <p:nvPr/>
         </p:nvSpPr>
         <p:spPr>
           <a:xfrm>
-            <a:off x="310896" y="1534174"/>
-            <a:ext cx="5128959" cy="3139321"/>
+            <a:off x="419323" y="1266551"/>
+            <a:ext cx="10571765" cy="1138773"/>
           </a:xfrm>
           <a:prstGeom prst="rect">
             <a:avLst/>
@@ -12291,38 +13133,11 @@
           <a:lstStyle/>
           <a:p>
             <a:r>
-              <a:rPr lang="en-US" b="1" dirty="0">
+              <a:rPr lang="en-US" sz="2500" dirty="0">
                 <a:latin typeface="Times New Roman" panose="02020603050405020304" pitchFamily="18" charset="0"/>
                 <a:cs typeface="Times New Roman" panose="02020603050405020304" pitchFamily="18" charset="0"/>
               </a:rPr>
-              <a:t>It’s a function that we use to get the output of node. </a:t>
-            </a:r>
-          </a:p>
-          <a:p>
-            <a:r>
-              <a:rPr lang="en-US" b="1" dirty="0">
-                <a:latin typeface="Times New Roman" panose="02020603050405020304" pitchFamily="18" charset="0"/>
-                <a:cs typeface="Times New Roman" panose="02020603050405020304" pitchFamily="18" charset="0"/>
-              </a:rPr>
-              <a:t>• It is also known as Transfer Function. </a:t>
-            </a:r>
-          </a:p>
-          <a:p>
-            <a:r>
-              <a:rPr lang="en-US" b="1" dirty="0">
-                <a:latin typeface="Times New Roman" panose="02020603050405020304" pitchFamily="18" charset="0"/>
-                <a:cs typeface="Times New Roman" panose="02020603050405020304" pitchFamily="18" charset="0"/>
-              </a:rPr>
-              <a:t>•The purpose of the activation function is to introduce non-linearity into the output of a neuron. </a:t>
-            </a:r>
-          </a:p>
-          <a:p>
-            <a:r>
-              <a:rPr lang="en-US" b="1" dirty="0">
-                <a:latin typeface="Times New Roman" panose="02020603050405020304" pitchFamily="18" charset="0"/>
-                <a:cs typeface="Times New Roman" panose="02020603050405020304" pitchFamily="18" charset="0"/>
-              </a:rPr>
-              <a:t>•Activation function also helps to normalize the output of any input in the range between 0 to 1 or 1 to -1 or any values according to activation function. </a:t>
+              <a:t>First they are chosen random at the beginning of training and then it optimized to reduce loss during training </a:t>
             </a:r>
           </a:p>
           <a:p>
@@ -12379,7 +13194,7 @@
     </p:spTree>
     <p:extLst>
       <p:ext uri="{BB962C8B-B14F-4D97-AF65-F5344CB8AC3E}">
-        <p14:creationId xmlns:p14="http://schemas.microsoft.com/office/powerpoint/2010/main" val="2315110271"/>
+        <p14:creationId xmlns:p14="http://schemas.microsoft.com/office/powerpoint/2010/main" val="1507438706"/>
       </p:ext>
     </p:extLst>
   </p:cSld>
@@ -12425,8 +13240,8 @@
         </p:nvSpPr>
         <p:spPr>
           <a:xfrm>
-            <a:off x="474186" y="585216"/>
-            <a:ext cx="5789453" cy="679084"/>
+            <a:off x="529051" y="590892"/>
+            <a:ext cx="4126860" cy="642508"/>
           </a:xfrm>
         </p:spPr>
         <p:txBody>
@@ -12435,9 +13250,10 @@
           <a:p>
             <a:pPr algn="l"/>
             <a:r>
-              <a:rPr lang="en-US" dirty="0"/>
-              <a:t>Why Activation functions?</a:t>
-            </a:r>
+              <a:rPr lang="en-US" cap="none" dirty="0" smtClean="0"/>
+              <a:t>Bias </a:t>
+            </a:r>
+            <a:endParaRPr lang="en-US" dirty="0"/>
           </a:p>
         </p:txBody>
       </p:sp>
@@ -12459,29 +13275,53 @@
         </p:blipFill>
         <p:spPr>
           <a:xfrm>
-            <a:off x="2903045" y="2590180"/>
-            <a:ext cx="6034087" cy="2844876"/>
+            <a:off x="6931152" y="590892"/>
+            <a:ext cx="3964806" cy="2618652"/>
           </a:xfrm>
           <a:prstGeom prst="rect">
             <a:avLst/>
           </a:prstGeom>
         </p:spPr>
       </p:pic>
-      <p:sp>
-        <p:nvSpPr>
-          <p:cNvPr id="6" name="Rectangle 5"/>
-          <p:cNvSpPr/>
+      <p:pic>
+        <p:nvPicPr>
+          <p:cNvPr id="6" name="Picture 5"/>
+          <p:cNvPicPr>
+            <a:picLocks noChangeAspect="1"/>
+          </p:cNvPicPr>
           <p:nvPr/>
-        </p:nvSpPr>
-        <p:spPr>
-          <a:xfrm>
-            <a:off x="474186" y="1392316"/>
-            <a:ext cx="10891806" cy="923330"/>
+        </p:nvPicPr>
+        <p:blipFill>
+          <a:blip r:embed="rId3"/>
+          <a:stretch>
+            <a:fillRect/>
+          </a:stretch>
+        </p:blipFill>
+        <p:spPr>
+          <a:xfrm>
+            <a:off x="6931152" y="3209545"/>
+            <a:ext cx="3964806" cy="2286000"/>
           </a:xfrm>
           <a:prstGeom prst="rect">
             <a:avLst/>
           </a:prstGeom>
         </p:spPr>
+      </p:pic>
+      <p:sp>
+        <p:nvSpPr>
+          <p:cNvPr id="8" name="Rectangle 7"/>
+          <p:cNvSpPr/>
+          <p:nvPr/>
+        </p:nvSpPr>
+        <p:spPr>
+          <a:xfrm>
+            <a:off x="529051" y="1491762"/>
+            <a:ext cx="5680163" cy="2031325"/>
+          </a:xfrm>
+          <a:prstGeom prst="rect">
+            <a:avLst/>
+          </a:prstGeom>
+        </p:spPr>
         <p:txBody>
           <a:bodyPr wrap="square">
             <a:spAutoFit/>
@@ -12493,12 +13333,47 @@
                 <a:latin typeface="Times New Roman" panose="02020603050405020304" pitchFamily="18" charset="0"/>
                 <a:cs typeface="Times New Roman" panose="02020603050405020304" pitchFamily="18" charset="0"/>
               </a:rPr>
-              <a:t>Without activation function, weight and bias would only have a linear transformation, or neural network is just a linear regression model, a linear equation is polynomial of one degree only which is simple to solve but limited in terms of ability to solve complex problems or higher degree polynomials</a:t>
-            </a:r>
-            <a:r>
-              <a:rPr lang="en-US" dirty="0"/>
-              <a:t>.</a:t>
-            </a:r>
+              <a:t>•Bias is just like an intercept added in a linear equation </a:t>
+            </a:r>
+          </a:p>
+          <a:p>
+            <a:r>
+              <a:rPr lang="en-US" b="1" dirty="0">
+                <a:latin typeface="Times New Roman" panose="02020603050405020304" pitchFamily="18" charset="0"/>
+                <a:cs typeface="Times New Roman" panose="02020603050405020304" pitchFamily="18" charset="0"/>
+              </a:rPr>
+              <a:t>•output = sum (weights * inputs) + bias </a:t>
+            </a:r>
+          </a:p>
+          <a:p>
+            <a:r>
+              <a:rPr lang="en-US" b="1" dirty="0">
+                <a:latin typeface="Times New Roman" panose="02020603050405020304" pitchFamily="18" charset="0"/>
+                <a:cs typeface="Times New Roman" panose="02020603050405020304" pitchFamily="18" charset="0"/>
+              </a:rPr>
+              <a:t>•There is only one bias per neuron </a:t>
+            </a:r>
+          </a:p>
+          <a:p>
+            <a:r>
+              <a:rPr lang="en-US" b="1" dirty="0">
+                <a:latin typeface="Times New Roman" panose="02020603050405020304" pitchFamily="18" charset="0"/>
+                <a:cs typeface="Times New Roman" panose="02020603050405020304" pitchFamily="18" charset="0"/>
+              </a:rPr>
+              <a:t>•There is a vector of bias per layer </a:t>
+            </a:r>
+          </a:p>
+          <a:p>
+            <a:r>
+              <a:rPr lang="en-US" b="1" dirty="0">
+                <a:latin typeface="Times New Roman" panose="02020603050405020304" pitchFamily="18" charset="0"/>
+                <a:cs typeface="Times New Roman" panose="02020603050405020304" pitchFamily="18" charset="0"/>
+              </a:rPr>
+              <a:t>•Bias is a constant which helps the model in a way that it can fit best for the given data. </a:t>
+            </a:r>
+          </a:p>
+          <a:p>
+            <a:endParaRPr lang="en-US" dirty="0"/>
           </a:p>
         </p:txBody>
       </p:sp>
@@ -12551,7 +13426,7 @@
     </p:spTree>
     <p:extLst>
       <p:ext uri="{BB962C8B-B14F-4D97-AF65-F5344CB8AC3E}">
-        <p14:creationId xmlns:p14="http://schemas.microsoft.com/office/powerpoint/2010/main" val="2914177479"/>
+        <p14:creationId xmlns:p14="http://schemas.microsoft.com/office/powerpoint/2010/main" val="1817719020"/>
       </p:ext>
     </p:extLst>
   </p:cSld>
